--- a/学术活动管理系统.pptx
+++ b/学术活动管理系统.pptx
@@ -10,9 +10,8 @@
     <p:sldId id="266" r:id="rId4"/>
     <p:sldId id="262" r:id="rId5"/>
     <p:sldId id="274" r:id="rId6"/>
-    <p:sldId id="276" r:id="rId7"/>
-    <p:sldId id="279" r:id="rId8"/>
-    <p:sldId id="278" r:id="rId9"/>
+    <p:sldId id="279" r:id="rId7"/>
+    <p:sldId id="278" r:id="rId8"/>
   </p:sldIdLst>
   <p:sldSz cx="9144000" cy="5143500" type="screen16x9"/>
   <p:notesSz cx="6858000" cy="9144000"/>
@@ -261,7 +260,7 @@
           <a:p>
             <a:fld id="{D1F6A4ED-B612-40EC-8E90-83F3009E2301}" type="datetimeFigureOut">
               <a:rPr lang="zh-CN" altLang="en-US" smtClean="0"/>
-              <a:t>2019/4/25</a:t>
+              <a:t>2019/4/26</a:t>
             </a:fld>
             <a:endParaRPr lang="zh-CN" altLang="en-US"/>
           </a:p>
@@ -431,7 +430,7 @@
           <a:p>
             <a:fld id="{D1F6A4ED-B612-40EC-8E90-83F3009E2301}" type="datetimeFigureOut">
               <a:rPr lang="zh-CN" altLang="en-US" smtClean="0"/>
-              <a:t>2019/4/25</a:t>
+              <a:t>2019/4/26</a:t>
             </a:fld>
             <a:endParaRPr lang="zh-CN" altLang="en-US"/>
           </a:p>
@@ -611,7 +610,7 @@
           <a:p>
             <a:fld id="{D1F6A4ED-B612-40EC-8E90-83F3009E2301}" type="datetimeFigureOut">
               <a:rPr lang="zh-CN" altLang="en-US" smtClean="0"/>
-              <a:t>2019/4/25</a:t>
+              <a:t>2019/4/26</a:t>
             </a:fld>
             <a:endParaRPr lang="zh-CN" altLang="en-US"/>
           </a:p>
@@ -729,7 +728,7 @@
           <a:p>
             <a:fld id="{D1F6A4ED-B612-40EC-8E90-83F3009E2301}" type="datetimeFigureOut">
               <a:rPr lang="zh-CN" altLang="en-US" smtClean="0"/>
-              <a:t>2019/4/25</a:t>
+              <a:t>2019/4/26</a:t>
             </a:fld>
             <a:endParaRPr lang="zh-CN" altLang="en-US"/>
           </a:p>
@@ -1796,7 +1795,7 @@
           <a:p>
             <a:fld id="{D1F6A4ED-B612-40EC-8E90-83F3009E2301}" type="datetimeFigureOut">
               <a:rPr lang="zh-CN" altLang="en-US" smtClean="0"/>
-              <a:t>2019/4/25</a:t>
+              <a:t>2019/4/26</a:t>
             </a:fld>
             <a:endParaRPr lang="zh-CN" altLang="en-US"/>
           </a:p>
@@ -2042,7 +2041,7 @@
           <a:p>
             <a:fld id="{D1F6A4ED-B612-40EC-8E90-83F3009E2301}" type="datetimeFigureOut">
               <a:rPr lang="zh-CN" altLang="en-US" smtClean="0"/>
-              <a:t>2019/4/25</a:t>
+              <a:t>2019/4/26</a:t>
             </a:fld>
             <a:endParaRPr lang="zh-CN" altLang="en-US"/>
           </a:p>
@@ -2274,7 +2273,7 @@
           <a:p>
             <a:fld id="{D1F6A4ED-B612-40EC-8E90-83F3009E2301}" type="datetimeFigureOut">
               <a:rPr lang="zh-CN" altLang="en-US" smtClean="0"/>
-              <a:t>2019/4/25</a:t>
+              <a:t>2019/4/26</a:t>
             </a:fld>
             <a:endParaRPr lang="zh-CN" altLang="en-US"/>
           </a:p>
@@ -2641,7 +2640,7 @@
           <a:p>
             <a:fld id="{D1F6A4ED-B612-40EC-8E90-83F3009E2301}" type="datetimeFigureOut">
               <a:rPr lang="zh-CN" altLang="en-US" smtClean="0"/>
-              <a:t>2019/4/25</a:t>
+              <a:t>2019/4/26</a:t>
             </a:fld>
             <a:endParaRPr lang="zh-CN" altLang="en-US"/>
           </a:p>
@@ -2759,7 +2758,7 @@
           <a:p>
             <a:fld id="{D1F6A4ED-B612-40EC-8E90-83F3009E2301}" type="datetimeFigureOut">
               <a:rPr lang="zh-CN" altLang="en-US" smtClean="0"/>
-              <a:t>2019/4/25</a:t>
+              <a:t>2019/4/26</a:t>
             </a:fld>
             <a:endParaRPr lang="zh-CN" altLang="en-US"/>
           </a:p>
@@ -2854,7 +2853,7 @@
           <a:p>
             <a:fld id="{D1F6A4ED-B612-40EC-8E90-83F3009E2301}" type="datetimeFigureOut">
               <a:rPr lang="zh-CN" altLang="en-US" smtClean="0"/>
-              <a:t>2019/4/25</a:t>
+              <a:t>2019/4/26</a:t>
             </a:fld>
             <a:endParaRPr lang="zh-CN" altLang="en-US"/>
           </a:p>
@@ -3131,7 +3130,7 @@
           <a:p>
             <a:fld id="{D1F6A4ED-B612-40EC-8E90-83F3009E2301}" type="datetimeFigureOut">
               <a:rPr lang="zh-CN" altLang="en-US" smtClean="0"/>
-              <a:t>2019/4/25</a:t>
+              <a:t>2019/4/26</a:t>
             </a:fld>
             <a:endParaRPr lang="zh-CN" altLang="en-US"/>
           </a:p>
@@ -3388,7 +3387,7 @@
           <a:p>
             <a:fld id="{D1F6A4ED-B612-40EC-8E90-83F3009E2301}" type="datetimeFigureOut">
               <a:rPr lang="zh-CN" altLang="en-US" smtClean="0"/>
-              <a:t>2019/4/25</a:t>
+              <a:t>2019/4/26</a:t>
             </a:fld>
             <a:endParaRPr lang="zh-CN" altLang="en-US"/>
           </a:p>
@@ -3610,7 +3609,7 @@
           <a:p>
             <a:fld id="{D1F6A4ED-B612-40EC-8E90-83F3009E2301}" type="datetimeFigureOut">
               <a:rPr lang="zh-CN" altLang="en-US" smtClean="0"/>
-              <a:t>2019/4/25</a:t>
+              <a:t>2019/4/26</a:t>
             </a:fld>
             <a:endParaRPr lang="zh-CN" altLang="en-US"/>
           </a:p>
@@ -4397,17 +4396,7 @@
                 <a:latin typeface="微软雅黑" pitchFamily="34" charset="-122"/>
                 <a:ea typeface="微软雅黑" pitchFamily="34" charset="-122"/>
               </a:rPr>
-              <a:t>专业：</a:t>
-            </a:r>
-            <a:r>
-              <a:rPr lang="zh-CN" altLang="en-US" sz="1400" dirty="0" smtClean="0">
-                <a:solidFill>
-                  <a:schemeClr val="bg1"/>
-                </a:solidFill>
-                <a:latin typeface="微软雅黑" pitchFamily="34" charset="-122"/>
-                <a:ea typeface="微软雅黑" pitchFamily="34" charset="-122"/>
-              </a:rPr>
-              <a:t>信息管理与信息系统</a:t>
+              <a:t>专业：信息管理与信息系统</a:t>
             </a:r>
             <a:endParaRPr lang="zh-CN" altLang="en-US" sz="1400" dirty="0">
               <a:solidFill>
@@ -4450,27 +4439,7 @@
                 <a:latin typeface="微软雅黑" pitchFamily="34" charset="-122"/>
                 <a:ea typeface="微软雅黑" pitchFamily="34" charset="-122"/>
               </a:rPr>
-              <a:t>答辩</a:t>
-            </a:r>
-            <a:r>
-              <a:rPr lang="zh-CN" altLang="en-US" sz="1400" dirty="0" smtClean="0">
-                <a:solidFill>
-                  <a:schemeClr val="bg1"/>
-                </a:solidFill>
-                <a:latin typeface="微软雅黑" pitchFamily="34" charset="-122"/>
-                <a:ea typeface="微软雅黑" pitchFamily="34" charset="-122"/>
-              </a:rPr>
-              <a:t>人</a:t>
-            </a:r>
-            <a:r>
-              <a:rPr lang="zh-CN" altLang="en-US" sz="1400" dirty="0" smtClean="0">
-                <a:solidFill>
-                  <a:schemeClr val="bg1"/>
-                </a:solidFill>
-                <a:latin typeface="微软雅黑" pitchFamily="34" charset="-122"/>
-                <a:ea typeface="微软雅黑" pitchFamily="34" charset="-122"/>
-              </a:rPr>
-              <a:t>：</a:t>
+              <a:t>答辩人：</a:t>
             </a:r>
             <a:r>
               <a:rPr lang="zh-CN" altLang="en-US" sz="1400" dirty="0">
@@ -4490,27 +4459,7 @@
                 <a:latin typeface="微软雅黑" pitchFamily="34" charset="-122"/>
                 <a:ea typeface="微软雅黑" pitchFamily="34" charset="-122"/>
               </a:rPr>
-              <a:t>                      </a:t>
-            </a:r>
-            <a:r>
-              <a:rPr lang="zh-CN" altLang="en-US" sz="1400" dirty="0" smtClean="0">
-                <a:solidFill>
-                  <a:schemeClr val="bg1"/>
-                </a:solidFill>
-                <a:latin typeface="微软雅黑" pitchFamily="34" charset="-122"/>
-                <a:ea typeface="微软雅黑" pitchFamily="34" charset="-122"/>
-              </a:rPr>
-              <a:t>导师</a:t>
-            </a:r>
-            <a:r>
-              <a:rPr lang="zh-CN" altLang="en-US" sz="1400" dirty="0" smtClean="0">
-                <a:solidFill>
-                  <a:schemeClr val="bg1"/>
-                </a:solidFill>
-                <a:latin typeface="微软雅黑" pitchFamily="34" charset="-122"/>
-                <a:ea typeface="微软雅黑" pitchFamily="34" charset="-122"/>
-              </a:rPr>
-              <a:t>：杨振刚 副教授</a:t>
+              <a:t>                      导师：杨振刚 副教授</a:t>
             </a:r>
             <a:endParaRPr lang="zh-CN" altLang="en-US" sz="1400" dirty="0">
               <a:solidFill>
@@ -6313,8 +6262,8 @@
       </p:transition>
     </mc:Fallback>
   </mc:AlternateContent>
-  <mc:AlternateContent xmlns:mc="http://schemas.openxmlformats.org/markup-compatibility/2006">
-    <mc:Choice xmlns:p14="http://schemas.microsoft.com/office/powerpoint/2010/main" Requires="p14">
+  <mc:AlternateContent xmlns:mc="http://schemas.openxmlformats.org/markup-compatibility/2006" xmlns:p14="http://schemas.microsoft.com/office/powerpoint/2010/main">
+    <mc:Choice Requires="p14">
       <p:timing>
         <p:tnLst>
           <p:par>
@@ -7094,7 +7043,7 @@
         </p:bldLst>
       </p:timing>
     </mc:Choice>
-    <mc:Fallback>
+    <mc:Fallback xmlns="">
       <p:timing>
         <p:tnLst>
           <p:par>
@@ -9001,8 +8950,8 @@
       </p:transition>
     </mc:Fallback>
   </mc:AlternateContent>
-  <mc:AlternateContent xmlns:mc="http://schemas.openxmlformats.org/markup-compatibility/2006">
-    <mc:Choice xmlns:p14="http://schemas.microsoft.com/office/powerpoint/2010/main" Requires="p14">
+  <mc:AlternateContent xmlns:mc="http://schemas.openxmlformats.org/markup-compatibility/2006" xmlns:p14="http://schemas.microsoft.com/office/powerpoint/2010/main">
+    <mc:Choice Requires="p14">
       <p:timing>
         <p:tnLst>
           <p:par>
@@ -9814,7 +9763,7 @@
         </p:bldLst>
       </p:timing>
     </mc:Choice>
-    <mc:Fallback>
+    <mc:Fallback xmlns="">
       <p:timing>
         <p:tnLst>
           <p:par>
@@ -15186,7 +15135,7 @@
           <a:graphicData uri="http://schemas.openxmlformats.org/presentationml/2006/ole">
             <mc:AlternateContent xmlns:mc="http://schemas.openxmlformats.org/markup-compatibility/2006">
               <mc:Choice xmlns:v="urn:schemas-microsoft-com:vml" Requires="v">
-                <p:oleObj spid="_x0000_s1060" name="Visio" r:id="rId4" imgW="4200624" imgH="2105149" progId="Visio.Drawing.15">
+                <p:oleObj spid="_x0000_s1064" name="Visio" r:id="rId4" imgW="4200624" imgH="2105149" progId="Visio.Drawing.15">
                   <p:embed/>
                 </p:oleObj>
               </mc:Choice>
@@ -15247,7 +15196,7 @@
           <a:graphicData uri="http://schemas.openxmlformats.org/presentationml/2006/ole">
             <mc:AlternateContent xmlns:mc="http://schemas.openxmlformats.org/markup-compatibility/2006">
               <mc:Choice xmlns:v="urn:schemas-microsoft-com:vml" Requires="v">
-                <p:oleObj spid="_x0000_s1061" name="Visio" r:id="rId6" imgW="2581381" imgH="2105149" progId="Visio.Drawing.15">
+                <p:oleObj spid="_x0000_s1065" name="Visio" r:id="rId6" imgW="2581381" imgH="2105149" progId="Visio.Drawing.15">
                   <p:embed/>
                 </p:oleObj>
               </mc:Choice>
@@ -15545,2706 +15494,6 @@
 </file>
 
 <file path=ppt/slides/slide6.xml><?xml version="1.0" encoding="utf-8"?>
-<p:sld xmlns:a="http://schemas.openxmlformats.org/drawingml/2006/main" xmlns:r="http://schemas.openxmlformats.org/officeDocument/2006/relationships" xmlns:p="http://schemas.openxmlformats.org/presentationml/2006/main">
-  <p:cSld>
-    <p:spTree>
-      <p:nvGrpSpPr>
-        <p:cNvPr id="1" name=""/>
-        <p:cNvGrpSpPr/>
-        <p:nvPr/>
-      </p:nvGrpSpPr>
-      <p:grpSpPr>
-        <a:xfrm>
-          <a:off x="0" y="0"/>
-          <a:ext cx="0" cy="0"/>
-          <a:chOff x="0" y="0"/>
-          <a:chExt cx="0" cy="0"/>
-        </a:xfrm>
-      </p:grpSpPr>
-      <p:cxnSp>
-        <p:nvCxnSpPr>
-          <p:cNvPr id="4" name="直接连接符 3"/>
-          <p:cNvCxnSpPr/>
-          <p:nvPr/>
-        </p:nvCxnSpPr>
-        <p:spPr>
-          <a:xfrm>
-            <a:off x="515257" y="624114"/>
-            <a:ext cx="8113486" cy="0"/>
-          </a:xfrm>
-          <a:prstGeom prst="line">
-            <a:avLst/>
-          </a:prstGeom>
-          <a:ln w="12700">
-            <a:solidFill>
-              <a:schemeClr val="tx1"/>
-            </a:solidFill>
-            <a:prstDash val="dash"/>
-          </a:ln>
-        </p:spPr>
-        <p:style>
-          <a:lnRef idx="1">
-            <a:schemeClr val="accent1"/>
-          </a:lnRef>
-          <a:fillRef idx="0">
-            <a:schemeClr val="accent1"/>
-          </a:fillRef>
-          <a:effectRef idx="0">
-            <a:schemeClr val="accent1"/>
-          </a:effectRef>
-          <a:fontRef idx="minor">
-            <a:schemeClr val="tx1"/>
-          </a:fontRef>
-        </p:style>
-      </p:cxnSp>
-      <p:sp>
-        <p:nvSpPr>
-          <p:cNvPr id="5" name="椭圆 4"/>
-          <p:cNvSpPr/>
-          <p:nvPr/>
-        </p:nvSpPr>
-        <p:spPr>
-          <a:xfrm>
-            <a:off x="646880" y="242192"/>
-            <a:ext cx="274777" cy="274777"/>
-          </a:xfrm>
-          <a:prstGeom prst="ellipse">
-            <a:avLst/>
-          </a:prstGeom>
-          <a:solidFill>
-            <a:srgbClr val="1A3F6C"/>
-          </a:solidFill>
-          <a:ln>
-            <a:noFill/>
-          </a:ln>
-          <a:effectLst>
-            <a:outerShdw blurRad="254000" dist="127000" dir="8100000" algn="tr" rotWithShape="0">
-              <a:prstClr val="black">
-                <a:alpha val="60000"/>
-              </a:prstClr>
-            </a:outerShdw>
-          </a:effectLst>
-        </p:spPr>
-        <p:style>
-          <a:lnRef idx="2">
-            <a:schemeClr val="accent1">
-              <a:shade val="50000"/>
-            </a:schemeClr>
-          </a:lnRef>
-          <a:fillRef idx="1">
-            <a:schemeClr val="accent1"/>
-          </a:fillRef>
-          <a:effectRef idx="0">
-            <a:schemeClr val="accent1"/>
-          </a:effectRef>
-          <a:fontRef idx="minor">
-            <a:schemeClr val="lt1"/>
-          </a:fontRef>
-        </p:style>
-        <p:txBody>
-          <a:bodyPr rtlCol="0" anchor="ctr"/>
-          <a:lstStyle/>
-          <a:p>
-            <a:pPr algn="ctr"/>
-            <a:endParaRPr lang="zh-CN" altLang="en-US"/>
-          </a:p>
-        </p:txBody>
-      </p:sp>
-      <p:sp>
-        <p:nvSpPr>
-          <p:cNvPr id="6" name="TextBox 34"/>
-          <p:cNvSpPr txBox="1"/>
-          <p:nvPr/>
-        </p:nvSpPr>
-        <p:spPr>
-          <a:xfrm>
-            <a:off x="908957" y="206330"/>
-            <a:ext cx="1659429" cy="400110"/>
-          </a:xfrm>
-          <a:prstGeom prst="rect">
-            <a:avLst/>
-          </a:prstGeom>
-          <a:noFill/>
-        </p:spPr>
-        <p:txBody>
-          <a:bodyPr wrap="none" rtlCol="0">
-            <a:spAutoFit/>
-          </a:bodyPr>
-          <a:lstStyle/>
-          <a:p>
-            <a:r>
-              <a:rPr lang="zh-CN" altLang="en-US" sz="2000" spc="300" dirty="0" smtClean="0">
-                <a:latin typeface="方正兰亭细黑_GBK" pitchFamily="2" charset="-122"/>
-                <a:ea typeface="方正兰亭细黑_GBK" pitchFamily="2" charset="-122"/>
-              </a:rPr>
-              <a:t>设计与实现</a:t>
-            </a:r>
-            <a:endParaRPr lang="zh-CN" altLang="en-US" sz="2000" spc="300" dirty="0">
-              <a:latin typeface="方正兰亭细黑_GBK" pitchFamily="2" charset="-122"/>
-              <a:ea typeface="方正兰亭细黑_GBK" pitchFamily="2" charset="-122"/>
-            </a:endParaRPr>
-          </a:p>
-        </p:txBody>
-      </p:sp>
-      <p:sp>
-        <p:nvSpPr>
-          <p:cNvPr id="10" name="TextBox 44"/>
-          <p:cNvSpPr txBox="1"/>
-          <p:nvPr/>
-        </p:nvSpPr>
-        <p:spPr>
-          <a:xfrm>
-            <a:off x="1646364" y="3964718"/>
-            <a:ext cx="1620957" cy="584775"/>
-          </a:xfrm>
-          <a:prstGeom prst="rect">
-            <a:avLst/>
-          </a:prstGeom>
-          <a:noFill/>
-          <a:ln>
-            <a:noFill/>
-          </a:ln>
-        </p:spPr>
-        <p:txBody>
-          <a:bodyPr wrap="none" rtlCol="0">
-            <a:spAutoFit/>
-          </a:bodyPr>
-          <a:lstStyle/>
-          <a:p>
-            <a:r>
-              <a:rPr lang="zh-CN" altLang="en-US" sz="1600" dirty="0" smtClean="0">
-                <a:solidFill>
-                  <a:schemeClr val="tx1">
-                    <a:lumMod val="75000"/>
-                    <a:lumOff val="25000"/>
-                  </a:schemeClr>
-                </a:solidFill>
-                <a:latin typeface="方正兰亭细黑_GBK" pitchFamily="2" charset="-122"/>
-                <a:ea typeface="方正兰亭细黑_GBK" pitchFamily="2" charset="-122"/>
-              </a:rPr>
-              <a:t>实验难点</a:t>
-            </a:r>
-            <a:r>
-              <a:rPr lang="zh-CN" altLang="en-US" sz="1600" dirty="0" smtClean="0">
-                <a:solidFill>
-                  <a:schemeClr val="tx1">
-                    <a:lumMod val="75000"/>
-                    <a:lumOff val="25000"/>
-                  </a:schemeClr>
-                </a:solidFill>
-                <a:latin typeface="方正兰亭细黑_GBK" pitchFamily="2" charset="-122"/>
-                <a:ea typeface="方正兰亭细黑_GBK" pitchFamily="2" charset="-122"/>
-              </a:rPr>
-              <a:t>二</a:t>
-            </a:r>
-            <a:endParaRPr lang="en-US" altLang="zh-CN" sz="1600" dirty="0" smtClean="0">
-              <a:solidFill>
-                <a:schemeClr val="tx1">
-                  <a:lumMod val="75000"/>
-                  <a:lumOff val="25000"/>
-                </a:schemeClr>
-              </a:solidFill>
-              <a:latin typeface="方正兰亭细黑_GBK" pitchFamily="2" charset="-122"/>
-              <a:ea typeface="方正兰亭细黑_GBK" pitchFamily="2" charset="-122"/>
-            </a:endParaRPr>
-          </a:p>
-          <a:p>
-            <a:r>
-              <a:rPr lang="zh-CN" altLang="en-US" sz="1600" dirty="0" smtClean="0">
-                <a:solidFill>
-                  <a:schemeClr val="tx1">
-                    <a:lumMod val="75000"/>
-                    <a:lumOff val="25000"/>
-                  </a:schemeClr>
-                </a:solidFill>
-                <a:latin typeface="方正兰亭细黑_GBK" pitchFamily="2" charset="-122"/>
-                <a:ea typeface="方正兰亭细黑_GBK" pitchFamily="2" charset="-122"/>
-              </a:rPr>
-              <a:t>前端系统不熟悉</a:t>
-            </a:r>
-            <a:endParaRPr lang="zh-CN" altLang="en-US" sz="1600" dirty="0">
-              <a:solidFill>
-                <a:schemeClr val="tx1">
-                  <a:lumMod val="75000"/>
-                  <a:lumOff val="25000"/>
-                </a:schemeClr>
-              </a:solidFill>
-              <a:latin typeface="方正兰亭细黑_GBK" pitchFamily="2" charset="-122"/>
-              <a:ea typeface="方正兰亭细黑_GBK" pitchFamily="2" charset="-122"/>
-            </a:endParaRPr>
-          </a:p>
-        </p:txBody>
-      </p:sp>
-      <p:sp>
-        <p:nvSpPr>
-          <p:cNvPr id="11" name="TextBox 45"/>
-          <p:cNvSpPr txBox="1"/>
-          <p:nvPr/>
-        </p:nvSpPr>
-        <p:spPr>
-          <a:xfrm>
-            <a:off x="6014622" y="3956364"/>
-            <a:ext cx="1620957" cy="584775"/>
-          </a:xfrm>
-          <a:prstGeom prst="rect">
-            <a:avLst/>
-          </a:prstGeom>
-          <a:noFill/>
-          <a:ln>
-            <a:noFill/>
-          </a:ln>
-        </p:spPr>
-        <p:txBody>
-          <a:bodyPr wrap="none" rtlCol="0">
-            <a:spAutoFit/>
-          </a:bodyPr>
-          <a:lstStyle/>
-          <a:p>
-            <a:r>
-              <a:rPr lang="zh-CN" altLang="en-US" sz="1600" dirty="0" smtClean="0">
-                <a:solidFill>
-                  <a:schemeClr val="tx1">
-                    <a:lumMod val="75000"/>
-                    <a:lumOff val="25000"/>
-                  </a:schemeClr>
-                </a:solidFill>
-                <a:latin typeface="方正兰亭细黑_GBK" pitchFamily="2" charset="-122"/>
-                <a:ea typeface="方正兰亭细黑_GBK" pitchFamily="2" charset="-122"/>
-              </a:rPr>
-              <a:t>实验难点</a:t>
-            </a:r>
-            <a:r>
-              <a:rPr lang="zh-CN" altLang="en-US" sz="1600" dirty="0" smtClean="0">
-                <a:solidFill>
-                  <a:schemeClr val="tx1">
-                    <a:lumMod val="75000"/>
-                    <a:lumOff val="25000"/>
-                  </a:schemeClr>
-                </a:solidFill>
-                <a:latin typeface="方正兰亭细黑_GBK" pitchFamily="2" charset="-122"/>
-                <a:ea typeface="方正兰亭细黑_GBK" pitchFamily="2" charset="-122"/>
-              </a:rPr>
-              <a:t>三</a:t>
-            </a:r>
-            <a:endParaRPr lang="en-US" altLang="zh-CN" sz="1600" dirty="0" smtClean="0">
-              <a:solidFill>
-                <a:schemeClr val="tx1">
-                  <a:lumMod val="75000"/>
-                  <a:lumOff val="25000"/>
-                </a:schemeClr>
-              </a:solidFill>
-              <a:latin typeface="方正兰亭细黑_GBK" pitchFamily="2" charset="-122"/>
-              <a:ea typeface="方正兰亭细黑_GBK" pitchFamily="2" charset="-122"/>
-            </a:endParaRPr>
-          </a:p>
-          <a:p>
-            <a:r>
-              <a:rPr lang="zh-CN" altLang="en-US" sz="1600" dirty="0">
-                <a:solidFill>
-                  <a:schemeClr val="tx1">
-                    <a:lumMod val="75000"/>
-                    <a:lumOff val="25000"/>
-                  </a:schemeClr>
-                </a:solidFill>
-                <a:latin typeface="方正兰亭细黑_GBK" pitchFamily="2" charset="-122"/>
-                <a:ea typeface="方正兰亭细黑_GBK" pitchFamily="2" charset="-122"/>
-              </a:rPr>
-              <a:t>前</a:t>
-            </a:r>
-            <a:r>
-              <a:rPr lang="zh-CN" altLang="en-US" sz="1600" dirty="0" smtClean="0">
-                <a:solidFill>
-                  <a:schemeClr val="tx1">
-                    <a:lumMod val="75000"/>
-                    <a:lumOff val="25000"/>
-                  </a:schemeClr>
-                </a:solidFill>
-                <a:latin typeface="方正兰亭细黑_GBK" pitchFamily="2" charset="-122"/>
-                <a:ea typeface="方正兰亭细黑_GBK" pitchFamily="2" charset="-122"/>
-              </a:rPr>
-              <a:t>后台交互跨域</a:t>
-            </a:r>
-            <a:endParaRPr lang="zh-CN" altLang="en-US" sz="1600" dirty="0">
-              <a:solidFill>
-                <a:schemeClr val="tx1">
-                  <a:lumMod val="75000"/>
-                  <a:lumOff val="25000"/>
-                </a:schemeClr>
-              </a:solidFill>
-              <a:latin typeface="方正兰亭细黑_GBK" pitchFamily="2" charset="-122"/>
-              <a:ea typeface="方正兰亭细黑_GBK" pitchFamily="2" charset="-122"/>
-            </a:endParaRPr>
-          </a:p>
-        </p:txBody>
-      </p:sp>
-      <p:sp>
-        <p:nvSpPr>
-          <p:cNvPr id="12" name="TextBox 46"/>
-          <p:cNvSpPr txBox="1"/>
-          <p:nvPr/>
-        </p:nvSpPr>
-        <p:spPr>
-          <a:xfrm>
-            <a:off x="6014622" y="2607028"/>
-            <a:ext cx="1826141" cy="584775"/>
-          </a:xfrm>
-          <a:prstGeom prst="rect">
-            <a:avLst/>
-          </a:prstGeom>
-          <a:noFill/>
-          <a:ln>
-            <a:noFill/>
-          </a:ln>
-        </p:spPr>
-        <p:txBody>
-          <a:bodyPr wrap="none" rtlCol="0">
-            <a:spAutoFit/>
-          </a:bodyPr>
-          <a:lstStyle/>
-          <a:p>
-            <a:r>
-              <a:rPr lang="zh-CN" altLang="en-US" sz="1600" dirty="0" smtClean="0">
-                <a:solidFill>
-                  <a:schemeClr val="tx1">
-                    <a:lumMod val="75000"/>
-                    <a:lumOff val="25000"/>
-                  </a:schemeClr>
-                </a:solidFill>
-                <a:latin typeface="方正兰亭细黑_GBK" pitchFamily="2" charset="-122"/>
-                <a:ea typeface="方正兰亭细黑_GBK" pitchFamily="2" charset="-122"/>
-              </a:rPr>
-              <a:t>实验难点</a:t>
-            </a:r>
-            <a:r>
-              <a:rPr lang="zh-CN" altLang="en-US" sz="1600" dirty="0" smtClean="0">
-                <a:solidFill>
-                  <a:schemeClr val="tx1">
-                    <a:lumMod val="75000"/>
-                    <a:lumOff val="25000"/>
-                  </a:schemeClr>
-                </a:solidFill>
-                <a:latin typeface="方正兰亭细黑_GBK" pitchFamily="2" charset="-122"/>
-                <a:ea typeface="方正兰亭细黑_GBK" pitchFamily="2" charset="-122"/>
-              </a:rPr>
-              <a:t>四</a:t>
-            </a:r>
-            <a:endParaRPr lang="en-US" altLang="zh-CN" sz="1600" dirty="0" smtClean="0">
-              <a:solidFill>
-                <a:schemeClr val="tx1">
-                  <a:lumMod val="75000"/>
-                  <a:lumOff val="25000"/>
-                </a:schemeClr>
-              </a:solidFill>
-              <a:latin typeface="方正兰亭细黑_GBK" pitchFamily="2" charset="-122"/>
-              <a:ea typeface="方正兰亭细黑_GBK" pitchFamily="2" charset="-122"/>
-            </a:endParaRPr>
-          </a:p>
-          <a:p>
-            <a:r>
-              <a:rPr lang="zh-CN" altLang="en-US" sz="1600" dirty="0" smtClean="0">
-                <a:solidFill>
-                  <a:schemeClr val="tx1">
-                    <a:lumMod val="75000"/>
-                    <a:lumOff val="25000"/>
-                  </a:schemeClr>
-                </a:solidFill>
-                <a:latin typeface="方正兰亭细黑_GBK" pitchFamily="2" charset="-122"/>
-                <a:ea typeface="方正兰亭细黑_GBK" pitchFamily="2" charset="-122"/>
-              </a:rPr>
-              <a:t>基于角色权限控制</a:t>
-            </a:r>
-            <a:endParaRPr lang="zh-CN" altLang="en-US" sz="1600" dirty="0">
-              <a:solidFill>
-                <a:schemeClr val="tx1">
-                  <a:lumMod val="75000"/>
-                  <a:lumOff val="25000"/>
-                </a:schemeClr>
-              </a:solidFill>
-              <a:latin typeface="方正兰亭细黑_GBK" pitchFamily="2" charset="-122"/>
-              <a:ea typeface="方正兰亭细黑_GBK" pitchFamily="2" charset="-122"/>
-            </a:endParaRPr>
-          </a:p>
-        </p:txBody>
-      </p:sp>
-      <p:sp>
-        <p:nvSpPr>
-          <p:cNvPr id="13" name="TextBox 52"/>
-          <p:cNvSpPr txBox="1"/>
-          <p:nvPr/>
-        </p:nvSpPr>
-        <p:spPr>
-          <a:xfrm>
-            <a:off x="1659209" y="2602898"/>
-            <a:ext cx="1210588" cy="584775"/>
-          </a:xfrm>
-          <a:prstGeom prst="rect">
-            <a:avLst/>
-          </a:prstGeom>
-          <a:noFill/>
-          <a:ln>
-            <a:noFill/>
-          </a:ln>
-        </p:spPr>
-        <p:txBody>
-          <a:bodyPr wrap="none" rtlCol="0">
-            <a:spAutoFit/>
-          </a:bodyPr>
-          <a:lstStyle/>
-          <a:p>
-            <a:r>
-              <a:rPr lang="zh-CN" altLang="en-US" sz="1600" dirty="0" smtClean="0">
-                <a:solidFill>
-                  <a:schemeClr val="tx1">
-                    <a:lumMod val="75000"/>
-                    <a:lumOff val="25000"/>
-                  </a:schemeClr>
-                </a:solidFill>
-                <a:latin typeface="方正兰亭细黑_GBK" pitchFamily="2" charset="-122"/>
-                <a:ea typeface="方正兰亭细黑_GBK" pitchFamily="2" charset="-122"/>
-              </a:rPr>
-              <a:t>实验</a:t>
-            </a:r>
-            <a:r>
-              <a:rPr lang="zh-CN" altLang="en-US" sz="1600" dirty="0" smtClean="0">
-                <a:solidFill>
-                  <a:schemeClr val="tx1">
-                    <a:lumMod val="75000"/>
-                    <a:lumOff val="25000"/>
-                  </a:schemeClr>
-                </a:solidFill>
-                <a:latin typeface="方正兰亭细黑_GBK" pitchFamily="2" charset="-122"/>
-                <a:ea typeface="方正兰亭细黑_GBK" pitchFamily="2" charset="-122"/>
-              </a:rPr>
-              <a:t>难点一</a:t>
-            </a:r>
-            <a:endParaRPr lang="en-US" altLang="zh-CN" sz="1600" dirty="0" smtClean="0">
-              <a:solidFill>
-                <a:schemeClr val="tx1">
-                  <a:lumMod val="75000"/>
-                  <a:lumOff val="25000"/>
-                </a:schemeClr>
-              </a:solidFill>
-              <a:latin typeface="方正兰亭细黑_GBK" pitchFamily="2" charset="-122"/>
-              <a:ea typeface="方正兰亭细黑_GBK" pitchFamily="2" charset="-122"/>
-            </a:endParaRPr>
-          </a:p>
-          <a:p>
-            <a:r>
-              <a:rPr lang="zh-CN" altLang="en-US" sz="1600" dirty="0" smtClean="0">
-                <a:solidFill>
-                  <a:schemeClr val="tx1">
-                    <a:lumMod val="75000"/>
-                    <a:lumOff val="25000"/>
-                  </a:schemeClr>
-                </a:solidFill>
-                <a:latin typeface="方正兰亭细黑_GBK" pitchFamily="2" charset="-122"/>
-                <a:ea typeface="方正兰亭细黑_GBK" pitchFamily="2" charset="-122"/>
-              </a:rPr>
-              <a:t>代码规范</a:t>
-            </a:r>
-            <a:endParaRPr lang="zh-CN" altLang="en-US" sz="1600" dirty="0">
-              <a:solidFill>
-                <a:schemeClr val="tx1">
-                  <a:lumMod val="75000"/>
-                  <a:lumOff val="25000"/>
-                </a:schemeClr>
-              </a:solidFill>
-              <a:latin typeface="方正兰亭细黑_GBK" pitchFamily="2" charset="-122"/>
-              <a:ea typeface="方正兰亭细黑_GBK" pitchFamily="2" charset="-122"/>
-            </a:endParaRPr>
-          </a:p>
-        </p:txBody>
-      </p:sp>
-      <p:sp>
-        <p:nvSpPr>
-          <p:cNvPr id="14" name="椭圆 34"/>
-          <p:cNvSpPr/>
-          <p:nvPr/>
-        </p:nvSpPr>
-        <p:spPr>
-          <a:xfrm rot="10800000">
-            <a:off x="3288725" y="2114564"/>
-            <a:ext cx="1077642" cy="1385911"/>
-          </a:xfrm>
-          <a:custGeom>
-            <a:avLst/>
-            <a:gdLst/>
-            <a:ahLst/>
-            <a:cxnLst/>
-            <a:rect l="l" t="t" r="r" b="b"/>
-            <a:pathLst>
-              <a:path w="1118836" h="1438889">
-                <a:moveTo>
-                  <a:pt x="548270" y="0"/>
-                </a:moveTo>
-                <a:lnTo>
-                  <a:pt x="721662" y="346785"/>
-                </a:lnTo>
-                <a:cubicBezTo>
-                  <a:pt x="951885" y="413972"/>
-                  <a:pt x="1118836" y="627225"/>
-                  <a:pt x="1118836" y="879471"/>
-                </a:cubicBezTo>
-                <a:cubicBezTo>
-                  <a:pt x="1118836" y="1188429"/>
-                  <a:pt x="868376" y="1438889"/>
-                  <a:pt x="559418" y="1438889"/>
-                </a:cubicBezTo>
-                <a:cubicBezTo>
-                  <a:pt x="250460" y="1438889"/>
-                  <a:pt x="0" y="1188429"/>
-                  <a:pt x="0" y="879471"/>
-                </a:cubicBezTo>
-                <a:cubicBezTo>
-                  <a:pt x="0" y="636984"/>
-                  <a:pt x="154283" y="430531"/>
-                  <a:pt x="370781" y="354978"/>
-                </a:cubicBezTo>
-                <a:close/>
-              </a:path>
-            </a:pathLst>
-          </a:custGeom>
-          <a:solidFill>
-            <a:srgbClr val="1A3F6C"/>
-          </a:solidFill>
-          <a:ln>
-            <a:noFill/>
-          </a:ln>
-          <a:effectLst>
-            <a:outerShdw blurRad="444500" dist="254000" dir="8100000" algn="tr" rotWithShape="0">
-              <a:prstClr val="black">
-                <a:alpha val="50000"/>
-              </a:prstClr>
-            </a:outerShdw>
-          </a:effectLst>
-        </p:spPr>
-        <p:style>
-          <a:lnRef idx="2">
-            <a:schemeClr val="accent1">
-              <a:shade val="50000"/>
-            </a:schemeClr>
-          </a:lnRef>
-          <a:fillRef idx="1">
-            <a:schemeClr val="accent1"/>
-          </a:fillRef>
-          <a:effectRef idx="0">
-            <a:schemeClr val="accent1"/>
-          </a:effectRef>
-          <a:fontRef idx="minor">
-            <a:schemeClr val="lt1"/>
-          </a:fontRef>
-        </p:style>
-        <p:txBody>
-          <a:bodyPr rtlCol="0" anchor="ctr"/>
-          <a:lstStyle/>
-          <a:p>
-            <a:pPr algn="ctr"/>
-            <a:endParaRPr lang="zh-CN" altLang="en-US" dirty="0"/>
-          </a:p>
-        </p:txBody>
-      </p:sp>
-      <p:grpSp>
-        <p:nvGrpSpPr>
-          <p:cNvPr id="15" name="组合 14"/>
-          <p:cNvGrpSpPr/>
-          <p:nvPr/>
-        </p:nvGrpSpPr>
-        <p:grpSpPr>
-          <a:xfrm rot="5400000">
-            <a:off x="3492928" y="3341632"/>
-            <a:ext cx="1061672" cy="1379360"/>
-            <a:chOff x="4020870" y="2194485"/>
-            <a:chExt cx="1102258" cy="1432090"/>
-          </a:xfrm>
-          <a:effectLst>
-            <a:outerShdw blurRad="444500" dist="254000" dir="8100000" algn="tr" rotWithShape="0">
-              <a:prstClr val="black">
-                <a:alpha val="50000"/>
-              </a:prstClr>
-            </a:outerShdw>
-          </a:effectLst>
-        </p:grpSpPr>
-        <p:sp>
-          <p:nvSpPr>
-            <p:cNvPr id="16" name="等腰三角形 43"/>
-            <p:cNvSpPr/>
-            <p:nvPr/>
-          </p:nvSpPr>
-          <p:spPr>
-            <a:xfrm>
-              <a:off x="4020870" y="2194485"/>
-              <a:ext cx="1102258" cy="1432090"/>
-            </a:xfrm>
-            <a:custGeom>
-              <a:avLst/>
-              <a:gdLst/>
-              <a:ahLst/>
-              <a:cxnLst/>
-              <a:rect l="l" t="t" r="r" b="b"/>
-              <a:pathLst>
-                <a:path w="1102258" h="1432090">
-                  <a:moveTo>
-                    <a:pt x="761620" y="431870"/>
-                  </a:moveTo>
-                  <a:lnTo>
-                    <a:pt x="856659" y="621949"/>
-                  </a:lnTo>
-                  <a:lnTo>
-                    <a:pt x="234710" y="621949"/>
-                  </a:lnTo>
-                  <a:lnTo>
-                    <a:pt x="325695" y="439980"/>
-                  </a:lnTo>
-                  <a:cubicBezTo>
-                    <a:pt x="163858" y="520416"/>
-                    <a:pt x="53779" y="687834"/>
-                    <a:pt x="53779" y="880961"/>
-                  </a:cubicBezTo>
-                  <a:cubicBezTo>
-                    <a:pt x="53779" y="1155639"/>
-                    <a:pt x="276450" y="1378310"/>
-                    <a:pt x="551128" y="1378310"/>
-                  </a:cubicBezTo>
-                  <a:cubicBezTo>
-                    <a:pt x="825806" y="1378310"/>
-                    <a:pt x="1048477" y="1155639"/>
-                    <a:pt x="1048477" y="880961"/>
-                  </a:cubicBezTo>
-                  <a:cubicBezTo>
-                    <a:pt x="1048477" y="681767"/>
-                    <a:pt x="931374" y="509923"/>
-                    <a:pt x="761620" y="431870"/>
-                  </a:cubicBezTo>
-                  <a:close/>
-                  <a:moveTo>
-                    <a:pt x="545685" y="0"/>
-                  </a:moveTo>
-                  <a:lnTo>
-                    <a:pt x="726120" y="360871"/>
-                  </a:lnTo>
-                  <a:cubicBezTo>
-                    <a:pt x="945108" y="431845"/>
-                    <a:pt x="1102258" y="638051"/>
-                    <a:pt x="1102258" y="880961"/>
-                  </a:cubicBezTo>
-                  <a:cubicBezTo>
-                    <a:pt x="1102258" y="1185341"/>
-                    <a:pt x="855509" y="1432090"/>
-                    <a:pt x="551129" y="1432090"/>
-                  </a:cubicBezTo>
-                  <a:cubicBezTo>
-                    <a:pt x="246749" y="1432090"/>
-                    <a:pt x="0" y="1185341"/>
-                    <a:pt x="0" y="880961"/>
-                  </a:cubicBezTo>
-                  <a:cubicBezTo>
-                    <a:pt x="0" y="642821"/>
-                    <a:pt x="151038" y="439958"/>
-                    <a:pt x="363249" y="364872"/>
-                  </a:cubicBezTo>
-                  <a:close/>
-                </a:path>
-              </a:pathLst>
-            </a:custGeom>
-            <a:gradFill>
-              <a:gsLst>
-                <a:gs pos="0">
-                  <a:schemeClr val="bg1"/>
-                </a:gs>
-                <a:gs pos="55000">
-                  <a:schemeClr val="bg1">
-                    <a:lumMod val="95000"/>
-                  </a:schemeClr>
-                </a:gs>
-                <a:gs pos="100000">
-                  <a:schemeClr val="bg1">
-                    <a:lumMod val="65000"/>
-                  </a:schemeClr>
-                </a:gs>
-              </a:gsLst>
-              <a:lin ang="2700000" scaled="0"/>
-            </a:gradFill>
-            <a:ln>
-              <a:noFill/>
-            </a:ln>
-          </p:spPr>
-          <p:style>
-            <a:lnRef idx="2">
-              <a:schemeClr val="accent1">
-                <a:shade val="50000"/>
-              </a:schemeClr>
-            </a:lnRef>
-            <a:fillRef idx="1">
-              <a:schemeClr val="accent1"/>
-            </a:fillRef>
-            <a:effectRef idx="0">
-              <a:schemeClr val="accent1"/>
-            </a:effectRef>
-            <a:fontRef idx="minor">
-              <a:schemeClr val="lt1"/>
-            </a:fontRef>
-          </p:style>
-          <p:txBody>
-            <a:bodyPr rtlCol="0" anchor="ctr"/>
-            <a:lstStyle/>
-            <a:p>
-              <a:pPr algn="ctr"/>
-              <a:endParaRPr lang="zh-CN" altLang="en-US">
-                <a:solidFill>
-                  <a:schemeClr val="tx1"/>
-                </a:solidFill>
-              </a:endParaRPr>
-            </a:p>
-          </p:txBody>
-        </p:sp>
-        <p:sp>
-          <p:nvSpPr>
-            <p:cNvPr id="17" name="等腰三角形 42"/>
-            <p:cNvSpPr/>
-            <p:nvPr/>
-          </p:nvSpPr>
-          <p:spPr>
-            <a:xfrm>
-              <a:off x="4044928" y="2251925"/>
-              <a:ext cx="1054142" cy="1350592"/>
-            </a:xfrm>
-            <a:custGeom>
-              <a:avLst/>
-              <a:gdLst/>
-              <a:ahLst/>
-              <a:cxnLst/>
-              <a:rect l="l" t="t" r="r" b="b"/>
-              <a:pathLst>
-                <a:path w="1054142" h="1350592">
-                  <a:moveTo>
-                    <a:pt x="521627" y="0"/>
-                  </a:moveTo>
-                  <a:lnTo>
-                    <a:pt x="682907" y="322559"/>
-                  </a:lnTo>
-                  <a:cubicBezTo>
-                    <a:pt x="898294" y="386795"/>
-                    <a:pt x="1054142" y="586958"/>
-                    <a:pt x="1054142" y="823521"/>
-                  </a:cubicBezTo>
-                  <a:cubicBezTo>
-                    <a:pt x="1054142" y="1114614"/>
-                    <a:pt x="818164" y="1350592"/>
-                    <a:pt x="527071" y="1350592"/>
-                  </a:cubicBezTo>
-                  <a:cubicBezTo>
-                    <a:pt x="235978" y="1350592"/>
-                    <a:pt x="0" y="1114614"/>
-                    <a:pt x="0" y="823521"/>
-                  </a:cubicBezTo>
-                  <a:cubicBezTo>
-                    <a:pt x="0" y="591722"/>
-                    <a:pt x="149634" y="394871"/>
-                    <a:pt x="358347" y="326560"/>
-                  </a:cubicBezTo>
-                  <a:close/>
-                </a:path>
-              </a:pathLst>
-            </a:custGeom>
-            <a:gradFill>
-              <a:gsLst>
-                <a:gs pos="0">
-                  <a:schemeClr val="bg1"/>
-                </a:gs>
-                <a:gs pos="43000">
-                  <a:schemeClr val="bg1">
-                    <a:lumMod val="95000"/>
-                  </a:schemeClr>
-                </a:gs>
-                <a:gs pos="100000">
-                  <a:schemeClr val="bg1">
-                    <a:lumMod val="75000"/>
-                  </a:schemeClr>
-                </a:gs>
-              </a:gsLst>
-              <a:lin ang="14100000" scaled="0"/>
-            </a:gradFill>
-            <a:ln>
-              <a:noFill/>
-            </a:ln>
-          </p:spPr>
-          <p:style>
-            <a:lnRef idx="2">
-              <a:schemeClr val="accent1">
-                <a:shade val="50000"/>
-              </a:schemeClr>
-            </a:lnRef>
-            <a:fillRef idx="1">
-              <a:schemeClr val="accent1"/>
-            </a:fillRef>
-            <a:effectRef idx="0">
-              <a:schemeClr val="accent1"/>
-            </a:effectRef>
-            <a:fontRef idx="minor">
-              <a:schemeClr val="lt1"/>
-            </a:fontRef>
-          </p:style>
-          <p:txBody>
-            <a:bodyPr rtlCol="0" anchor="ctr"/>
-            <a:lstStyle/>
-            <a:p>
-              <a:pPr algn="ctr"/>
-              <a:endParaRPr lang="zh-CN" altLang="en-US"/>
-            </a:p>
-          </p:txBody>
-        </p:sp>
-      </p:grpSp>
-      <p:sp>
-        <p:nvSpPr>
-          <p:cNvPr id="18" name="椭圆 34"/>
-          <p:cNvSpPr/>
-          <p:nvPr/>
-        </p:nvSpPr>
-        <p:spPr>
-          <a:xfrm>
-            <a:off x="4720609" y="3176237"/>
-            <a:ext cx="1077642" cy="1385911"/>
-          </a:xfrm>
-          <a:custGeom>
-            <a:avLst/>
-            <a:gdLst/>
-            <a:ahLst/>
-            <a:cxnLst/>
-            <a:rect l="l" t="t" r="r" b="b"/>
-            <a:pathLst>
-              <a:path w="1118836" h="1438889">
-                <a:moveTo>
-                  <a:pt x="548270" y="0"/>
-                </a:moveTo>
-                <a:lnTo>
-                  <a:pt x="721662" y="346785"/>
-                </a:lnTo>
-                <a:cubicBezTo>
-                  <a:pt x="951885" y="413972"/>
-                  <a:pt x="1118836" y="627225"/>
-                  <a:pt x="1118836" y="879471"/>
-                </a:cubicBezTo>
-                <a:cubicBezTo>
-                  <a:pt x="1118836" y="1188429"/>
-                  <a:pt x="868376" y="1438889"/>
-                  <a:pt x="559418" y="1438889"/>
-                </a:cubicBezTo>
-                <a:cubicBezTo>
-                  <a:pt x="250460" y="1438889"/>
-                  <a:pt x="0" y="1188429"/>
-                  <a:pt x="0" y="879471"/>
-                </a:cubicBezTo>
-                <a:cubicBezTo>
-                  <a:pt x="0" y="636984"/>
-                  <a:pt x="154283" y="430531"/>
-                  <a:pt x="370781" y="354978"/>
-                </a:cubicBezTo>
-                <a:close/>
-              </a:path>
-            </a:pathLst>
-          </a:custGeom>
-          <a:solidFill>
-            <a:srgbClr val="1A3F6C"/>
-          </a:solidFill>
-          <a:ln>
-            <a:noFill/>
-          </a:ln>
-          <a:effectLst>
-            <a:outerShdw blurRad="444500" dist="254000" dir="8100000" algn="tr" rotWithShape="0">
-              <a:prstClr val="black">
-                <a:alpha val="50000"/>
-              </a:prstClr>
-            </a:outerShdw>
-          </a:effectLst>
-        </p:spPr>
-        <p:style>
-          <a:lnRef idx="2">
-            <a:schemeClr val="accent1">
-              <a:shade val="50000"/>
-            </a:schemeClr>
-          </a:lnRef>
-          <a:fillRef idx="1">
-            <a:schemeClr val="accent1"/>
-          </a:fillRef>
-          <a:effectRef idx="0">
-            <a:schemeClr val="accent1"/>
-          </a:effectRef>
-          <a:fontRef idx="minor">
-            <a:schemeClr val="lt1"/>
-          </a:fontRef>
-        </p:style>
-        <p:txBody>
-          <a:bodyPr rtlCol="0" anchor="ctr"/>
-          <a:lstStyle/>
-          <a:p>
-            <a:pPr algn="ctr"/>
-            <a:endParaRPr lang="zh-CN" altLang="en-US"/>
-          </a:p>
-        </p:txBody>
-      </p:sp>
-      <p:grpSp>
-        <p:nvGrpSpPr>
-          <p:cNvPr id="19" name="组合 18"/>
-          <p:cNvGrpSpPr/>
-          <p:nvPr/>
-        </p:nvGrpSpPr>
-        <p:grpSpPr>
-          <a:xfrm rot="16200000">
-            <a:off x="4525211" y="1917620"/>
-            <a:ext cx="1061672" cy="1379360"/>
-            <a:chOff x="4020870" y="2194485"/>
-            <a:chExt cx="1102258" cy="1432090"/>
-          </a:xfrm>
-          <a:effectLst>
-            <a:outerShdw blurRad="444500" dist="254000" dir="8100000" algn="tr" rotWithShape="0">
-              <a:prstClr val="black">
-                <a:alpha val="50000"/>
-              </a:prstClr>
-            </a:outerShdw>
-          </a:effectLst>
-        </p:grpSpPr>
-        <p:sp>
-          <p:nvSpPr>
-            <p:cNvPr id="20" name="等腰三角形 43"/>
-            <p:cNvSpPr/>
-            <p:nvPr/>
-          </p:nvSpPr>
-          <p:spPr>
-            <a:xfrm>
-              <a:off x="4020870" y="2194485"/>
-              <a:ext cx="1102258" cy="1432090"/>
-            </a:xfrm>
-            <a:custGeom>
-              <a:avLst/>
-              <a:gdLst/>
-              <a:ahLst/>
-              <a:cxnLst/>
-              <a:rect l="l" t="t" r="r" b="b"/>
-              <a:pathLst>
-                <a:path w="1102258" h="1432090">
-                  <a:moveTo>
-                    <a:pt x="761620" y="431870"/>
-                  </a:moveTo>
-                  <a:lnTo>
-                    <a:pt x="856659" y="621949"/>
-                  </a:lnTo>
-                  <a:lnTo>
-                    <a:pt x="234710" y="621949"/>
-                  </a:lnTo>
-                  <a:lnTo>
-                    <a:pt x="325695" y="439980"/>
-                  </a:lnTo>
-                  <a:cubicBezTo>
-                    <a:pt x="163858" y="520416"/>
-                    <a:pt x="53779" y="687834"/>
-                    <a:pt x="53779" y="880961"/>
-                  </a:cubicBezTo>
-                  <a:cubicBezTo>
-                    <a:pt x="53779" y="1155639"/>
-                    <a:pt x="276450" y="1378310"/>
-                    <a:pt x="551128" y="1378310"/>
-                  </a:cubicBezTo>
-                  <a:cubicBezTo>
-                    <a:pt x="825806" y="1378310"/>
-                    <a:pt x="1048477" y="1155639"/>
-                    <a:pt x="1048477" y="880961"/>
-                  </a:cubicBezTo>
-                  <a:cubicBezTo>
-                    <a:pt x="1048477" y="681767"/>
-                    <a:pt x="931374" y="509923"/>
-                    <a:pt x="761620" y="431870"/>
-                  </a:cubicBezTo>
-                  <a:close/>
-                  <a:moveTo>
-                    <a:pt x="545685" y="0"/>
-                  </a:moveTo>
-                  <a:lnTo>
-                    <a:pt x="726120" y="360871"/>
-                  </a:lnTo>
-                  <a:cubicBezTo>
-                    <a:pt x="945108" y="431845"/>
-                    <a:pt x="1102258" y="638051"/>
-                    <a:pt x="1102258" y="880961"/>
-                  </a:cubicBezTo>
-                  <a:cubicBezTo>
-                    <a:pt x="1102258" y="1185341"/>
-                    <a:pt x="855509" y="1432090"/>
-                    <a:pt x="551129" y="1432090"/>
-                  </a:cubicBezTo>
-                  <a:cubicBezTo>
-                    <a:pt x="246749" y="1432090"/>
-                    <a:pt x="0" y="1185341"/>
-                    <a:pt x="0" y="880961"/>
-                  </a:cubicBezTo>
-                  <a:cubicBezTo>
-                    <a:pt x="0" y="642821"/>
-                    <a:pt x="151038" y="439958"/>
-                    <a:pt x="363249" y="364872"/>
-                  </a:cubicBezTo>
-                  <a:close/>
-                </a:path>
-              </a:pathLst>
-            </a:custGeom>
-            <a:gradFill>
-              <a:gsLst>
-                <a:gs pos="0">
-                  <a:schemeClr val="bg1"/>
-                </a:gs>
-                <a:gs pos="55000">
-                  <a:schemeClr val="bg1">
-                    <a:lumMod val="95000"/>
-                  </a:schemeClr>
-                </a:gs>
-                <a:gs pos="100000">
-                  <a:schemeClr val="bg1">
-                    <a:lumMod val="65000"/>
-                  </a:schemeClr>
-                </a:gs>
-              </a:gsLst>
-              <a:lin ang="14100000" scaled="0"/>
-            </a:gradFill>
-            <a:ln>
-              <a:noFill/>
-            </a:ln>
-          </p:spPr>
-          <p:style>
-            <a:lnRef idx="2">
-              <a:schemeClr val="accent1">
-                <a:shade val="50000"/>
-              </a:schemeClr>
-            </a:lnRef>
-            <a:fillRef idx="1">
-              <a:schemeClr val="accent1"/>
-            </a:fillRef>
-            <a:effectRef idx="0">
-              <a:schemeClr val="accent1"/>
-            </a:effectRef>
-            <a:fontRef idx="minor">
-              <a:schemeClr val="lt1"/>
-            </a:fontRef>
-          </p:style>
-          <p:txBody>
-            <a:bodyPr rtlCol="0" anchor="ctr"/>
-            <a:lstStyle/>
-            <a:p>
-              <a:pPr algn="ctr"/>
-              <a:endParaRPr lang="zh-CN" altLang="en-US">
-                <a:solidFill>
-                  <a:schemeClr val="tx1"/>
-                </a:solidFill>
-              </a:endParaRPr>
-            </a:p>
-          </p:txBody>
-        </p:sp>
-        <p:sp>
-          <p:nvSpPr>
-            <p:cNvPr id="21" name="等腰三角形 42"/>
-            <p:cNvSpPr/>
-            <p:nvPr/>
-          </p:nvSpPr>
-          <p:spPr>
-            <a:xfrm>
-              <a:off x="4044928" y="2251925"/>
-              <a:ext cx="1054142" cy="1350592"/>
-            </a:xfrm>
-            <a:custGeom>
-              <a:avLst/>
-              <a:gdLst/>
-              <a:ahLst/>
-              <a:cxnLst/>
-              <a:rect l="l" t="t" r="r" b="b"/>
-              <a:pathLst>
-                <a:path w="1054142" h="1350592">
-                  <a:moveTo>
-                    <a:pt x="521627" y="0"/>
-                  </a:moveTo>
-                  <a:lnTo>
-                    <a:pt x="682907" y="322559"/>
-                  </a:lnTo>
-                  <a:cubicBezTo>
-                    <a:pt x="898294" y="386795"/>
-                    <a:pt x="1054142" y="586958"/>
-                    <a:pt x="1054142" y="823521"/>
-                  </a:cubicBezTo>
-                  <a:cubicBezTo>
-                    <a:pt x="1054142" y="1114614"/>
-                    <a:pt x="818164" y="1350592"/>
-                    <a:pt x="527071" y="1350592"/>
-                  </a:cubicBezTo>
-                  <a:cubicBezTo>
-                    <a:pt x="235978" y="1350592"/>
-                    <a:pt x="0" y="1114614"/>
-                    <a:pt x="0" y="823521"/>
-                  </a:cubicBezTo>
-                  <a:cubicBezTo>
-                    <a:pt x="0" y="591722"/>
-                    <a:pt x="149634" y="394871"/>
-                    <a:pt x="358347" y="326560"/>
-                  </a:cubicBezTo>
-                  <a:close/>
-                </a:path>
-              </a:pathLst>
-            </a:custGeom>
-            <a:gradFill>
-              <a:gsLst>
-                <a:gs pos="0">
-                  <a:schemeClr val="bg1"/>
-                </a:gs>
-                <a:gs pos="43000">
-                  <a:schemeClr val="bg1">
-                    <a:lumMod val="95000"/>
-                  </a:schemeClr>
-                </a:gs>
-                <a:gs pos="100000">
-                  <a:schemeClr val="bg1">
-                    <a:lumMod val="75000"/>
-                  </a:schemeClr>
-                </a:gs>
-              </a:gsLst>
-              <a:lin ang="2700000" scaled="0"/>
-            </a:gradFill>
-            <a:ln>
-              <a:noFill/>
-            </a:ln>
-          </p:spPr>
-          <p:style>
-            <a:lnRef idx="2">
-              <a:schemeClr val="accent1">
-                <a:shade val="50000"/>
-              </a:schemeClr>
-            </a:lnRef>
-            <a:fillRef idx="1">
-              <a:schemeClr val="accent1"/>
-            </a:fillRef>
-            <a:effectRef idx="0">
-              <a:schemeClr val="accent1"/>
-            </a:effectRef>
-            <a:fontRef idx="minor">
-              <a:schemeClr val="lt1"/>
-            </a:fontRef>
-          </p:style>
-          <p:txBody>
-            <a:bodyPr rtlCol="0" anchor="ctr"/>
-            <a:lstStyle/>
-            <a:p>
-              <a:pPr algn="ctr"/>
-              <a:endParaRPr lang="zh-CN" altLang="en-US"/>
-            </a:p>
-          </p:txBody>
-        </p:sp>
-      </p:grpSp>
-    </p:spTree>
-    <p:extLst>
-      <p:ext uri="{BB962C8B-B14F-4D97-AF65-F5344CB8AC3E}">
-        <p14:creationId xmlns:p14="http://schemas.microsoft.com/office/powerpoint/2010/main" val="3091258870"/>
-      </p:ext>
-    </p:extLst>
-  </p:cSld>
-  <p:clrMapOvr>
-    <a:masterClrMapping/>
-  </p:clrMapOvr>
-  <mc:AlternateContent xmlns:mc="http://schemas.openxmlformats.org/markup-compatibility/2006" xmlns:p14="http://schemas.microsoft.com/office/powerpoint/2010/main">
-    <mc:Choice Requires="p14">
-      <p:transition spd="slow" p14:dur="1200" advTm="0">
-        <p14:prism/>
-      </p:transition>
-    </mc:Choice>
-    <mc:Fallback xmlns="">
-      <p:transition spd="slow" advTm="0">
-        <p:fade/>
-      </p:transition>
-    </mc:Fallback>
-  </mc:AlternateContent>
-  <mc:AlternateContent xmlns:mc="http://schemas.openxmlformats.org/markup-compatibility/2006">
-    <mc:Choice xmlns:p14="http://schemas.microsoft.com/office/powerpoint/2010/main" Requires="p14">
-      <p:timing>
-        <p:tnLst>
-          <p:par>
-            <p:cTn id="1" dur="indefinite" restart="never" nodeType="tmRoot">
-              <p:childTnLst>
-                <p:seq concurrent="1" nextAc="seek">
-                  <p:cTn id="2" dur="indefinite" nodeType="mainSeq">
-                    <p:childTnLst>
-                      <p:par>
-                        <p:cTn id="3" fill="hold">
-                          <p:stCondLst>
-                            <p:cond delay="indefinite"/>
-                            <p:cond evt="onBegin" delay="0">
-                              <p:tn val="2"/>
-                            </p:cond>
-                          </p:stCondLst>
-                          <p:childTnLst>
-                            <p:par>
-                              <p:cTn id="4" fill="hold">
-                                <p:stCondLst>
-                                  <p:cond delay="0"/>
-                                </p:stCondLst>
-                                <p:childTnLst>
-                                  <p:par>
-                                    <p:cTn id="5" presetID="22" presetClass="entr" presetSubtype="8" fill="hold" nodeType="withEffect">
-                                      <p:stCondLst>
-                                        <p:cond delay="0"/>
-                                      </p:stCondLst>
-                                      <p:childTnLst>
-                                        <p:set>
-                                          <p:cBhvr>
-                                            <p:cTn id="6" dur="1" fill="hold">
-                                              <p:stCondLst>
-                                                <p:cond delay="0"/>
-                                              </p:stCondLst>
-                                            </p:cTn>
-                                            <p:tgtEl>
-                                              <p:spTgt spid="4"/>
-                                            </p:tgtEl>
-                                            <p:attrNameLst>
-                                              <p:attrName>style.visibility</p:attrName>
-                                            </p:attrNameLst>
-                                          </p:cBhvr>
-                                          <p:to>
-                                            <p:strVal val="visible"/>
-                                          </p:to>
-                                        </p:set>
-                                        <p:animEffect transition="in" filter="wipe(left)">
-                                          <p:cBhvr>
-                                            <p:cTn id="7" dur="300"/>
-                                            <p:tgtEl>
-                                              <p:spTgt spid="4"/>
-                                            </p:tgtEl>
-                                          </p:cBhvr>
-                                        </p:animEffect>
-                                      </p:childTnLst>
-                                    </p:cTn>
-                                  </p:par>
-                                </p:childTnLst>
-                              </p:cTn>
-                            </p:par>
-                            <p:par>
-                              <p:cTn id="8" fill="hold">
-                                <p:stCondLst>
-                                  <p:cond delay="300"/>
-                                </p:stCondLst>
-                                <p:childTnLst>
-                                  <p:par>
-                                    <p:cTn id="9" presetID="22" presetClass="entr" presetSubtype="4" fill="hold" grpId="0" nodeType="afterEffect">
-                                      <p:stCondLst>
-                                        <p:cond delay="0"/>
-                                      </p:stCondLst>
-                                      <p:childTnLst>
-                                        <p:set>
-                                          <p:cBhvr>
-                                            <p:cTn id="10" dur="1" fill="hold">
-                                              <p:stCondLst>
-                                                <p:cond delay="0"/>
-                                              </p:stCondLst>
-                                            </p:cTn>
-                                            <p:tgtEl>
-                                              <p:spTgt spid="5"/>
-                                            </p:tgtEl>
-                                            <p:attrNameLst>
-                                              <p:attrName>style.visibility</p:attrName>
-                                            </p:attrNameLst>
-                                          </p:cBhvr>
-                                          <p:to>
-                                            <p:strVal val="visible"/>
-                                          </p:to>
-                                        </p:set>
-                                        <p:animEffect transition="in" filter="wipe(down)">
-                                          <p:cBhvr>
-                                            <p:cTn id="11" dur="300"/>
-                                            <p:tgtEl>
-                                              <p:spTgt spid="5"/>
-                                            </p:tgtEl>
-                                          </p:cBhvr>
-                                        </p:animEffect>
-                                      </p:childTnLst>
-                                    </p:cTn>
-                                  </p:par>
-                                </p:childTnLst>
-                              </p:cTn>
-                            </p:par>
-                            <p:par>
-                              <p:cTn id="12" fill="hold">
-                                <p:stCondLst>
-                                  <p:cond delay="600"/>
-                                </p:stCondLst>
-                                <p:childTnLst>
-                                  <p:par>
-                                    <p:cTn id="13" presetID="12" presetClass="entr" presetSubtype="8" fill="hold" grpId="0" nodeType="afterEffect">
-                                      <p:stCondLst>
-                                        <p:cond delay="0"/>
-                                      </p:stCondLst>
-                                      <p:childTnLst>
-                                        <p:set>
-                                          <p:cBhvr>
-                                            <p:cTn id="14" dur="1" fill="hold">
-                                              <p:stCondLst>
-                                                <p:cond delay="0"/>
-                                              </p:stCondLst>
-                                            </p:cTn>
-                                            <p:tgtEl>
-                                              <p:spTgt spid="6"/>
-                                            </p:tgtEl>
-                                            <p:attrNameLst>
-                                              <p:attrName>style.visibility</p:attrName>
-                                            </p:attrNameLst>
-                                          </p:cBhvr>
-                                          <p:to>
-                                            <p:strVal val="visible"/>
-                                          </p:to>
-                                        </p:set>
-                                        <p:anim calcmode="lin" valueType="num">
-                                          <p:cBhvr additive="base">
-                                            <p:cTn id="15" dur="500"/>
-                                            <p:tgtEl>
-                                              <p:spTgt spid="6"/>
-                                            </p:tgtEl>
-                                            <p:attrNameLst>
-                                              <p:attrName>ppt_x</p:attrName>
-                                            </p:attrNameLst>
-                                          </p:cBhvr>
-                                          <p:tavLst>
-                                            <p:tav tm="0">
-                                              <p:val>
-                                                <p:strVal val="#ppt_x-#ppt_w*1.125000"/>
-                                              </p:val>
-                                            </p:tav>
-                                            <p:tav tm="100000">
-                                              <p:val>
-                                                <p:strVal val="#ppt_x"/>
-                                              </p:val>
-                                            </p:tav>
-                                          </p:tavLst>
-                                        </p:anim>
-                                        <p:animEffect transition="in" filter="wipe(right)">
-                                          <p:cBhvr>
-                                            <p:cTn id="16" dur="500"/>
-                                            <p:tgtEl>
-                                              <p:spTgt spid="6"/>
-                                            </p:tgtEl>
-                                          </p:cBhvr>
-                                        </p:animEffect>
-                                      </p:childTnLst>
-                                    </p:cTn>
-                                  </p:par>
-                                </p:childTnLst>
-                              </p:cTn>
-                            </p:par>
-                            <p:par>
-                              <p:cTn id="17" fill="hold">
-                                <p:stCondLst>
-                                  <p:cond delay="1100"/>
-                                </p:stCondLst>
-                                <p:childTnLst>
-                                  <p:par>
-                                    <p:cTn id="18" presetID="2" presetClass="entr" presetSubtype="1" fill="hold" grpId="0" nodeType="afterEffect" p14:presetBounceEnd="40000">
-                                      <p:stCondLst>
-                                        <p:cond delay="0"/>
-                                      </p:stCondLst>
-                                      <p:childTnLst>
-                                        <p:set>
-                                          <p:cBhvr>
-                                            <p:cTn id="19" dur="1" fill="hold">
-                                              <p:stCondLst>
-                                                <p:cond delay="0"/>
-                                              </p:stCondLst>
-                                            </p:cTn>
-                                            <p:tgtEl>
-                                              <p:spTgt spid="14"/>
-                                            </p:tgtEl>
-                                            <p:attrNameLst>
-                                              <p:attrName>style.visibility</p:attrName>
-                                            </p:attrNameLst>
-                                          </p:cBhvr>
-                                          <p:to>
-                                            <p:strVal val="visible"/>
-                                          </p:to>
-                                        </p:set>
-                                        <p:anim calcmode="lin" valueType="num" p14:bounceEnd="40000">
-                                          <p:cBhvr additive="base">
-                                            <p:cTn id="20" dur="500" fill="hold"/>
-                                            <p:tgtEl>
-                                              <p:spTgt spid="14"/>
-                                            </p:tgtEl>
-                                            <p:attrNameLst>
-                                              <p:attrName>ppt_x</p:attrName>
-                                            </p:attrNameLst>
-                                          </p:cBhvr>
-                                          <p:tavLst>
-                                            <p:tav tm="0">
-                                              <p:val>
-                                                <p:strVal val="#ppt_x"/>
-                                              </p:val>
-                                            </p:tav>
-                                            <p:tav tm="100000">
-                                              <p:val>
-                                                <p:strVal val="#ppt_x"/>
-                                              </p:val>
-                                            </p:tav>
-                                          </p:tavLst>
-                                        </p:anim>
-                                        <p:anim calcmode="lin" valueType="num" p14:bounceEnd="40000">
-                                          <p:cBhvr additive="base">
-                                            <p:cTn id="21" dur="500" fill="hold"/>
-                                            <p:tgtEl>
-                                              <p:spTgt spid="14"/>
-                                            </p:tgtEl>
-                                            <p:attrNameLst>
-                                              <p:attrName>ppt_y</p:attrName>
-                                            </p:attrNameLst>
-                                          </p:cBhvr>
-                                          <p:tavLst>
-                                            <p:tav tm="0">
-                                              <p:val>
-                                                <p:strVal val="0-#ppt_h/2"/>
-                                              </p:val>
-                                            </p:tav>
-                                            <p:tav tm="100000">
-                                              <p:val>
-                                                <p:strVal val="#ppt_y"/>
-                                              </p:val>
-                                            </p:tav>
-                                          </p:tavLst>
-                                        </p:anim>
-                                      </p:childTnLst>
-                                    </p:cTn>
-                                  </p:par>
-                                  <p:par>
-                                    <p:cTn id="22" presetID="2" presetClass="entr" presetSubtype="8" fill="hold" nodeType="withEffect" p14:presetBounceEnd="40000">
-                                      <p:stCondLst>
-                                        <p:cond delay="300"/>
-                                      </p:stCondLst>
-                                      <p:childTnLst>
-                                        <p:set>
-                                          <p:cBhvr>
-                                            <p:cTn id="23" dur="1" fill="hold">
-                                              <p:stCondLst>
-                                                <p:cond delay="0"/>
-                                              </p:stCondLst>
-                                            </p:cTn>
-                                            <p:tgtEl>
-                                              <p:spTgt spid="15"/>
-                                            </p:tgtEl>
-                                            <p:attrNameLst>
-                                              <p:attrName>style.visibility</p:attrName>
-                                            </p:attrNameLst>
-                                          </p:cBhvr>
-                                          <p:to>
-                                            <p:strVal val="visible"/>
-                                          </p:to>
-                                        </p:set>
-                                        <p:anim calcmode="lin" valueType="num" p14:bounceEnd="40000">
-                                          <p:cBhvr additive="base">
-                                            <p:cTn id="24" dur="500" fill="hold"/>
-                                            <p:tgtEl>
-                                              <p:spTgt spid="15"/>
-                                            </p:tgtEl>
-                                            <p:attrNameLst>
-                                              <p:attrName>ppt_x</p:attrName>
-                                            </p:attrNameLst>
-                                          </p:cBhvr>
-                                          <p:tavLst>
-                                            <p:tav tm="0">
-                                              <p:val>
-                                                <p:strVal val="0-#ppt_w/2"/>
-                                              </p:val>
-                                            </p:tav>
-                                            <p:tav tm="100000">
-                                              <p:val>
-                                                <p:strVal val="#ppt_x"/>
-                                              </p:val>
-                                            </p:tav>
-                                          </p:tavLst>
-                                        </p:anim>
-                                        <p:anim calcmode="lin" valueType="num" p14:bounceEnd="40000">
-                                          <p:cBhvr additive="base">
-                                            <p:cTn id="25" dur="500" fill="hold"/>
-                                            <p:tgtEl>
-                                              <p:spTgt spid="15"/>
-                                            </p:tgtEl>
-                                            <p:attrNameLst>
-                                              <p:attrName>ppt_y</p:attrName>
-                                            </p:attrNameLst>
-                                          </p:cBhvr>
-                                          <p:tavLst>
-                                            <p:tav tm="0">
-                                              <p:val>
-                                                <p:strVal val="#ppt_y"/>
-                                              </p:val>
-                                            </p:tav>
-                                            <p:tav tm="100000">
-                                              <p:val>
-                                                <p:strVal val="#ppt_y"/>
-                                              </p:val>
-                                            </p:tav>
-                                          </p:tavLst>
-                                        </p:anim>
-                                      </p:childTnLst>
-                                    </p:cTn>
-                                  </p:par>
-                                  <p:par>
-                                    <p:cTn id="26" presetID="12" presetClass="entr" presetSubtype="2" fill="hold" grpId="0" nodeType="withEffect">
-                                      <p:stCondLst>
-                                        <p:cond delay="300"/>
-                                      </p:stCondLst>
-                                      <p:childTnLst>
-                                        <p:set>
-                                          <p:cBhvr>
-                                            <p:cTn id="27" dur="1" fill="hold">
-                                              <p:stCondLst>
-                                                <p:cond delay="0"/>
-                                              </p:stCondLst>
-                                            </p:cTn>
-                                            <p:tgtEl>
-                                              <p:spTgt spid="13"/>
-                                            </p:tgtEl>
-                                            <p:attrNameLst>
-                                              <p:attrName>style.visibility</p:attrName>
-                                            </p:attrNameLst>
-                                          </p:cBhvr>
-                                          <p:to>
-                                            <p:strVal val="visible"/>
-                                          </p:to>
-                                        </p:set>
-                                        <p:anim calcmode="lin" valueType="num">
-                                          <p:cBhvr additive="base">
-                                            <p:cTn id="28" dur="500"/>
-                                            <p:tgtEl>
-                                              <p:spTgt spid="13"/>
-                                            </p:tgtEl>
-                                            <p:attrNameLst>
-                                              <p:attrName>ppt_x</p:attrName>
-                                            </p:attrNameLst>
-                                          </p:cBhvr>
-                                          <p:tavLst>
-                                            <p:tav tm="0">
-                                              <p:val>
-                                                <p:strVal val="#ppt_x+#ppt_w*1.125000"/>
-                                              </p:val>
-                                            </p:tav>
-                                            <p:tav tm="100000">
-                                              <p:val>
-                                                <p:strVal val="#ppt_x"/>
-                                              </p:val>
-                                            </p:tav>
-                                          </p:tavLst>
-                                        </p:anim>
-                                        <p:animEffect transition="in" filter="wipe(left)">
-                                          <p:cBhvr>
-                                            <p:cTn id="29" dur="500"/>
-                                            <p:tgtEl>
-                                              <p:spTgt spid="13"/>
-                                            </p:tgtEl>
-                                          </p:cBhvr>
-                                        </p:animEffect>
-                                      </p:childTnLst>
-                                    </p:cTn>
-                                  </p:par>
-                                  <p:par>
-                                    <p:cTn id="30" presetID="2" presetClass="entr" presetSubtype="4" fill="hold" grpId="0" nodeType="withEffect" p14:presetBounceEnd="40000">
-                                      <p:stCondLst>
-                                        <p:cond delay="600"/>
-                                      </p:stCondLst>
-                                      <p:childTnLst>
-                                        <p:set>
-                                          <p:cBhvr>
-                                            <p:cTn id="31" dur="1" fill="hold">
-                                              <p:stCondLst>
-                                                <p:cond delay="0"/>
-                                              </p:stCondLst>
-                                            </p:cTn>
-                                            <p:tgtEl>
-                                              <p:spTgt spid="18"/>
-                                            </p:tgtEl>
-                                            <p:attrNameLst>
-                                              <p:attrName>style.visibility</p:attrName>
-                                            </p:attrNameLst>
-                                          </p:cBhvr>
-                                          <p:to>
-                                            <p:strVal val="visible"/>
-                                          </p:to>
-                                        </p:set>
-                                        <p:anim calcmode="lin" valueType="num" p14:bounceEnd="40000">
-                                          <p:cBhvr additive="base">
-                                            <p:cTn id="32" dur="500" fill="hold"/>
-                                            <p:tgtEl>
-                                              <p:spTgt spid="18"/>
-                                            </p:tgtEl>
-                                            <p:attrNameLst>
-                                              <p:attrName>ppt_x</p:attrName>
-                                            </p:attrNameLst>
-                                          </p:cBhvr>
-                                          <p:tavLst>
-                                            <p:tav tm="0">
-                                              <p:val>
-                                                <p:strVal val="#ppt_x"/>
-                                              </p:val>
-                                            </p:tav>
-                                            <p:tav tm="100000">
-                                              <p:val>
-                                                <p:strVal val="#ppt_x"/>
-                                              </p:val>
-                                            </p:tav>
-                                          </p:tavLst>
-                                        </p:anim>
-                                        <p:anim calcmode="lin" valueType="num" p14:bounceEnd="40000">
-                                          <p:cBhvr additive="base">
-                                            <p:cTn id="33" dur="500" fill="hold"/>
-                                            <p:tgtEl>
-                                              <p:spTgt spid="18"/>
-                                            </p:tgtEl>
-                                            <p:attrNameLst>
-                                              <p:attrName>ppt_y</p:attrName>
-                                            </p:attrNameLst>
-                                          </p:cBhvr>
-                                          <p:tavLst>
-                                            <p:tav tm="0">
-                                              <p:val>
-                                                <p:strVal val="1+#ppt_h/2"/>
-                                              </p:val>
-                                            </p:tav>
-                                            <p:tav tm="100000">
-                                              <p:val>
-                                                <p:strVal val="#ppt_y"/>
-                                              </p:val>
-                                            </p:tav>
-                                          </p:tavLst>
-                                        </p:anim>
-                                      </p:childTnLst>
-                                    </p:cTn>
-                                  </p:par>
-                                  <p:par>
-                                    <p:cTn id="34" presetID="12" presetClass="entr" presetSubtype="2" fill="hold" grpId="0" nodeType="withEffect">
-                                      <p:stCondLst>
-                                        <p:cond delay="600"/>
-                                      </p:stCondLst>
-                                      <p:childTnLst>
-                                        <p:set>
-                                          <p:cBhvr>
-                                            <p:cTn id="35" dur="1" fill="hold">
-                                              <p:stCondLst>
-                                                <p:cond delay="0"/>
-                                              </p:stCondLst>
-                                            </p:cTn>
-                                            <p:tgtEl>
-                                              <p:spTgt spid="10"/>
-                                            </p:tgtEl>
-                                            <p:attrNameLst>
-                                              <p:attrName>style.visibility</p:attrName>
-                                            </p:attrNameLst>
-                                          </p:cBhvr>
-                                          <p:to>
-                                            <p:strVal val="visible"/>
-                                          </p:to>
-                                        </p:set>
-                                        <p:anim calcmode="lin" valueType="num">
-                                          <p:cBhvr additive="base">
-                                            <p:cTn id="36" dur="500"/>
-                                            <p:tgtEl>
-                                              <p:spTgt spid="10"/>
-                                            </p:tgtEl>
-                                            <p:attrNameLst>
-                                              <p:attrName>ppt_x</p:attrName>
-                                            </p:attrNameLst>
-                                          </p:cBhvr>
-                                          <p:tavLst>
-                                            <p:tav tm="0">
-                                              <p:val>
-                                                <p:strVal val="#ppt_x+#ppt_w*1.125000"/>
-                                              </p:val>
-                                            </p:tav>
-                                            <p:tav tm="100000">
-                                              <p:val>
-                                                <p:strVal val="#ppt_x"/>
-                                              </p:val>
-                                            </p:tav>
-                                          </p:tavLst>
-                                        </p:anim>
-                                        <p:animEffect transition="in" filter="wipe(left)">
-                                          <p:cBhvr>
-                                            <p:cTn id="37" dur="500"/>
-                                            <p:tgtEl>
-                                              <p:spTgt spid="10"/>
-                                            </p:tgtEl>
-                                          </p:cBhvr>
-                                        </p:animEffect>
-                                      </p:childTnLst>
-                                    </p:cTn>
-                                  </p:par>
-                                  <p:par>
-                                    <p:cTn id="38" presetID="2" presetClass="entr" presetSubtype="2" fill="hold" nodeType="withEffect" p14:presetBounceEnd="40000">
-                                      <p:stCondLst>
-                                        <p:cond delay="900"/>
-                                      </p:stCondLst>
-                                      <p:childTnLst>
-                                        <p:set>
-                                          <p:cBhvr>
-                                            <p:cTn id="39" dur="1" fill="hold">
-                                              <p:stCondLst>
-                                                <p:cond delay="0"/>
-                                              </p:stCondLst>
-                                            </p:cTn>
-                                            <p:tgtEl>
-                                              <p:spTgt spid="19"/>
-                                            </p:tgtEl>
-                                            <p:attrNameLst>
-                                              <p:attrName>style.visibility</p:attrName>
-                                            </p:attrNameLst>
-                                          </p:cBhvr>
-                                          <p:to>
-                                            <p:strVal val="visible"/>
-                                          </p:to>
-                                        </p:set>
-                                        <p:anim calcmode="lin" valueType="num" p14:bounceEnd="40000">
-                                          <p:cBhvr additive="base">
-                                            <p:cTn id="40" dur="500" fill="hold"/>
-                                            <p:tgtEl>
-                                              <p:spTgt spid="19"/>
-                                            </p:tgtEl>
-                                            <p:attrNameLst>
-                                              <p:attrName>ppt_x</p:attrName>
-                                            </p:attrNameLst>
-                                          </p:cBhvr>
-                                          <p:tavLst>
-                                            <p:tav tm="0">
-                                              <p:val>
-                                                <p:strVal val="1+#ppt_w/2"/>
-                                              </p:val>
-                                            </p:tav>
-                                            <p:tav tm="100000">
-                                              <p:val>
-                                                <p:strVal val="#ppt_x"/>
-                                              </p:val>
-                                            </p:tav>
-                                          </p:tavLst>
-                                        </p:anim>
-                                        <p:anim calcmode="lin" valueType="num" p14:bounceEnd="40000">
-                                          <p:cBhvr additive="base">
-                                            <p:cTn id="41" dur="500" fill="hold"/>
-                                            <p:tgtEl>
-                                              <p:spTgt spid="19"/>
-                                            </p:tgtEl>
-                                            <p:attrNameLst>
-                                              <p:attrName>ppt_y</p:attrName>
-                                            </p:attrNameLst>
-                                          </p:cBhvr>
-                                          <p:tavLst>
-                                            <p:tav tm="0">
-                                              <p:val>
-                                                <p:strVal val="#ppt_y"/>
-                                              </p:val>
-                                            </p:tav>
-                                            <p:tav tm="100000">
-                                              <p:val>
-                                                <p:strVal val="#ppt_y"/>
-                                              </p:val>
-                                            </p:tav>
-                                          </p:tavLst>
-                                        </p:anim>
-                                      </p:childTnLst>
-                                    </p:cTn>
-                                  </p:par>
-                                  <p:par>
-                                    <p:cTn id="42" presetID="12" presetClass="entr" presetSubtype="8" fill="hold" grpId="0" nodeType="withEffect">
-                                      <p:stCondLst>
-                                        <p:cond delay="900"/>
-                                      </p:stCondLst>
-                                      <p:childTnLst>
-                                        <p:set>
-                                          <p:cBhvr>
-                                            <p:cTn id="43" dur="1" fill="hold">
-                                              <p:stCondLst>
-                                                <p:cond delay="0"/>
-                                              </p:stCondLst>
-                                            </p:cTn>
-                                            <p:tgtEl>
-                                              <p:spTgt spid="11"/>
-                                            </p:tgtEl>
-                                            <p:attrNameLst>
-                                              <p:attrName>style.visibility</p:attrName>
-                                            </p:attrNameLst>
-                                          </p:cBhvr>
-                                          <p:to>
-                                            <p:strVal val="visible"/>
-                                          </p:to>
-                                        </p:set>
-                                        <p:anim calcmode="lin" valueType="num">
-                                          <p:cBhvr additive="base">
-                                            <p:cTn id="44" dur="500"/>
-                                            <p:tgtEl>
-                                              <p:spTgt spid="11"/>
-                                            </p:tgtEl>
-                                            <p:attrNameLst>
-                                              <p:attrName>ppt_x</p:attrName>
-                                            </p:attrNameLst>
-                                          </p:cBhvr>
-                                          <p:tavLst>
-                                            <p:tav tm="0">
-                                              <p:val>
-                                                <p:strVal val="#ppt_x-#ppt_w*1.125000"/>
-                                              </p:val>
-                                            </p:tav>
-                                            <p:tav tm="100000">
-                                              <p:val>
-                                                <p:strVal val="#ppt_x"/>
-                                              </p:val>
-                                            </p:tav>
-                                          </p:tavLst>
-                                        </p:anim>
-                                        <p:animEffect transition="in" filter="wipe(right)">
-                                          <p:cBhvr>
-                                            <p:cTn id="45" dur="500"/>
-                                            <p:tgtEl>
-                                              <p:spTgt spid="11"/>
-                                            </p:tgtEl>
-                                          </p:cBhvr>
-                                        </p:animEffect>
-                                      </p:childTnLst>
-                                    </p:cTn>
-                                  </p:par>
-                                  <p:par>
-                                    <p:cTn id="46" presetID="12" presetClass="entr" presetSubtype="8" fill="hold" grpId="0" nodeType="withEffect">
-                                      <p:stCondLst>
-                                        <p:cond delay="1200"/>
-                                      </p:stCondLst>
-                                      <p:childTnLst>
-                                        <p:set>
-                                          <p:cBhvr>
-                                            <p:cTn id="47" dur="1" fill="hold">
-                                              <p:stCondLst>
-                                                <p:cond delay="0"/>
-                                              </p:stCondLst>
-                                            </p:cTn>
-                                            <p:tgtEl>
-                                              <p:spTgt spid="12"/>
-                                            </p:tgtEl>
-                                            <p:attrNameLst>
-                                              <p:attrName>style.visibility</p:attrName>
-                                            </p:attrNameLst>
-                                          </p:cBhvr>
-                                          <p:to>
-                                            <p:strVal val="visible"/>
-                                          </p:to>
-                                        </p:set>
-                                        <p:anim calcmode="lin" valueType="num">
-                                          <p:cBhvr additive="base">
-                                            <p:cTn id="48" dur="500"/>
-                                            <p:tgtEl>
-                                              <p:spTgt spid="12"/>
-                                            </p:tgtEl>
-                                            <p:attrNameLst>
-                                              <p:attrName>ppt_x</p:attrName>
-                                            </p:attrNameLst>
-                                          </p:cBhvr>
-                                          <p:tavLst>
-                                            <p:tav tm="0">
-                                              <p:val>
-                                                <p:strVal val="#ppt_x-#ppt_w*1.125000"/>
-                                              </p:val>
-                                            </p:tav>
-                                            <p:tav tm="100000">
-                                              <p:val>
-                                                <p:strVal val="#ppt_x"/>
-                                              </p:val>
-                                            </p:tav>
-                                          </p:tavLst>
-                                        </p:anim>
-                                        <p:animEffect transition="in" filter="wipe(right)">
-                                          <p:cBhvr>
-                                            <p:cTn id="49" dur="500"/>
-                                            <p:tgtEl>
-                                              <p:spTgt spid="12"/>
-                                            </p:tgtEl>
-                                          </p:cBhvr>
-                                        </p:animEffect>
-                                      </p:childTnLst>
-                                    </p:cTn>
-                                  </p:par>
-                                </p:childTnLst>
-                              </p:cTn>
-                            </p:par>
-                          </p:childTnLst>
-                        </p:cTn>
-                      </p:par>
-                    </p:childTnLst>
-                  </p:cTn>
-                  <p:prevCondLst>
-                    <p:cond evt="onPrev" delay="0">
-                      <p:tgtEl>
-                        <p:sldTgt/>
-                      </p:tgtEl>
-                    </p:cond>
-                  </p:prevCondLst>
-                  <p:nextCondLst>
-                    <p:cond evt="onNext" delay="0">
-                      <p:tgtEl>
-                        <p:sldTgt/>
-                      </p:tgtEl>
-                    </p:cond>
-                  </p:nextCondLst>
-                </p:seq>
-              </p:childTnLst>
-            </p:cTn>
-          </p:par>
-        </p:tnLst>
-        <p:bldLst>
-          <p:bldP spid="5" grpId="0" animBg="1"/>
-          <p:bldP spid="6" grpId="0"/>
-          <p:bldP spid="10" grpId="0"/>
-          <p:bldP spid="11" grpId="0"/>
-          <p:bldP spid="12" grpId="0"/>
-          <p:bldP spid="13" grpId="0"/>
-          <p:bldP spid="14" grpId="0" animBg="1"/>
-          <p:bldP spid="18" grpId="0" animBg="1"/>
-        </p:bldLst>
-      </p:timing>
-    </mc:Choice>
-    <mc:Fallback>
-      <p:timing>
-        <p:tnLst>
-          <p:par>
-            <p:cTn id="1" dur="indefinite" restart="never" nodeType="tmRoot">
-              <p:childTnLst>
-                <p:seq concurrent="1" nextAc="seek">
-                  <p:cTn id="2" dur="indefinite" nodeType="mainSeq">
-                    <p:childTnLst>
-                      <p:par>
-                        <p:cTn id="3" fill="hold">
-                          <p:stCondLst>
-                            <p:cond delay="indefinite"/>
-                            <p:cond evt="onBegin" delay="0">
-                              <p:tn val="2"/>
-                            </p:cond>
-                          </p:stCondLst>
-                          <p:childTnLst>
-                            <p:par>
-                              <p:cTn id="4" fill="hold">
-                                <p:stCondLst>
-                                  <p:cond delay="0"/>
-                                </p:stCondLst>
-                                <p:childTnLst>
-                                  <p:par>
-                                    <p:cTn id="5" presetID="22" presetClass="entr" presetSubtype="8" fill="hold" nodeType="withEffect">
-                                      <p:stCondLst>
-                                        <p:cond delay="0"/>
-                                      </p:stCondLst>
-                                      <p:childTnLst>
-                                        <p:set>
-                                          <p:cBhvr>
-                                            <p:cTn id="6" dur="1" fill="hold">
-                                              <p:stCondLst>
-                                                <p:cond delay="0"/>
-                                              </p:stCondLst>
-                                            </p:cTn>
-                                            <p:tgtEl>
-                                              <p:spTgt spid="4"/>
-                                            </p:tgtEl>
-                                            <p:attrNameLst>
-                                              <p:attrName>style.visibility</p:attrName>
-                                            </p:attrNameLst>
-                                          </p:cBhvr>
-                                          <p:to>
-                                            <p:strVal val="visible"/>
-                                          </p:to>
-                                        </p:set>
-                                        <p:animEffect transition="in" filter="wipe(left)">
-                                          <p:cBhvr>
-                                            <p:cTn id="7" dur="300"/>
-                                            <p:tgtEl>
-                                              <p:spTgt spid="4"/>
-                                            </p:tgtEl>
-                                          </p:cBhvr>
-                                        </p:animEffect>
-                                      </p:childTnLst>
-                                    </p:cTn>
-                                  </p:par>
-                                </p:childTnLst>
-                              </p:cTn>
-                            </p:par>
-                            <p:par>
-                              <p:cTn id="8" fill="hold">
-                                <p:stCondLst>
-                                  <p:cond delay="300"/>
-                                </p:stCondLst>
-                                <p:childTnLst>
-                                  <p:par>
-                                    <p:cTn id="9" presetID="22" presetClass="entr" presetSubtype="4" fill="hold" grpId="0" nodeType="afterEffect">
-                                      <p:stCondLst>
-                                        <p:cond delay="0"/>
-                                      </p:stCondLst>
-                                      <p:childTnLst>
-                                        <p:set>
-                                          <p:cBhvr>
-                                            <p:cTn id="10" dur="1" fill="hold">
-                                              <p:stCondLst>
-                                                <p:cond delay="0"/>
-                                              </p:stCondLst>
-                                            </p:cTn>
-                                            <p:tgtEl>
-                                              <p:spTgt spid="5"/>
-                                            </p:tgtEl>
-                                            <p:attrNameLst>
-                                              <p:attrName>style.visibility</p:attrName>
-                                            </p:attrNameLst>
-                                          </p:cBhvr>
-                                          <p:to>
-                                            <p:strVal val="visible"/>
-                                          </p:to>
-                                        </p:set>
-                                        <p:animEffect transition="in" filter="wipe(down)">
-                                          <p:cBhvr>
-                                            <p:cTn id="11" dur="300"/>
-                                            <p:tgtEl>
-                                              <p:spTgt spid="5"/>
-                                            </p:tgtEl>
-                                          </p:cBhvr>
-                                        </p:animEffect>
-                                      </p:childTnLst>
-                                    </p:cTn>
-                                  </p:par>
-                                </p:childTnLst>
-                              </p:cTn>
-                            </p:par>
-                            <p:par>
-                              <p:cTn id="12" fill="hold">
-                                <p:stCondLst>
-                                  <p:cond delay="600"/>
-                                </p:stCondLst>
-                                <p:childTnLst>
-                                  <p:par>
-                                    <p:cTn id="13" presetID="12" presetClass="entr" presetSubtype="8" fill="hold" grpId="0" nodeType="afterEffect">
-                                      <p:stCondLst>
-                                        <p:cond delay="0"/>
-                                      </p:stCondLst>
-                                      <p:childTnLst>
-                                        <p:set>
-                                          <p:cBhvr>
-                                            <p:cTn id="14" dur="1" fill="hold">
-                                              <p:stCondLst>
-                                                <p:cond delay="0"/>
-                                              </p:stCondLst>
-                                            </p:cTn>
-                                            <p:tgtEl>
-                                              <p:spTgt spid="6"/>
-                                            </p:tgtEl>
-                                            <p:attrNameLst>
-                                              <p:attrName>style.visibility</p:attrName>
-                                            </p:attrNameLst>
-                                          </p:cBhvr>
-                                          <p:to>
-                                            <p:strVal val="visible"/>
-                                          </p:to>
-                                        </p:set>
-                                        <p:anim calcmode="lin" valueType="num">
-                                          <p:cBhvr additive="base">
-                                            <p:cTn id="15" dur="500"/>
-                                            <p:tgtEl>
-                                              <p:spTgt spid="6"/>
-                                            </p:tgtEl>
-                                            <p:attrNameLst>
-                                              <p:attrName>ppt_x</p:attrName>
-                                            </p:attrNameLst>
-                                          </p:cBhvr>
-                                          <p:tavLst>
-                                            <p:tav tm="0">
-                                              <p:val>
-                                                <p:strVal val="#ppt_x-#ppt_w*1.125000"/>
-                                              </p:val>
-                                            </p:tav>
-                                            <p:tav tm="100000">
-                                              <p:val>
-                                                <p:strVal val="#ppt_x"/>
-                                              </p:val>
-                                            </p:tav>
-                                          </p:tavLst>
-                                        </p:anim>
-                                        <p:animEffect transition="in" filter="wipe(right)">
-                                          <p:cBhvr>
-                                            <p:cTn id="16" dur="500"/>
-                                            <p:tgtEl>
-                                              <p:spTgt spid="6"/>
-                                            </p:tgtEl>
-                                          </p:cBhvr>
-                                        </p:animEffect>
-                                      </p:childTnLst>
-                                    </p:cTn>
-                                  </p:par>
-                                </p:childTnLst>
-                              </p:cTn>
-                            </p:par>
-                            <p:par>
-                              <p:cTn id="17" fill="hold">
-                                <p:stCondLst>
-                                  <p:cond delay="1100"/>
-                                </p:stCondLst>
-                                <p:childTnLst>
-                                  <p:par>
-                                    <p:cTn id="18" presetID="2" presetClass="entr" presetSubtype="1" fill="hold" grpId="0" nodeType="afterEffect">
-                                      <p:stCondLst>
-                                        <p:cond delay="0"/>
-                                      </p:stCondLst>
-                                      <p:childTnLst>
-                                        <p:set>
-                                          <p:cBhvr>
-                                            <p:cTn id="19" dur="1" fill="hold">
-                                              <p:stCondLst>
-                                                <p:cond delay="0"/>
-                                              </p:stCondLst>
-                                            </p:cTn>
-                                            <p:tgtEl>
-                                              <p:spTgt spid="14"/>
-                                            </p:tgtEl>
-                                            <p:attrNameLst>
-                                              <p:attrName>style.visibility</p:attrName>
-                                            </p:attrNameLst>
-                                          </p:cBhvr>
-                                          <p:to>
-                                            <p:strVal val="visible"/>
-                                          </p:to>
-                                        </p:set>
-                                        <p:anim calcmode="lin" valueType="num">
-                                          <p:cBhvr additive="base">
-                                            <p:cTn id="20" dur="500" fill="hold"/>
-                                            <p:tgtEl>
-                                              <p:spTgt spid="14"/>
-                                            </p:tgtEl>
-                                            <p:attrNameLst>
-                                              <p:attrName>ppt_x</p:attrName>
-                                            </p:attrNameLst>
-                                          </p:cBhvr>
-                                          <p:tavLst>
-                                            <p:tav tm="0">
-                                              <p:val>
-                                                <p:strVal val="#ppt_x"/>
-                                              </p:val>
-                                            </p:tav>
-                                            <p:tav tm="100000">
-                                              <p:val>
-                                                <p:strVal val="#ppt_x"/>
-                                              </p:val>
-                                            </p:tav>
-                                          </p:tavLst>
-                                        </p:anim>
-                                        <p:anim calcmode="lin" valueType="num">
-                                          <p:cBhvr additive="base">
-                                            <p:cTn id="21" dur="500" fill="hold"/>
-                                            <p:tgtEl>
-                                              <p:spTgt spid="14"/>
-                                            </p:tgtEl>
-                                            <p:attrNameLst>
-                                              <p:attrName>ppt_y</p:attrName>
-                                            </p:attrNameLst>
-                                          </p:cBhvr>
-                                          <p:tavLst>
-                                            <p:tav tm="0">
-                                              <p:val>
-                                                <p:strVal val="0-#ppt_h/2"/>
-                                              </p:val>
-                                            </p:tav>
-                                            <p:tav tm="100000">
-                                              <p:val>
-                                                <p:strVal val="#ppt_y"/>
-                                              </p:val>
-                                            </p:tav>
-                                          </p:tavLst>
-                                        </p:anim>
-                                      </p:childTnLst>
-                                    </p:cTn>
-                                  </p:par>
-                                  <p:par>
-                                    <p:cTn id="22" presetID="2" presetClass="entr" presetSubtype="8" fill="hold" nodeType="withEffect">
-                                      <p:stCondLst>
-                                        <p:cond delay="300"/>
-                                      </p:stCondLst>
-                                      <p:childTnLst>
-                                        <p:set>
-                                          <p:cBhvr>
-                                            <p:cTn id="23" dur="1" fill="hold">
-                                              <p:stCondLst>
-                                                <p:cond delay="0"/>
-                                              </p:stCondLst>
-                                            </p:cTn>
-                                            <p:tgtEl>
-                                              <p:spTgt spid="15"/>
-                                            </p:tgtEl>
-                                            <p:attrNameLst>
-                                              <p:attrName>style.visibility</p:attrName>
-                                            </p:attrNameLst>
-                                          </p:cBhvr>
-                                          <p:to>
-                                            <p:strVal val="visible"/>
-                                          </p:to>
-                                        </p:set>
-                                        <p:anim calcmode="lin" valueType="num">
-                                          <p:cBhvr additive="base">
-                                            <p:cTn id="24" dur="500" fill="hold"/>
-                                            <p:tgtEl>
-                                              <p:spTgt spid="15"/>
-                                            </p:tgtEl>
-                                            <p:attrNameLst>
-                                              <p:attrName>ppt_x</p:attrName>
-                                            </p:attrNameLst>
-                                          </p:cBhvr>
-                                          <p:tavLst>
-                                            <p:tav tm="0">
-                                              <p:val>
-                                                <p:strVal val="0-#ppt_w/2"/>
-                                              </p:val>
-                                            </p:tav>
-                                            <p:tav tm="100000">
-                                              <p:val>
-                                                <p:strVal val="#ppt_x"/>
-                                              </p:val>
-                                            </p:tav>
-                                          </p:tavLst>
-                                        </p:anim>
-                                        <p:anim calcmode="lin" valueType="num">
-                                          <p:cBhvr additive="base">
-                                            <p:cTn id="25" dur="500" fill="hold"/>
-                                            <p:tgtEl>
-                                              <p:spTgt spid="15"/>
-                                            </p:tgtEl>
-                                            <p:attrNameLst>
-                                              <p:attrName>ppt_y</p:attrName>
-                                            </p:attrNameLst>
-                                          </p:cBhvr>
-                                          <p:tavLst>
-                                            <p:tav tm="0">
-                                              <p:val>
-                                                <p:strVal val="#ppt_y"/>
-                                              </p:val>
-                                            </p:tav>
-                                            <p:tav tm="100000">
-                                              <p:val>
-                                                <p:strVal val="#ppt_y"/>
-                                              </p:val>
-                                            </p:tav>
-                                          </p:tavLst>
-                                        </p:anim>
-                                      </p:childTnLst>
-                                    </p:cTn>
-                                  </p:par>
-                                  <p:par>
-                                    <p:cTn id="26" presetID="12" presetClass="entr" presetSubtype="2" fill="hold" grpId="0" nodeType="withEffect">
-                                      <p:stCondLst>
-                                        <p:cond delay="300"/>
-                                      </p:stCondLst>
-                                      <p:childTnLst>
-                                        <p:set>
-                                          <p:cBhvr>
-                                            <p:cTn id="27" dur="1" fill="hold">
-                                              <p:stCondLst>
-                                                <p:cond delay="0"/>
-                                              </p:stCondLst>
-                                            </p:cTn>
-                                            <p:tgtEl>
-                                              <p:spTgt spid="13"/>
-                                            </p:tgtEl>
-                                            <p:attrNameLst>
-                                              <p:attrName>style.visibility</p:attrName>
-                                            </p:attrNameLst>
-                                          </p:cBhvr>
-                                          <p:to>
-                                            <p:strVal val="visible"/>
-                                          </p:to>
-                                        </p:set>
-                                        <p:anim calcmode="lin" valueType="num">
-                                          <p:cBhvr additive="base">
-                                            <p:cTn id="28" dur="500"/>
-                                            <p:tgtEl>
-                                              <p:spTgt spid="13"/>
-                                            </p:tgtEl>
-                                            <p:attrNameLst>
-                                              <p:attrName>ppt_x</p:attrName>
-                                            </p:attrNameLst>
-                                          </p:cBhvr>
-                                          <p:tavLst>
-                                            <p:tav tm="0">
-                                              <p:val>
-                                                <p:strVal val="#ppt_x+#ppt_w*1.125000"/>
-                                              </p:val>
-                                            </p:tav>
-                                            <p:tav tm="100000">
-                                              <p:val>
-                                                <p:strVal val="#ppt_x"/>
-                                              </p:val>
-                                            </p:tav>
-                                          </p:tavLst>
-                                        </p:anim>
-                                        <p:animEffect transition="in" filter="wipe(left)">
-                                          <p:cBhvr>
-                                            <p:cTn id="29" dur="500"/>
-                                            <p:tgtEl>
-                                              <p:spTgt spid="13"/>
-                                            </p:tgtEl>
-                                          </p:cBhvr>
-                                        </p:animEffect>
-                                      </p:childTnLst>
-                                    </p:cTn>
-                                  </p:par>
-                                  <p:par>
-                                    <p:cTn id="30" presetID="2" presetClass="entr" presetSubtype="4" fill="hold" grpId="0" nodeType="withEffect">
-                                      <p:stCondLst>
-                                        <p:cond delay="600"/>
-                                      </p:stCondLst>
-                                      <p:childTnLst>
-                                        <p:set>
-                                          <p:cBhvr>
-                                            <p:cTn id="31" dur="1" fill="hold">
-                                              <p:stCondLst>
-                                                <p:cond delay="0"/>
-                                              </p:stCondLst>
-                                            </p:cTn>
-                                            <p:tgtEl>
-                                              <p:spTgt spid="18"/>
-                                            </p:tgtEl>
-                                            <p:attrNameLst>
-                                              <p:attrName>style.visibility</p:attrName>
-                                            </p:attrNameLst>
-                                          </p:cBhvr>
-                                          <p:to>
-                                            <p:strVal val="visible"/>
-                                          </p:to>
-                                        </p:set>
-                                        <p:anim calcmode="lin" valueType="num">
-                                          <p:cBhvr additive="base">
-                                            <p:cTn id="32" dur="500" fill="hold"/>
-                                            <p:tgtEl>
-                                              <p:spTgt spid="18"/>
-                                            </p:tgtEl>
-                                            <p:attrNameLst>
-                                              <p:attrName>ppt_x</p:attrName>
-                                            </p:attrNameLst>
-                                          </p:cBhvr>
-                                          <p:tavLst>
-                                            <p:tav tm="0">
-                                              <p:val>
-                                                <p:strVal val="#ppt_x"/>
-                                              </p:val>
-                                            </p:tav>
-                                            <p:tav tm="100000">
-                                              <p:val>
-                                                <p:strVal val="#ppt_x"/>
-                                              </p:val>
-                                            </p:tav>
-                                          </p:tavLst>
-                                        </p:anim>
-                                        <p:anim calcmode="lin" valueType="num">
-                                          <p:cBhvr additive="base">
-                                            <p:cTn id="33" dur="500" fill="hold"/>
-                                            <p:tgtEl>
-                                              <p:spTgt spid="18"/>
-                                            </p:tgtEl>
-                                            <p:attrNameLst>
-                                              <p:attrName>ppt_y</p:attrName>
-                                            </p:attrNameLst>
-                                          </p:cBhvr>
-                                          <p:tavLst>
-                                            <p:tav tm="0">
-                                              <p:val>
-                                                <p:strVal val="1+#ppt_h/2"/>
-                                              </p:val>
-                                            </p:tav>
-                                            <p:tav tm="100000">
-                                              <p:val>
-                                                <p:strVal val="#ppt_y"/>
-                                              </p:val>
-                                            </p:tav>
-                                          </p:tavLst>
-                                        </p:anim>
-                                      </p:childTnLst>
-                                    </p:cTn>
-                                  </p:par>
-                                  <p:par>
-                                    <p:cTn id="34" presetID="12" presetClass="entr" presetSubtype="2" fill="hold" grpId="0" nodeType="withEffect">
-                                      <p:stCondLst>
-                                        <p:cond delay="600"/>
-                                      </p:stCondLst>
-                                      <p:childTnLst>
-                                        <p:set>
-                                          <p:cBhvr>
-                                            <p:cTn id="35" dur="1" fill="hold">
-                                              <p:stCondLst>
-                                                <p:cond delay="0"/>
-                                              </p:stCondLst>
-                                            </p:cTn>
-                                            <p:tgtEl>
-                                              <p:spTgt spid="10"/>
-                                            </p:tgtEl>
-                                            <p:attrNameLst>
-                                              <p:attrName>style.visibility</p:attrName>
-                                            </p:attrNameLst>
-                                          </p:cBhvr>
-                                          <p:to>
-                                            <p:strVal val="visible"/>
-                                          </p:to>
-                                        </p:set>
-                                        <p:anim calcmode="lin" valueType="num">
-                                          <p:cBhvr additive="base">
-                                            <p:cTn id="36" dur="500"/>
-                                            <p:tgtEl>
-                                              <p:spTgt spid="10"/>
-                                            </p:tgtEl>
-                                            <p:attrNameLst>
-                                              <p:attrName>ppt_x</p:attrName>
-                                            </p:attrNameLst>
-                                          </p:cBhvr>
-                                          <p:tavLst>
-                                            <p:tav tm="0">
-                                              <p:val>
-                                                <p:strVal val="#ppt_x+#ppt_w*1.125000"/>
-                                              </p:val>
-                                            </p:tav>
-                                            <p:tav tm="100000">
-                                              <p:val>
-                                                <p:strVal val="#ppt_x"/>
-                                              </p:val>
-                                            </p:tav>
-                                          </p:tavLst>
-                                        </p:anim>
-                                        <p:animEffect transition="in" filter="wipe(left)">
-                                          <p:cBhvr>
-                                            <p:cTn id="37" dur="500"/>
-                                            <p:tgtEl>
-                                              <p:spTgt spid="10"/>
-                                            </p:tgtEl>
-                                          </p:cBhvr>
-                                        </p:animEffect>
-                                      </p:childTnLst>
-                                    </p:cTn>
-                                  </p:par>
-                                  <p:par>
-                                    <p:cTn id="38" presetID="2" presetClass="entr" presetSubtype="2" fill="hold" nodeType="withEffect">
-                                      <p:stCondLst>
-                                        <p:cond delay="900"/>
-                                      </p:stCondLst>
-                                      <p:childTnLst>
-                                        <p:set>
-                                          <p:cBhvr>
-                                            <p:cTn id="39" dur="1" fill="hold">
-                                              <p:stCondLst>
-                                                <p:cond delay="0"/>
-                                              </p:stCondLst>
-                                            </p:cTn>
-                                            <p:tgtEl>
-                                              <p:spTgt spid="19"/>
-                                            </p:tgtEl>
-                                            <p:attrNameLst>
-                                              <p:attrName>style.visibility</p:attrName>
-                                            </p:attrNameLst>
-                                          </p:cBhvr>
-                                          <p:to>
-                                            <p:strVal val="visible"/>
-                                          </p:to>
-                                        </p:set>
-                                        <p:anim calcmode="lin" valueType="num">
-                                          <p:cBhvr additive="base">
-                                            <p:cTn id="40" dur="500" fill="hold"/>
-                                            <p:tgtEl>
-                                              <p:spTgt spid="19"/>
-                                            </p:tgtEl>
-                                            <p:attrNameLst>
-                                              <p:attrName>ppt_x</p:attrName>
-                                            </p:attrNameLst>
-                                          </p:cBhvr>
-                                          <p:tavLst>
-                                            <p:tav tm="0">
-                                              <p:val>
-                                                <p:strVal val="1+#ppt_w/2"/>
-                                              </p:val>
-                                            </p:tav>
-                                            <p:tav tm="100000">
-                                              <p:val>
-                                                <p:strVal val="#ppt_x"/>
-                                              </p:val>
-                                            </p:tav>
-                                          </p:tavLst>
-                                        </p:anim>
-                                        <p:anim calcmode="lin" valueType="num">
-                                          <p:cBhvr additive="base">
-                                            <p:cTn id="41" dur="500" fill="hold"/>
-                                            <p:tgtEl>
-                                              <p:spTgt spid="19"/>
-                                            </p:tgtEl>
-                                            <p:attrNameLst>
-                                              <p:attrName>ppt_y</p:attrName>
-                                            </p:attrNameLst>
-                                          </p:cBhvr>
-                                          <p:tavLst>
-                                            <p:tav tm="0">
-                                              <p:val>
-                                                <p:strVal val="#ppt_y"/>
-                                              </p:val>
-                                            </p:tav>
-                                            <p:tav tm="100000">
-                                              <p:val>
-                                                <p:strVal val="#ppt_y"/>
-                                              </p:val>
-                                            </p:tav>
-                                          </p:tavLst>
-                                        </p:anim>
-                                      </p:childTnLst>
-                                    </p:cTn>
-                                  </p:par>
-                                  <p:par>
-                                    <p:cTn id="42" presetID="12" presetClass="entr" presetSubtype="8" fill="hold" grpId="0" nodeType="withEffect">
-                                      <p:stCondLst>
-                                        <p:cond delay="900"/>
-                                      </p:stCondLst>
-                                      <p:childTnLst>
-                                        <p:set>
-                                          <p:cBhvr>
-                                            <p:cTn id="43" dur="1" fill="hold">
-                                              <p:stCondLst>
-                                                <p:cond delay="0"/>
-                                              </p:stCondLst>
-                                            </p:cTn>
-                                            <p:tgtEl>
-                                              <p:spTgt spid="11"/>
-                                            </p:tgtEl>
-                                            <p:attrNameLst>
-                                              <p:attrName>style.visibility</p:attrName>
-                                            </p:attrNameLst>
-                                          </p:cBhvr>
-                                          <p:to>
-                                            <p:strVal val="visible"/>
-                                          </p:to>
-                                        </p:set>
-                                        <p:anim calcmode="lin" valueType="num">
-                                          <p:cBhvr additive="base">
-                                            <p:cTn id="44" dur="500"/>
-                                            <p:tgtEl>
-                                              <p:spTgt spid="11"/>
-                                            </p:tgtEl>
-                                            <p:attrNameLst>
-                                              <p:attrName>ppt_x</p:attrName>
-                                            </p:attrNameLst>
-                                          </p:cBhvr>
-                                          <p:tavLst>
-                                            <p:tav tm="0">
-                                              <p:val>
-                                                <p:strVal val="#ppt_x-#ppt_w*1.125000"/>
-                                              </p:val>
-                                            </p:tav>
-                                            <p:tav tm="100000">
-                                              <p:val>
-                                                <p:strVal val="#ppt_x"/>
-                                              </p:val>
-                                            </p:tav>
-                                          </p:tavLst>
-                                        </p:anim>
-                                        <p:animEffect transition="in" filter="wipe(right)">
-                                          <p:cBhvr>
-                                            <p:cTn id="45" dur="500"/>
-                                            <p:tgtEl>
-                                              <p:spTgt spid="11"/>
-                                            </p:tgtEl>
-                                          </p:cBhvr>
-                                        </p:animEffect>
-                                      </p:childTnLst>
-                                    </p:cTn>
-                                  </p:par>
-                                  <p:par>
-                                    <p:cTn id="46" presetID="12" presetClass="entr" presetSubtype="8" fill="hold" grpId="0" nodeType="withEffect">
-                                      <p:stCondLst>
-                                        <p:cond delay="1200"/>
-                                      </p:stCondLst>
-                                      <p:childTnLst>
-                                        <p:set>
-                                          <p:cBhvr>
-                                            <p:cTn id="47" dur="1" fill="hold">
-                                              <p:stCondLst>
-                                                <p:cond delay="0"/>
-                                              </p:stCondLst>
-                                            </p:cTn>
-                                            <p:tgtEl>
-                                              <p:spTgt spid="12"/>
-                                            </p:tgtEl>
-                                            <p:attrNameLst>
-                                              <p:attrName>style.visibility</p:attrName>
-                                            </p:attrNameLst>
-                                          </p:cBhvr>
-                                          <p:to>
-                                            <p:strVal val="visible"/>
-                                          </p:to>
-                                        </p:set>
-                                        <p:anim calcmode="lin" valueType="num">
-                                          <p:cBhvr additive="base">
-                                            <p:cTn id="48" dur="500"/>
-                                            <p:tgtEl>
-                                              <p:spTgt spid="12"/>
-                                            </p:tgtEl>
-                                            <p:attrNameLst>
-                                              <p:attrName>ppt_x</p:attrName>
-                                            </p:attrNameLst>
-                                          </p:cBhvr>
-                                          <p:tavLst>
-                                            <p:tav tm="0">
-                                              <p:val>
-                                                <p:strVal val="#ppt_x-#ppt_w*1.125000"/>
-                                              </p:val>
-                                            </p:tav>
-                                            <p:tav tm="100000">
-                                              <p:val>
-                                                <p:strVal val="#ppt_x"/>
-                                              </p:val>
-                                            </p:tav>
-                                          </p:tavLst>
-                                        </p:anim>
-                                        <p:animEffect transition="in" filter="wipe(right)">
-                                          <p:cBhvr>
-                                            <p:cTn id="49" dur="500"/>
-                                            <p:tgtEl>
-                                              <p:spTgt spid="12"/>
-                                            </p:tgtEl>
-                                          </p:cBhvr>
-                                        </p:animEffect>
-                                      </p:childTnLst>
-                                    </p:cTn>
-                                  </p:par>
-                                </p:childTnLst>
-                              </p:cTn>
-                            </p:par>
-                          </p:childTnLst>
-                        </p:cTn>
-                      </p:par>
-                    </p:childTnLst>
-                  </p:cTn>
-                  <p:prevCondLst>
-                    <p:cond evt="onPrev" delay="0">
-                      <p:tgtEl>
-                        <p:sldTgt/>
-                      </p:tgtEl>
-                    </p:cond>
-                  </p:prevCondLst>
-                  <p:nextCondLst>
-                    <p:cond evt="onNext" delay="0">
-                      <p:tgtEl>
-                        <p:sldTgt/>
-                      </p:tgtEl>
-                    </p:cond>
-                  </p:nextCondLst>
-                </p:seq>
-              </p:childTnLst>
-            </p:cTn>
-          </p:par>
-        </p:tnLst>
-        <p:bldLst>
-          <p:bldP spid="5" grpId="0" animBg="1"/>
-          <p:bldP spid="6" grpId="0"/>
-          <p:bldP spid="10" grpId="0"/>
-          <p:bldP spid="11" grpId="0"/>
-          <p:bldP spid="12" grpId="0"/>
-          <p:bldP spid="13" grpId="0"/>
-          <p:bldP spid="14" grpId="0" animBg="1"/>
-          <p:bldP spid="18" grpId="0" animBg="1"/>
-        </p:bldLst>
-      </p:timing>
-    </mc:Fallback>
-  </mc:AlternateContent>
-</p:sld>
-</file>
-
-<file path=ppt/slides/slide7.xml><?xml version="1.0" encoding="utf-8"?>
 <p:sld xmlns:a="http://schemas.openxmlformats.org/drawingml/2006/main" xmlns:r="http://schemas.openxmlformats.org/officeDocument/2006/relationships" xmlns:p="http://schemas.openxmlformats.org/presentationml/2006/main">
   <p:cSld>
     <p:spTree>
@@ -18888,7 +16137,7 @@
 </p:sld>
 </file>
 
-<file path=ppt/slides/slide8.xml><?xml version="1.0" encoding="utf-8"?>
+<file path=ppt/slides/slide7.xml><?xml version="1.0" encoding="utf-8"?>
 <p:sld xmlns:a="http://schemas.openxmlformats.org/drawingml/2006/main" xmlns:r="http://schemas.openxmlformats.org/officeDocument/2006/relationships" xmlns:p="http://schemas.openxmlformats.org/presentationml/2006/main">
   <p:cSld>
     <p:spTree>

--- a/学术活动管理系统.pptx
+++ b/学术活动管理系统.pptx
@@ -10,9 +10,8 @@
     <p:sldId id="266" r:id="rId4"/>
     <p:sldId id="262" r:id="rId5"/>
     <p:sldId id="274" r:id="rId6"/>
-    <p:sldId id="276" r:id="rId7"/>
-    <p:sldId id="279" r:id="rId8"/>
-    <p:sldId id="278" r:id="rId9"/>
+    <p:sldId id="279" r:id="rId7"/>
+    <p:sldId id="278" r:id="rId8"/>
   </p:sldIdLst>
   <p:sldSz cx="9144000" cy="5143500" type="screen16x9"/>
   <p:notesSz cx="6858000" cy="9144000"/>
@@ -261,7 +260,7 @@
           <a:p>
             <a:fld id="{D1F6A4ED-B612-40EC-8E90-83F3009E2301}" type="datetimeFigureOut">
               <a:rPr lang="zh-CN" altLang="en-US" smtClean="0"/>
-              <a:t>2019/4/25</a:t>
+              <a:t>2019/4/26</a:t>
             </a:fld>
             <a:endParaRPr lang="zh-CN" altLang="en-US"/>
           </a:p>
@@ -431,7 +430,7 @@
           <a:p>
             <a:fld id="{D1F6A4ED-B612-40EC-8E90-83F3009E2301}" type="datetimeFigureOut">
               <a:rPr lang="zh-CN" altLang="en-US" smtClean="0"/>
-              <a:t>2019/4/25</a:t>
+              <a:t>2019/4/26</a:t>
             </a:fld>
             <a:endParaRPr lang="zh-CN" altLang="en-US"/>
           </a:p>
@@ -611,7 +610,7 @@
           <a:p>
             <a:fld id="{D1F6A4ED-B612-40EC-8E90-83F3009E2301}" type="datetimeFigureOut">
               <a:rPr lang="zh-CN" altLang="en-US" smtClean="0"/>
-              <a:t>2019/4/25</a:t>
+              <a:t>2019/4/26</a:t>
             </a:fld>
             <a:endParaRPr lang="zh-CN" altLang="en-US"/>
           </a:p>
@@ -729,7 +728,7 @@
           <a:p>
             <a:fld id="{D1F6A4ED-B612-40EC-8E90-83F3009E2301}" type="datetimeFigureOut">
               <a:rPr lang="zh-CN" altLang="en-US" smtClean="0"/>
-              <a:t>2019/4/25</a:t>
+              <a:t>2019/4/26</a:t>
             </a:fld>
             <a:endParaRPr lang="zh-CN" altLang="en-US"/>
           </a:p>
@@ -1796,7 +1795,7 @@
           <a:p>
             <a:fld id="{D1F6A4ED-B612-40EC-8E90-83F3009E2301}" type="datetimeFigureOut">
               <a:rPr lang="zh-CN" altLang="en-US" smtClean="0"/>
-              <a:t>2019/4/25</a:t>
+              <a:t>2019/4/26</a:t>
             </a:fld>
             <a:endParaRPr lang="zh-CN" altLang="en-US"/>
           </a:p>
@@ -2042,7 +2041,7 @@
           <a:p>
             <a:fld id="{D1F6A4ED-B612-40EC-8E90-83F3009E2301}" type="datetimeFigureOut">
               <a:rPr lang="zh-CN" altLang="en-US" smtClean="0"/>
-              <a:t>2019/4/25</a:t>
+              <a:t>2019/4/26</a:t>
             </a:fld>
             <a:endParaRPr lang="zh-CN" altLang="en-US"/>
           </a:p>
@@ -2274,7 +2273,7 @@
           <a:p>
             <a:fld id="{D1F6A4ED-B612-40EC-8E90-83F3009E2301}" type="datetimeFigureOut">
               <a:rPr lang="zh-CN" altLang="en-US" smtClean="0"/>
-              <a:t>2019/4/25</a:t>
+              <a:t>2019/4/26</a:t>
             </a:fld>
             <a:endParaRPr lang="zh-CN" altLang="en-US"/>
           </a:p>
@@ -2641,7 +2640,7 @@
           <a:p>
             <a:fld id="{D1F6A4ED-B612-40EC-8E90-83F3009E2301}" type="datetimeFigureOut">
               <a:rPr lang="zh-CN" altLang="en-US" smtClean="0"/>
-              <a:t>2019/4/25</a:t>
+              <a:t>2019/4/26</a:t>
             </a:fld>
             <a:endParaRPr lang="zh-CN" altLang="en-US"/>
           </a:p>
@@ -2759,7 +2758,7 @@
           <a:p>
             <a:fld id="{D1F6A4ED-B612-40EC-8E90-83F3009E2301}" type="datetimeFigureOut">
               <a:rPr lang="zh-CN" altLang="en-US" smtClean="0"/>
-              <a:t>2019/4/25</a:t>
+              <a:t>2019/4/26</a:t>
             </a:fld>
             <a:endParaRPr lang="zh-CN" altLang="en-US"/>
           </a:p>
@@ -2854,7 +2853,7 @@
           <a:p>
             <a:fld id="{D1F6A4ED-B612-40EC-8E90-83F3009E2301}" type="datetimeFigureOut">
               <a:rPr lang="zh-CN" altLang="en-US" smtClean="0"/>
-              <a:t>2019/4/25</a:t>
+              <a:t>2019/4/26</a:t>
             </a:fld>
             <a:endParaRPr lang="zh-CN" altLang="en-US"/>
           </a:p>
@@ -3131,7 +3130,7 @@
           <a:p>
             <a:fld id="{D1F6A4ED-B612-40EC-8E90-83F3009E2301}" type="datetimeFigureOut">
               <a:rPr lang="zh-CN" altLang="en-US" smtClean="0"/>
-              <a:t>2019/4/25</a:t>
+              <a:t>2019/4/26</a:t>
             </a:fld>
             <a:endParaRPr lang="zh-CN" altLang="en-US"/>
           </a:p>
@@ -3388,7 +3387,7 @@
           <a:p>
             <a:fld id="{D1F6A4ED-B612-40EC-8E90-83F3009E2301}" type="datetimeFigureOut">
               <a:rPr lang="zh-CN" altLang="en-US" smtClean="0"/>
-              <a:t>2019/4/25</a:t>
+              <a:t>2019/4/26</a:t>
             </a:fld>
             <a:endParaRPr lang="zh-CN" altLang="en-US"/>
           </a:p>
@@ -3610,7 +3609,7 @@
           <a:p>
             <a:fld id="{D1F6A4ED-B612-40EC-8E90-83F3009E2301}" type="datetimeFigureOut">
               <a:rPr lang="zh-CN" altLang="en-US" smtClean="0"/>
-              <a:t>2019/4/25</a:t>
+              <a:t>2019/4/26</a:t>
             </a:fld>
             <a:endParaRPr lang="zh-CN" altLang="en-US"/>
           </a:p>
@@ -4397,17 +4396,7 @@
                 <a:latin typeface="微软雅黑" pitchFamily="34" charset="-122"/>
                 <a:ea typeface="微软雅黑" pitchFamily="34" charset="-122"/>
               </a:rPr>
-              <a:t>专业：</a:t>
-            </a:r>
-            <a:r>
-              <a:rPr lang="zh-CN" altLang="en-US" sz="1400" dirty="0" smtClean="0">
-                <a:solidFill>
-                  <a:schemeClr val="bg1"/>
-                </a:solidFill>
-                <a:latin typeface="微软雅黑" pitchFamily="34" charset="-122"/>
-                <a:ea typeface="微软雅黑" pitchFamily="34" charset="-122"/>
-              </a:rPr>
-              <a:t>信息管理与信息系统</a:t>
+              <a:t>专业：信息管理与信息系统</a:t>
             </a:r>
             <a:endParaRPr lang="zh-CN" altLang="en-US" sz="1400" dirty="0">
               <a:solidFill>
@@ -4450,27 +4439,7 @@
                 <a:latin typeface="微软雅黑" pitchFamily="34" charset="-122"/>
                 <a:ea typeface="微软雅黑" pitchFamily="34" charset="-122"/>
               </a:rPr>
-              <a:t>答辩</a:t>
-            </a:r>
-            <a:r>
-              <a:rPr lang="zh-CN" altLang="en-US" sz="1400" dirty="0" smtClean="0">
-                <a:solidFill>
-                  <a:schemeClr val="bg1"/>
-                </a:solidFill>
-                <a:latin typeface="微软雅黑" pitchFamily="34" charset="-122"/>
-                <a:ea typeface="微软雅黑" pitchFamily="34" charset="-122"/>
-              </a:rPr>
-              <a:t>人</a:t>
-            </a:r>
-            <a:r>
-              <a:rPr lang="zh-CN" altLang="en-US" sz="1400" dirty="0" smtClean="0">
-                <a:solidFill>
-                  <a:schemeClr val="bg1"/>
-                </a:solidFill>
-                <a:latin typeface="微软雅黑" pitchFamily="34" charset="-122"/>
-                <a:ea typeface="微软雅黑" pitchFamily="34" charset="-122"/>
-              </a:rPr>
-              <a:t>：</a:t>
+              <a:t>答辩人：</a:t>
             </a:r>
             <a:r>
               <a:rPr lang="zh-CN" altLang="en-US" sz="1400" dirty="0">
@@ -4490,27 +4459,7 @@
                 <a:latin typeface="微软雅黑" pitchFamily="34" charset="-122"/>
                 <a:ea typeface="微软雅黑" pitchFamily="34" charset="-122"/>
               </a:rPr>
-              <a:t>                      </a:t>
-            </a:r>
-            <a:r>
-              <a:rPr lang="zh-CN" altLang="en-US" sz="1400" dirty="0" smtClean="0">
-                <a:solidFill>
-                  <a:schemeClr val="bg1"/>
-                </a:solidFill>
-                <a:latin typeface="微软雅黑" pitchFamily="34" charset="-122"/>
-                <a:ea typeface="微软雅黑" pitchFamily="34" charset="-122"/>
-              </a:rPr>
-              <a:t>导师</a:t>
-            </a:r>
-            <a:r>
-              <a:rPr lang="zh-CN" altLang="en-US" sz="1400" dirty="0" smtClean="0">
-                <a:solidFill>
-                  <a:schemeClr val="bg1"/>
-                </a:solidFill>
-                <a:latin typeface="微软雅黑" pitchFamily="34" charset="-122"/>
-                <a:ea typeface="微软雅黑" pitchFamily="34" charset="-122"/>
-              </a:rPr>
-              <a:t>：杨振刚 副教授</a:t>
+              <a:t>                      导师：杨振刚 副教授</a:t>
             </a:r>
             <a:endParaRPr lang="zh-CN" altLang="en-US" sz="1400" dirty="0">
               <a:solidFill>
@@ -6313,8 +6262,8 @@
       </p:transition>
     </mc:Fallback>
   </mc:AlternateContent>
-  <mc:AlternateContent xmlns:mc="http://schemas.openxmlformats.org/markup-compatibility/2006">
-    <mc:Choice xmlns:p14="http://schemas.microsoft.com/office/powerpoint/2010/main" Requires="p14">
+  <mc:AlternateContent xmlns:mc="http://schemas.openxmlformats.org/markup-compatibility/2006" xmlns:p14="http://schemas.microsoft.com/office/powerpoint/2010/main">
+    <mc:Choice Requires="p14">
       <p:timing>
         <p:tnLst>
           <p:par>
@@ -7094,7 +7043,7 @@
         </p:bldLst>
       </p:timing>
     </mc:Choice>
-    <mc:Fallback>
+    <mc:Fallback xmlns="">
       <p:timing>
         <p:tnLst>
           <p:par>
@@ -9001,8 +8950,8 @@
       </p:transition>
     </mc:Fallback>
   </mc:AlternateContent>
-  <mc:AlternateContent xmlns:mc="http://schemas.openxmlformats.org/markup-compatibility/2006">
-    <mc:Choice xmlns:p14="http://schemas.microsoft.com/office/powerpoint/2010/main" Requires="p14">
+  <mc:AlternateContent xmlns:mc="http://schemas.openxmlformats.org/markup-compatibility/2006" xmlns:p14="http://schemas.microsoft.com/office/powerpoint/2010/main">
+    <mc:Choice Requires="p14">
       <p:timing>
         <p:tnLst>
           <p:par>
@@ -9814,7 +9763,7 @@
         </p:bldLst>
       </p:timing>
     </mc:Choice>
-    <mc:Fallback>
+    <mc:Fallback xmlns="">
       <p:timing>
         <p:tnLst>
           <p:par>
@@ -15186,7 +15135,7 @@
           <a:graphicData uri="http://schemas.openxmlformats.org/presentationml/2006/ole">
             <mc:AlternateContent xmlns:mc="http://schemas.openxmlformats.org/markup-compatibility/2006">
               <mc:Choice xmlns:v="urn:schemas-microsoft-com:vml" Requires="v">
-                <p:oleObj spid="_x0000_s1060" name="Visio" r:id="rId4" imgW="4200624" imgH="2105149" progId="Visio.Drawing.15">
+                <p:oleObj spid="_x0000_s1062" name="Visio" r:id="rId4" imgW="4200624" imgH="2105149" progId="Visio.Drawing.15">
                   <p:embed/>
                 </p:oleObj>
               </mc:Choice>
@@ -15247,7 +15196,7 @@
           <a:graphicData uri="http://schemas.openxmlformats.org/presentationml/2006/ole">
             <mc:AlternateContent xmlns:mc="http://schemas.openxmlformats.org/markup-compatibility/2006">
               <mc:Choice xmlns:v="urn:schemas-microsoft-com:vml" Requires="v">
-                <p:oleObj spid="_x0000_s1061" name="Visio" r:id="rId6" imgW="2581381" imgH="2105149" progId="Visio.Drawing.15">
+                <p:oleObj spid="_x0000_s1063" name="Visio" r:id="rId6" imgW="2581381" imgH="2105149" progId="Visio.Drawing.15">
                   <p:embed/>
                 </p:oleObj>
               </mc:Choice>
@@ -15545,2706 +15494,6 @@
 </file>
 
 <file path=ppt/slides/slide6.xml><?xml version="1.0" encoding="utf-8"?>
-<p:sld xmlns:a="http://schemas.openxmlformats.org/drawingml/2006/main" xmlns:r="http://schemas.openxmlformats.org/officeDocument/2006/relationships" xmlns:p="http://schemas.openxmlformats.org/presentationml/2006/main">
-  <p:cSld>
-    <p:spTree>
-      <p:nvGrpSpPr>
-        <p:cNvPr id="1" name=""/>
-        <p:cNvGrpSpPr/>
-        <p:nvPr/>
-      </p:nvGrpSpPr>
-      <p:grpSpPr>
-        <a:xfrm>
-          <a:off x="0" y="0"/>
-          <a:ext cx="0" cy="0"/>
-          <a:chOff x="0" y="0"/>
-          <a:chExt cx="0" cy="0"/>
-        </a:xfrm>
-      </p:grpSpPr>
-      <p:cxnSp>
-        <p:nvCxnSpPr>
-          <p:cNvPr id="4" name="直接连接符 3"/>
-          <p:cNvCxnSpPr/>
-          <p:nvPr/>
-        </p:nvCxnSpPr>
-        <p:spPr>
-          <a:xfrm>
-            <a:off x="515257" y="624114"/>
-            <a:ext cx="8113486" cy="0"/>
-          </a:xfrm>
-          <a:prstGeom prst="line">
-            <a:avLst/>
-          </a:prstGeom>
-          <a:ln w="12700">
-            <a:solidFill>
-              <a:schemeClr val="tx1"/>
-            </a:solidFill>
-            <a:prstDash val="dash"/>
-          </a:ln>
-        </p:spPr>
-        <p:style>
-          <a:lnRef idx="1">
-            <a:schemeClr val="accent1"/>
-          </a:lnRef>
-          <a:fillRef idx="0">
-            <a:schemeClr val="accent1"/>
-          </a:fillRef>
-          <a:effectRef idx="0">
-            <a:schemeClr val="accent1"/>
-          </a:effectRef>
-          <a:fontRef idx="minor">
-            <a:schemeClr val="tx1"/>
-          </a:fontRef>
-        </p:style>
-      </p:cxnSp>
-      <p:sp>
-        <p:nvSpPr>
-          <p:cNvPr id="5" name="椭圆 4"/>
-          <p:cNvSpPr/>
-          <p:nvPr/>
-        </p:nvSpPr>
-        <p:spPr>
-          <a:xfrm>
-            <a:off x="646880" y="242192"/>
-            <a:ext cx="274777" cy="274777"/>
-          </a:xfrm>
-          <a:prstGeom prst="ellipse">
-            <a:avLst/>
-          </a:prstGeom>
-          <a:solidFill>
-            <a:srgbClr val="1A3F6C"/>
-          </a:solidFill>
-          <a:ln>
-            <a:noFill/>
-          </a:ln>
-          <a:effectLst>
-            <a:outerShdw blurRad="254000" dist="127000" dir="8100000" algn="tr" rotWithShape="0">
-              <a:prstClr val="black">
-                <a:alpha val="60000"/>
-              </a:prstClr>
-            </a:outerShdw>
-          </a:effectLst>
-        </p:spPr>
-        <p:style>
-          <a:lnRef idx="2">
-            <a:schemeClr val="accent1">
-              <a:shade val="50000"/>
-            </a:schemeClr>
-          </a:lnRef>
-          <a:fillRef idx="1">
-            <a:schemeClr val="accent1"/>
-          </a:fillRef>
-          <a:effectRef idx="0">
-            <a:schemeClr val="accent1"/>
-          </a:effectRef>
-          <a:fontRef idx="minor">
-            <a:schemeClr val="lt1"/>
-          </a:fontRef>
-        </p:style>
-        <p:txBody>
-          <a:bodyPr rtlCol="0" anchor="ctr"/>
-          <a:lstStyle/>
-          <a:p>
-            <a:pPr algn="ctr"/>
-            <a:endParaRPr lang="zh-CN" altLang="en-US"/>
-          </a:p>
-        </p:txBody>
-      </p:sp>
-      <p:sp>
-        <p:nvSpPr>
-          <p:cNvPr id="6" name="TextBox 34"/>
-          <p:cNvSpPr txBox="1"/>
-          <p:nvPr/>
-        </p:nvSpPr>
-        <p:spPr>
-          <a:xfrm>
-            <a:off x="908957" y="206330"/>
-            <a:ext cx="1659429" cy="400110"/>
-          </a:xfrm>
-          <a:prstGeom prst="rect">
-            <a:avLst/>
-          </a:prstGeom>
-          <a:noFill/>
-        </p:spPr>
-        <p:txBody>
-          <a:bodyPr wrap="none" rtlCol="0">
-            <a:spAutoFit/>
-          </a:bodyPr>
-          <a:lstStyle/>
-          <a:p>
-            <a:r>
-              <a:rPr lang="zh-CN" altLang="en-US" sz="2000" spc="300" dirty="0" smtClean="0">
-                <a:latin typeface="方正兰亭细黑_GBK" pitchFamily="2" charset="-122"/>
-                <a:ea typeface="方正兰亭细黑_GBK" pitchFamily="2" charset="-122"/>
-              </a:rPr>
-              <a:t>设计与实现</a:t>
-            </a:r>
-            <a:endParaRPr lang="zh-CN" altLang="en-US" sz="2000" spc="300" dirty="0">
-              <a:latin typeface="方正兰亭细黑_GBK" pitchFamily="2" charset="-122"/>
-              <a:ea typeface="方正兰亭细黑_GBK" pitchFamily="2" charset="-122"/>
-            </a:endParaRPr>
-          </a:p>
-        </p:txBody>
-      </p:sp>
-      <p:sp>
-        <p:nvSpPr>
-          <p:cNvPr id="10" name="TextBox 44"/>
-          <p:cNvSpPr txBox="1"/>
-          <p:nvPr/>
-        </p:nvSpPr>
-        <p:spPr>
-          <a:xfrm>
-            <a:off x="1646364" y="3964718"/>
-            <a:ext cx="1620957" cy="584775"/>
-          </a:xfrm>
-          <a:prstGeom prst="rect">
-            <a:avLst/>
-          </a:prstGeom>
-          <a:noFill/>
-          <a:ln>
-            <a:noFill/>
-          </a:ln>
-        </p:spPr>
-        <p:txBody>
-          <a:bodyPr wrap="none" rtlCol="0">
-            <a:spAutoFit/>
-          </a:bodyPr>
-          <a:lstStyle/>
-          <a:p>
-            <a:r>
-              <a:rPr lang="zh-CN" altLang="en-US" sz="1600" dirty="0" smtClean="0">
-                <a:solidFill>
-                  <a:schemeClr val="tx1">
-                    <a:lumMod val="75000"/>
-                    <a:lumOff val="25000"/>
-                  </a:schemeClr>
-                </a:solidFill>
-                <a:latin typeface="方正兰亭细黑_GBK" pitchFamily="2" charset="-122"/>
-                <a:ea typeface="方正兰亭细黑_GBK" pitchFamily="2" charset="-122"/>
-              </a:rPr>
-              <a:t>实验难点</a:t>
-            </a:r>
-            <a:r>
-              <a:rPr lang="zh-CN" altLang="en-US" sz="1600" dirty="0" smtClean="0">
-                <a:solidFill>
-                  <a:schemeClr val="tx1">
-                    <a:lumMod val="75000"/>
-                    <a:lumOff val="25000"/>
-                  </a:schemeClr>
-                </a:solidFill>
-                <a:latin typeface="方正兰亭细黑_GBK" pitchFamily="2" charset="-122"/>
-                <a:ea typeface="方正兰亭细黑_GBK" pitchFamily="2" charset="-122"/>
-              </a:rPr>
-              <a:t>二</a:t>
-            </a:r>
-            <a:endParaRPr lang="en-US" altLang="zh-CN" sz="1600" dirty="0" smtClean="0">
-              <a:solidFill>
-                <a:schemeClr val="tx1">
-                  <a:lumMod val="75000"/>
-                  <a:lumOff val="25000"/>
-                </a:schemeClr>
-              </a:solidFill>
-              <a:latin typeface="方正兰亭细黑_GBK" pitchFamily="2" charset="-122"/>
-              <a:ea typeface="方正兰亭细黑_GBK" pitchFamily="2" charset="-122"/>
-            </a:endParaRPr>
-          </a:p>
-          <a:p>
-            <a:r>
-              <a:rPr lang="zh-CN" altLang="en-US" sz="1600" dirty="0" smtClean="0">
-                <a:solidFill>
-                  <a:schemeClr val="tx1">
-                    <a:lumMod val="75000"/>
-                    <a:lumOff val="25000"/>
-                  </a:schemeClr>
-                </a:solidFill>
-                <a:latin typeface="方正兰亭细黑_GBK" pitchFamily="2" charset="-122"/>
-                <a:ea typeface="方正兰亭细黑_GBK" pitchFamily="2" charset="-122"/>
-              </a:rPr>
-              <a:t>前端系统不熟悉</a:t>
-            </a:r>
-            <a:endParaRPr lang="zh-CN" altLang="en-US" sz="1600" dirty="0">
-              <a:solidFill>
-                <a:schemeClr val="tx1">
-                  <a:lumMod val="75000"/>
-                  <a:lumOff val="25000"/>
-                </a:schemeClr>
-              </a:solidFill>
-              <a:latin typeface="方正兰亭细黑_GBK" pitchFamily="2" charset="-122"/>
-              <a:ea typeface="方正兰亭细黑_GBK" pitchFamily="2" charset="-122"/>
-            </a:endParaRPr>
-          </a:p>
-        </p:txBody>
-      </p:sp>
-      <p:sp>
-        <p:nvSpPr>
-          <p:cNvPr id="11" name="TextBox 45"/>
-          <p:cNvSpPr txBox="1"/>
-          <p:nvPr/>
-        </p:nvSpPr>
-        <p:spPr>
-          <a:xfrm>
-            <a:off x="6014622" y="3956364"/>
-            <a:ext cx="1620957" cy="584775"/>
-          </a:xfrm>
-          <a:prstGeom prst="rect">
-            <a:avLst/>
-          </a:prstGeom>
-          <a:noFill/>
-          <a:ln>
-            <a:noFill/>
-          </a:ln>
-        </p:spPr>
-        <p:txBody>
-          <a:bodyPr wrap="none" rtlCol="0">
-            <a:spAutoFit/>
-          </a:bodyPr>
-          <a:lstStyle/>
-          <a:p>
-            <a:r>
-              <a:rPr lang="zh-CN" altLang="en-US" sz="1600" dirty="0" smtClean="0">
-                <a:solidFill>
-                  <a:schemeClr val="tx1">
-                    <a:lumMod val="75000"/>
-                    <a:lumOff val="25000"/>
-                  </a:schemeClr>
-                </a:solidFill>
-                <a:latin typeface="方正兰亭细黑_GBK" pitchFamily="2" charset="-122"/>
-                <a:ea typeface="方正兰亭细黑_GBK" pitchFamily="2" charset="-122"/>
-              </a:rPr>
-              <a:t>实验难点</a:t>
-            </a:r>
-            <a:r>
-              <a:rPr lang="zh-CN" altLang="en-US" sz="1600" dirty="0" smtClean="0">
-                <a:solidFill>
-                  <a:schemeClr val="tx1">
-                    <a:lumMod val="75000"/>
-                    <a:lumOff val="25000"/>
-                  </a:schemeClr>
-                </a:solidFill>
-                <a:latin typeface="方正兰亭细黑_GBK" pitchFamily="2" charset="-122"/>
-                <a:ea typeface="方正兰亭细黑_GBK" pitchFamily="2" charset="-122"/>
-              </a:rPr>
-              <a:t>三</a:t>
-            </a:r>
-            <a:endParaRPr lang="en-US" altLang="zh-CN" sz="1600" dirty="0" smtClean="0">
-              <a:solidFill>
-                <a:schemeClr val="tx1">
-                  <a:lumMod val="75000"/>
-                  <a:lumOff val="25000"/>
-                </a:schemeClr>
-              </a:solidFill>
-              <a:latin typeface="方正兰亭细黑_GBK" pitchFamily="2" charset="-122"/>
-              <a:ea typeface="方正兰亭细黑_GBK" pitchFamily="2" charset="-122"/>
-            </a:endParaRPr>
-          </a:p>
-          <a:p>
-            <a:r>
-              <a:rPr lang="zh-CN" altLang="en-US" sz="1600" dirty="0">
-                <a:solidFill>
-                  <a:schemeClr val="tx1">
-                    <a:lumMod val="75000"/>
-                    <a:lumOff val="25000"/>
-                  </a:schemeClr>
-                </a:solidFill>
-                <a:latin typeface="方正兰亭细黑_GBK" pitchFamily="2" charset="-122"/>
-                <a:ea typeface="方正兰亭细黑_GBK" pitchFamily="2" charset="-122"/>
-              </a:rPr>
-              <a:t>前</a:t>
-            </a:r>
-            <a:r>
-              <a:rPr lang="zh-CN" altLang="en-US" sz="1600" dirty="0" smtClean="0">
-                <a:solidFill>
-                  <a:schemeClr val="tx1">
-                    <a:lumMod val="75000"/>
-                    <a:lumOff val="25000"/>
-                  </a:schemeClr>
-                </a:solidFill>
-                <a:latin typeface="方正兰亭细黑_GBK" pitchFamily="2" charset="-122"/>
-                <a:ea typeface="方正兰亭细黑_GBK" pitchFamily="2" charset="-122"/>
-              </a:rPr>
-              <a:t>后台交互跨域</a:t>
-            </a:r>
-            <a:endParaRPr lang="zh-CN" altLang="en-US" sz="1600" dirty="0">
-              <a:solidFill>
-                <a:schemeClr val="tx1">
-                  <a:lumMod val="75000"/>
-                  <a:lumOff val="25000"/>
-                </a:schemeClr>
-              </a:solidFill>
-              <a:latin typeface="方正兰亭细黑_GBK" pitchFamily="2" charset="-122"/>
-              <a:ea typeface="方正兰亭细黑_GBK" pitchFamily="2" charset="-122"/>
-            </a:endParaRPr>
-          </a:p>
-        </p:txBody>
-      </p:sp>
-      <p:sp>
-        <p:nvSpPr>
-          <p:cNvPr id="12" name="TextBox 46"/>
-          <p:cNvSpPr txBox="1"/>
-          <p:nvPr/>
-        </p:nvSpPr>
-        <p:spPr>
-          <a:xfrm>
-            <a:off x="6014622" y="2607028"/>
-            <a:ext cx="1826141" cy="584775"/>
-          </a:xfrm>
-          <a:prstGeom prst="rect">
-            <a:avLst/>
-          </a:prstGeom>
-          <a:noFill/>
-          <a:ln>
-            <a:noFill/>
-          </a:ln>
-        </p:spPr>
-        <p:txBody>
-          <a:bodyPr wrap="none" rtlCol="0">
-            <a:spAutoFit/>
-          </a:bodyPr>
-          <a:lstStyle/>
-          <a:p>
-            <a:r>
-              <a:rPr lang="zh-CN" altLang="en-US" sz="1600" dirty="0" smtClean="0">
-                <a:solidFill>
-                  <a:schemeClr val="tx1">
-                    <a:lumMod val="75000"/>
-                    <a:lumOff val="25000"/>
-                  </a:schemeClr>
-                </a:solidFill>
-                <a:latin typeface="方正兰亭细黑_GBK" pitchFamily="2" charset="-122"/>
-                <a:ea typeface="方正兰亭细黑_GBK" pitchFamily="2" charset="-122"/>
-              </a:rPr>
-              <a:t>实验难点</a:t>
-            </a:r>
-            <a:r>
-              <a:rPr lang="zh-CN" altLang="en-US" sz="1600" dirty="0" smtClean="0">
-                <a:solidFill>
-                  <a:schemeClr val="tx1">
-                    <a:lumMod val="75000"/>
-                    <a:lumOff val="25000"/>
-                  </a:schemeClr>
-                </a:solidFill>
-                <a:latin typeface="方正兰亭细黑_GBK" pitchFamily="2" charset="-122"/>
-                <a:ea typeface="方正兰亭细黑_GBK" pitchFamily="2" charset="-122"/>
-              </a:rPr>
-              <a:t>四</a:t>
-            </a:r>
-            <a:endParaRPr lang="en-US" altLang="zh-CN" sz="1600" dirty="0" smtClean="0">
-              <a:solidFill>
-                <a:schemeClr val="tx1">
-                  <a:lumMod val="75000"/>
-                  <a:lumOff val="25000"/>
-                </a:schemeClr>
-              </a:solidFill>
-              <a:latin typeface="方正兰亭细黑_GBK" pitchFamily="2" charset="-122"/>
-              <a:ea typeface="方正兰亭细黑_GBK" pitchFamily="2" charset="-122"/>
-            </a:endParaRPr>
-          </a:p>
-          <a:p>
-            <a:r>
-              <a:rPr lang="zh-CN" altLang="en-US" sz="1600" dirty="0" smtClean="0">
-                <a:solidFill>
-                  <a:schemeClr val="tx1">
-                    <a:lumMod val="75000"/>
-                    <a:lumOff val="25000"/>
-                  </a:schemeClr>
-                </a:solidFill>
-                <a:latin typeface="方正兰亭细黑_GBK" pitchFamily="2" charset="-122"/>
-                <a:ea typeface="方正兰亭细黑_GBK" pitchFamily="2" charset="-122"/>
-              </a:rPr>
-              <a:t>基于角色权限控制</a:t>
-            </a:r>
-            <a:endParaRPr lang="zh-CN" altLang="en-US" sz="1600" dirty="0">
-              <a:solidFill>
-                <a:schemeClr val="tx1">
-                  <a:lumMod val="75000"/>
-                  <a:lumOff val="25000"/>
-                </a:schemeClr>
-              </a:solidFill>
-              <a:latin typeface="方正兰亭细黑_GBK" pitchFamily="2" charset="-122"/>
-              <a:ea typeface="方正兰亭细黑_GBK" pitchFamily="2" charset="-122"/>
-            </a:endParaRPr>
-          </a:p>
-        </p:txBody>
-      </p:sp>
-      <p:sp>
-        <p:nvSpPr>
-          <p:cNvPr id="13" name="TextBox 52"/>
-          <p:cNvSpPr txBox="1"/>
-          <p:nvPr/>
-        </p:nvSpPr>
-        <p:spPr>
-          <a:xfrm>
-            <a:off x="1659209" y="2602898"/>
-            <a:ext cx="1210588" cy="584775"/>
-          </a:xfrm>
-          <a:prstGeom prst="rect">
-            <a:avLst/>
-          </a:prstGeom>
-          <a:noFill/>
-          <a:ln>
-            <a:noFill/>
-          </a:ln>
-        </p:spPr>
-        <p:txBody>
-          <a:bodyPr wrap="none" rtlCol="0">
-            <a:spAutoFit/>
-          </a:bodyPr>
-          <a:lstStyle/>
-          <a:p>
-            <a:r>
-              <a:rPr lang="zh-CN" altLang="en-US" sz="1600" dirty="0" smtClean="0">
-                <a:solidFill>
-                  <a:schemeClr val="tx1">
-                    <a:lumMod val="75000"/>
-                    <a:lumOff val="25000"/>
-                  </a:schemeClr>
-                </a:solidFill>
-                <a:latin typeface="方正兰亭细黑_GBK" pitchFamily="2" charset="-122"/>
-                <a:ea typeface="方正兰亭细黑_GBK" pitchFamily="2" charset="-122"/>
-              </a:rPr>
-              <a:t>实验</a:t>
-            </a:r>
-            <a:r>
-              <a:rPr lang="zh-CN" altLang="en-US" sz="1600" dirty="0" smtClean="0">
-                <a:solidFill>
-                  <a:schemeClr val="tx1">
-                    <a:lumMod val="75000"/>
-                    <a:lumOff val="25000"/>
-                  </a:schemeClr>
-                </a:solidFill>
-                <a:latin typeface="方正兰亭细黑_GBK" pitchFamily="2" charset="-122"/>
-                <a:ea typeface="方正兰亭细黑_GBK" pitchFamily="2" charset="-122"/>
-              </a:rPr>
-              <a:t>难点一</a:t>
-            </a:r>
-            <a:endParaRPr lang="en-US" altLang="zh-CN" sz="1600" dirty="0" smtClean="0">
-              <a:solidFill>
-                <a:schemeClr val="tx1">
-                  <a:lumMod val="75000"/>
-                  <a:lumOff val="25000"/>
-                </a:schemeClr>
-              </a:solidFill>
-              <a:latin typeface="方正兰亭细黑_GBK" pitchFamily="2" charset="-122"/>
-              <a:ea typeface="方正兰亭细黑_GBK" pitchFamily="2" charset="-122"/>
-            </a:endParaRPr>
-          </a:p>
-          <a:p>
-            <a:r>
-              <a:rPr lang="zh-CN" altLang="en-US" sz="1600" dirty="0" smtClean="0">
-                <a:solidFill>
-                  <a:schemeClr val="tx1">
-                    <a:lumMod val="75000"/>
-                    <a:lumOff val="25000"/>
-                  </a:schemeClr>
-                </a:solidFill>
-                <a:latin typeface="方正兰亭细黑_GBK" pitchFamily="2" charset="-122"/>
-                <a:ea typeface="方正兰亭细黑_GBK" pitchFamily="2" charset="-122"/>
-              </a:rPr>
-              <a:t>代码规范</a:t>
-            </a:r>
-            <a:endParaRPr lang="zh-CN" altLang="en-US" sz="1600" dirty="0">
-              <a:solidFill>
-                <a:schemeClr val="tx1">
-                  <a:lumMod val="75000"/>
-                  <a:lumOff val="25000"/>
-                </a:schemeClr>
-              </a:solidFill>
-              <a:latin typeface="方正兰亭细黑_GBK" pitchFamily="2" charset="-122"/>
-              <a:ea typeface="方正兰亭细黑_GBK" pitchFamily="2" charset="-122"/>
-            </a:endParaRPr>
-          </a:p>
-        </p:txBody>
-      </p:sp>
-      <p:sp>
-        <p:nvSpPr>
-          <p:cNvPr id="14" name="椭圆 34"/>
-          <p:cNvSpPr/>
-          <p:nvPr/>
-        </p:nvSpPr>
-        <p:spPr>
-          <a:xfrm rot="10800000">
-            <a:off x="3288725" y="2114564"/>
-            <a:ext cx="1077642" cy="1385911"/>
-          </a:xfrm>
-          <a:custGeom>
-            <a:avLst/>
-            <a:gdLst/>
-            <a:ahLst/>
-            <a:cxnLst/>
-            <a:rect l="l" t="t" r="r" b="b"/>
-            <a:pathLst>
-              <a:path w="1118836" h="1438889">
-                <a:moveTo>
-                  <a:pt x="548270" y="0"/>
-                </a:moveTo>
-                <a:lnTo>
-                  <a:pt x="721662" y="346785"/>
-                </a:lnTo>
-                <a:cubicBezTo>
-                  <a:pt x="951885" y="413972"/>
-                  <a:pt x="1118836" y="627225"/>
-                  <a:pt x="1118836" y="879471"/>
-                </a:cubicBezTo>
-                <a:cubicBezTo>
-                  <a:pt x="1118836" y="1188429"/>
-                  <a:pt x="868376" y="1438889"/>
-                  <a:pt x="559418" y="1438889"/>
-                </a:cubicBezTo>
-                <a:cubicBezTo>
-                  <a:pt x="250460" y="1438889"/>
-                  <a:pt x="0" y="1188429"/>
-                  <a:pt x="0" y="879471"/>
-                </a:cubicBezTo>
-                <a:cubicBezTo>
-                  <a:pt x="0" y="636984"/>
-                  <a:pt x="154283" y="430531"/>
-                  <a:pt x="370781" y="354978"/>
-                </a:cubicBezTo>
-                <a:close/>
-              </a:path>
-            </a:pathLst>
-          </a:custGeom>
-          <a:solidFill>
-            <a:srgbClr val="1A3F6C"/>
-          </a:solidFill>
-          <a:ln>
-            <a:noFill/>
-          </a:ln>
-          <a:effectLst>
-            <a:outerShdw blurRad="444500" dist="254000" dir="8100000" algn="tr" rotWithShape="0">
-              <a:prstClr val="black">
-                <a:alpha val="50000"/>
-              </a:prstClr>
-            </a:outerShdw>
-          </a:effectLst>
-        </p:spPr>
-        <p:style>
-          <a:lnRef idx="2">
-            <a:schemeClr val="accent1">
-              <a:shade val="50000"/>
-            </a:schemeClr>
-          </a:lnRef>
-          <a:fillRef idx="1">
-            <a:schemeClr val="accent1"/>
-          </a:fillRef>
-          <a:effectRef idx="0">
-            <a:schemeClr val="accent1"/>
-          </a:effectRef>
-          <a:fontRef idx="minor">
-            <a:schemeClr val="lt1"/>
-          </a:fontRef>
-        </p:style>
-        <p:txBody>
-          <a:bodyPr rtlCol="0" anchor="ctr"/>
-          <a:lstStyle/>
-          <a:p>
-            <a:pPr algn="ctr"/>
-            <a:endParaRPr lang="zh-CN" altLang="en-US" dirty="0"/>
-          </a:p>
-        </p:txBody>
-      </p:sp>
-      <p:grpSp>
-        <p:nvGrpSpPr>
-          <p:cNvPr id="15" name="组合 14"/>
-          <p:cNvGrpSpPr/>
-          <p:nvPr/>
-        </p:nvGrpSpPr>
-        <p:grpSpPr>
-          <a:xfrm rot="5400000">
-            <a:off x="3492928" y="3341632"/>
-            <a:ext cx="1061672" cy="1379360"/>
-            <a:chOff x="4020870" y="2194485"/>
-            <a:chExt cx="1102258" cy="1432090"/>
-          </a:xfrm>
-          <a:effectLst>
-            <a:outerShdw blurRad="444500" dist="254000" dir="8100000" algn="tr" rotWithShape="0">
-              <a:prstClr val="black">
-                <a:alpha val="50000"/>
-              </a:prstClr>
-            </a:outerShdw>
-          </a:effectLst>
-        </p:grpSpPr>
-        <p:sp>
-          <p:nvSpPr>
-            <p:cNvPr id="16" name="等腰三角形 43"/>
-            <p:cNvSpPr/>
-            <p:nvPr/>
-          </p:nvSpPr>
-          <p:spPr>
-            <a:xfrm>
-              <a:off x="4020870" y="2194485"/>
-              <a:ext cx="1102258" cy="1432090"/>
-            </a:xfrm>
-            <a:custGeom>
-              <a:avLst/>
-              <a:gdLst/>
-              <a:ahLst/>
-              <a:cxnLst/>
-              <a:rect l="l" t="t" r="r" b="b"/>
-              <a:pathLst>
-                <a:path w="1102258" h="1432090">
-                  <a:moveTo>
-                    <a:pt x="761620" y="431870"/>
-                  </a:moveTo>
-                  <a:lnTo>
-                    <a:pt x="856659" y="621949"/>
-                  </a:lnTo>
-                  <a:lnTo>
-                    <a:pt x="234710" y="621949"/>
-                  </a:lnTo>
-                  <a:lnTo>
-                    <a:pt x="325695" y="439980"/>
-                  </a:lnTo>
-                  <a:cubicBezTo>
-                    <a:pt x="163858" y="520416"/>
-                    <a:pt x="53779" y="687834"/>
-                    <a:pt x="53779" y="880961"/>
-                  </a:cubicBezTo>
-                  <a:cubicBezTo>
-                    <a:pt x="53779" y="1155639"/>
-                    <a:pt x="276450" y="1378310"/>
-                    <a:pt x="551128" y="1378310"/>
-                  </a:cubicBezTo>
-                  <a:cubicBezTo>
-                    <a:pt x="825806" y="1378310"/>
-                    <a:pt x="1048477" y="1155639"/>
-                    <a:pt x="1048477" y="880961"/>
-                  </a:cubicBezTo>
-                  <a:cubicBezTo>
-                    <a:pt x="1048477" y="681767"/>
-                    <a:pt x="931374" y="509923"/>
-                    <a:pt x="761620" y="431870"/>
-                  </a:cubicBezTo>
-                  <a:close/>
-                  <a:moveTo>
-                    <a:pt x="545685" y="0"/>
-                  </a:moveTo>
-                  <a:lnTo>
-                    <a:pt x="726120" y="360871"/>
-                  </a:lnTo>
-                  <a:cubicBezTo>
-                    <a:pt x="945108" y="431845"/>
-                    <a:pt x="1102258" y="638051"/>
-                    <a:pt x="1102258" y="880961"/>
-                  </a:cubicBezTo>
-                  <a:cubicBezTo>
-                    <a:pt x="1102258" y="1185341"/>
-                    <a:pt x="855509" y="1432090"/>
-                    <a:pt x="551129" y="1432090"/>
-                  </a:cubicBezTo>
-                  <a:cubicBezTo>
-                    <a:pt x="246749" y="1432090"/>
-                    <a:pt x="0" y="1185341"/>
-                    <a:pt x="0" y="880961"/>
-                  </a:cubicBezTo>
-                  <a:cubicBezTo>
-                    <a:pt x="0" y="642821"/>
-                    <a:pt x="151038" y="439958"/>
-                    <a:pt x="363249" y="364872"/>
-                  </a:cubicBezTo>
-                  <a:close/>
-                </a:path>
-              </a:pathLst>
-            </a:custGeom>
-            <a:gradFill>
-              <a:gsLst>
-                <a:gs pos="0">
-                  <a:schemeClr val="bg1"/>
-                </a:gs>
-                <a:gs pos="55000">
-                  <a:schemeClr val="bg1">
-                    <a:lumMod val="95000"/>
-                  </a:schemeClr>
-                </a:gs>
-                <a:gs pos="100000">
-                  <a:schemeClr val="bg1">
-                    <a:lumMod val="65000"/>
-                  </a:schemeClr>
-                </a:gs>
-              </a:gsLst>
-              <a:lin ang="2700000" scaled="0"/>
-            </a:gradFill>
-            <a:ln>
-              <a:noFill/>
-            </a:ln>
-          </p:spPr>
-          <p:style>
-            <a:lnRef idx="2">
-              <a:schemeClr val="accent1">
-                <a:shade val="50000"/>
-              </a:schemeClr>
-            </a:lnRef>
-            <a:fillRef idx="1">
-              <a:schemeClr val="accent1"/>
-            </a:fillRef>
-            <a:effectRef idx="0">
-              <a:schemeClr val="accent1"/>
-            </a:effectRef>
-            <a:fontRef idx="minor">
-              <a:schemeClr val="lt1"/>
-            </a:fontRef>
-          </p:style>
-          <p:txBody>
-            <a:bodyPr rtlCol="0" anchor="ctr"/>
-            <a:lstStyle/>
-            <a:p>
-              <a:pPr algn="ctr"/>
-              <a:endParaRPr lang="zh-CN" altLang="en-US">
-                <a:solidFill>
-                  <a:schemeClr val="tx1"/>
-                </a:solidFill>
-              </a:endParaRPr>
-            </a:p>
-          </p:txBody>
-        </p:sp>
-        <p:sp>
-          <p:nvSpPr>
-            <p:cNvPr id="17" name="等腰三角形 42"/>
-            <p:cNvSpPr/>
-            <p:nvPr/>
-          </p:nvSpPr>
-          <p:spPr>
-            <a:xfrm>
-              <a:off x="4044928" y="2251925"/>
-              <a:ext cx="1054142" cy="1350592"/>
-            </a:xfrm>
-            <a:custGeom>
-              <a:avLst/>
-              <a:gdLst/>
-              <a:ahLst/>
-              <a:cxnLst/>
-              <a:rect l="l" t="t" r="r" b="b"/>
-              <a:pathLst>
-                <a:path w="1054142" h="1350592">
-                  <a:moveTo>
-                    <a:pt x="521627" y="0"/>
-                  </a:moveTo>
-                  <a:lnTo>
-                    <a:pt x="682907" y="322559"/>
-                  </a:lnTo>
-                  <a:cubicBezTo>
-                    <a:pt x="898294" y="386795"/>
-                    <a:pt x="1054142" y="586958"/>
-                    <a:pt x="1054142" y="823521"/>
-                  </a:cubicBezTo>
-                  <a:cubicBezTo>
-                    <a:pt x="1054142" y="1114614"/>
-                    <a:pt x="818164" y="1350592"/>
-                    <a:pt x="527071" y="1350592"/>
-                  </a:cubicBezTo>
-                  <a:cubicBezTo>
-                    <a:pt x="235978" y="1350592"/>
-                    <a:pt x="0" y="1114614"/>
-                    <a:pt x="0" y="823521"/>
-                  </a:cubicBezTo>
-                  <a:cubicBezTo>
-                    <a:pt x="0" y="591722"/>
-                    <a:pt x="149634" y="394871"/>
-                    <a:pt x="358347" y="326560"/>
-                  </a:cubicBezTo>
-                  <a:close/>
-                </a:path>
-              </a:pathLst>
-            </a:custGeom>
-            <a:gradFill>
-              <a:gsLst>
-                <a:gs pos="0">
-                  <a:schemeClr val="bg1"/>
-                </a:gs>
-                <a:gs pos="43000">
-                  <a:schemeClr val="bg1">
-                    <a:lumMod val="95000"/>
-                  </a:schemeClr>
-                </a:gs>
-                <a:gs pos="100000">
-                  <a:schemeClr val="bg1">
-                    <a:lumMod val="75000"/>
-                  </a:schemeClr>
-                </a:gs>
-              </a:gsLst>
-              <a:lin ang="14100000" scaled="0"/>
-            </a:gradFill>
-            <a:ln>
-              <a:noFill/>
-            </a:ln>
-          </p:spPr>
-          <p:style>
-            <a:lnRef idx="2">
-              <a:schemeClr val="accent1">
-                <a:shade val="50000"/>
-              </a:schemeClr>
-            </a:lnRef>
-            <a:fillRef idx="1">
-              <a:schemeClr val="accent1"/>
-            </a:fillRef>
-            <a:effectRef idx="0">
-              <a:schemeClr val="accent1"/>
-            </a:effectRef>
-            <a:fontRef idx="minor">
-              <a:schemeClr val="lt1"/>
-            </a:fontRef>
-          </p:style>
-          <p:txBody>
-            <a:bodyPr rtlCol="0" anchor="ctr"/>
-            <a:lstStyle/>
-            <a:p>
-              <a:pPr algn="ctr"/>
-              <a:endParaRPr lang="zh-CN" altLang="en-US"/>
-            </a:p>
-          </p:txBody>
-        </p:sp>
-      </p:grpSp>
-      <p:sp>
-        <p:nvSpPr>
-          <p:cNvPr id="18" name="椭圆 34"/>
-          <p:cNvSpPr/>
-          <p:nvPr/>
-        </p:nvSpPr>
-        <p:spPr>
-          <a:xfrm>
-            <a:off x="4720609" y="3176237"/>
-            <a:ext cx="1077642" cy="1385911"/>
-          </a:xfrm>
-          <a:custGeom>
-            <a:avLst/>
-            <a:gdLst/>
-            <a:ahLst/>
-            <a:cxnLst/>
-            <a:rect l="l" t="t" r="r" b="b"/>
-            <a:pathLst>
-              <a:path w="1118836" h="1438889">
-                <a:moveTo>
-                  <a:pt x="548270" y="0"/>
-                </a:moveTo>
-                <a:lnTo>
-                  <a:pt x="721662" y="346785"/>
-                </a:lnTo>
-                <a:cubicBezTo>
-                  <a:pt x="951885" y="413972"/>
-                  <a:pt x="1118836" y="627225"/>
-                  <a:pt x="1118836" y="879471"/>
-                </a:cubicBezTo>
-                <a:cubicBezTo>
-                  <a:pt x="1118836" y="1188429"/>
-                  <a:pt x="868376" y="1438889"/>
-                  <a:pt x="559418" y="1438889"/>
-                </a:cubicBezTo>
-                <a:cubicBezTo>
-                  <a:pt x="250460" y="1438889"/>
-                  <a:pt x="0" y="1188429"/>
-                  <a:pt x="0" y="879471"/>
-                </a:cubicBezTo>
-                <a:cubicBezTo>
-                  <a:pt x="0" y="636984"/>
-                  <a:pt x="154283" y="430531"/>
-                  <a:pt x="370781" y="354978"/>
-                </a:cubicBezTo>
-                <a:close/>
-              </a:path>
-            </a:pathLst>
-          </a:custGeom>
-          <a:solidFill>
-            <a:srgbClr val="1A3F6C"/>
-          </a:solidFill>
-          <a:ln>
-            <a:noFill/>
-          </a:ln>
-          <a:effectLst>
-            <a:outerShdw blurRad="444500" dist="254000" dir="8100000" algn="tr" rotWithShape="0">
-              <a:prstClr val="black">
-                <a:alpha val="50000"/>
-              </a:prstClr>
-            </a:outerShdw>
-          </a:effectLst>
-        </p:spPr>
-        <p:style>
-          <a:lnRef idx="2">
-            <a:schemeClr val="accent1">
-              <a:shade val="50000"/>
-            </a:schemeClr>
-          </a:lnRef>
-          <a:fillRef idx="1">
-            <a:schemeClr val="accent1"/>
-          </a:fillRef>
-          <a:effectRef idx="0">
-            <a:schemeClr val="accent1"/>
-          </a:effectRef>
-          <a:fontRef idx="minor">
-            <a:schemeClr val="lt1"/>
-          </a:fontRef>
-        </p:style>
-        <p:txBody>
-          <a:bodyPr rtlCol="0" anchor="ctr"/>
-          <a:lstStyle/>
-          <a:p>
-            <a:pPr algn="ctr"/>
-            <a:endParaRPr lang="zh-CN" altLang="en-US"/>
-          </a:p>
-        </p:txBody>
-      </p:sp>
-      <p:grpSp>
-        <p:nvGrpSpPr>
-          <p:cNvPr id="19" name="组合 18"/>
-          <p:cNvGrpSpPr/>
-          <p:nvPr/>
-        </p:nvGrpSpPr>
-        <p:grpSpPr>
-          <a:xfrm rot="16200000">
-            <a:off x="4525211" y="1917620"/>
-            <a:ext cx="1061672" cy="1379360"/>
-            <a:chOff x="4020870" y="2194485"/>
-            <a:chExt cx="1102258" cy="1432090"/>
-          </a:xfrm>
-          <a:effectLst>
-            <a:outerShdw blurRad="444500" dist="254000" dir="8100000" algn="tr" rotWithShape="0">
-              <a:prstClr val="black">
-                <a:alpha val="50000"/>
-              </a:prstClr>
-            </a:outerShdw>
-          </a:effectLst>
-        </p:grpSpPr>
-        <p:sp>
-          <p:nvSpPr>
-            <p:cNvPr id="20" name="等腰三角形 43"/>
-            <p:cNvSpPr/>
-            <p:nvPr/>
-          </p:nvSpPr>
-          <p:spPr>
-            <a:xfrm>
-              <a:off x="4020870" y="2194485"/>
-              <a:ext cx="1102258" cy="1432090"/>
-            </a:xfrm>
-            <a:custGeom>
-              <a:avLst/>
-              <a:gdLst/>
-              <a:ahLst/>
-              <a:cxnLst/>
-              <a:rect l="l" t="t" r="r" b="b"/>
-              <a:pathLst>
-                <a:path w="1102258" h="1432090">
-                  <a:moveTo>
-                    <a:pt x="761620" y="431870"/>
-                  </a:moveTo>
-                  <a:lnTo>
-                    <a:pt x="856659" y="621949"/>
-                  </a:lnTo>
-                  <a:lnTo>
-                    <a:pt x="234710" y="621949"/>
-                  </a:lnTo>
-                  <a:lnTo>
-                    <a:pt x="325695" y="439980"/>
-                  </a:lnTo>
-                  <a:cubicBezTo>
-                    <a:pt x="163858" y="520416"/>
-                    <a:pt x="53779" y="687834"/>
-                    <a:pt x="53779" y="880961"/>
-                  </a:cubicBezTo>
-                  <a:cubicBezTo>
-                    <a:pt x="53779" y="1155639"/>
-                    <a:pt x="276450" y="1378310"/>
-                    <a:pt x="551128" y="1378310"/>
-                  </a:cubicBezTo>
-                  <a:cubicBezTo>
-                    <a:pt x="825806" y="1378310"/>
-                    <a:pt x="1048477" y="1155639"/>
-                    <a:pt x="1048477" y="880961"/>
-                  </a:cubicBezTo>
-                  <a:cubicBezTo>
-                    <a:pt x="1048477" y="681767"/>
-                    <a:pt x="931374" y="509923"/>
-                    <a:pt x="761620" y="431870"/>
-                  </a:cubicBezTo>
-                  <a:close/>
-                  <a:moveTo>
-                    <a:pt x="545685" y="0"/>
-                  </a:moveTo>
-                  <a:lnTo>
-                    <a:pt x="726120" y="360871"/>
-                  </a:lnTo>
-                  <a:cubicBezTo>
-                    <a:pt x="945108" y="431845"/>
-                    <a:pt x="1102258" y="638051"/>
-                    <a:pt x="1102258" y="880961"/>
-                  </a:cubicBezTo>
-                  <a:cubicBezTo>
-                    <a:pt x="1102258" y="1185341"/>
-                    <a:pt x="855509" y="1432090"/>
-                    <a:pt x="551129" y="1432090"/>
-                  </a:cubicBezTo>
-                  <a:cubicBezTo>
-                    <a:pt x="246749" y="1432090"/>
-                    <a:pt x="0" y="1185341"/>
-                    <a:pt x="0" y="880961"/>
-                  </a:cubicBezTo>
-                  <a:cubicBezTo>
-                    <a:pt x="0" y="642821"/>
-                    <a:pt x="151038" y="439958"/>
-                    <a:pt x="363249" y="364872"/>
-                  </a:cubicBezTo>
-                  <a:close/>
-                </a:path>
-              </a:pathLst>
-            </a:custGeom>
-            <a:gradFill>
-              <a:gsLst>
-                <a:gs pos="0">
-                  <a:schemeClr val="bg1"/>
-                </a:gs>
-                <a:gs pos="55000">
-                  <a:schemeClr val="bg1">
-                    <a:lumMod val="95000"/>
-                  </a:schemeClr>
-                </a:gs>
-                <a:gs pos="100000">
-                  <a:schemeClr val="bg1">
-                    <a:lumMod val="65000"/>
-                  </a:schemeClr>
-                </a:gs>
-              </a:gsLst>
-              <a:lin ang="14100000" scaled="0"/>
-            </a:gradFill>
-            <a:ln>
-              <a:noFill/>
-            </a:ln>
-          </p:spPr>
-          <p:style>
-            <a:lnRef idx="2">
-              <a:schemeClr val="accent1">
-                <a:shade val="50000"/>
-              </a:schemeClr>
-            </a:lnRef>
-            <a:fillRef idx="1">
-              <a:schemeClr val="accent1"/>
-            </a:fillRef>
-            <a:effectRef idx="0">
-              <a:schemeClr val="accent1"/>
-            </a:effectRef>
-            <a:fontRef idx="minor">
-              <a:schemeClr val="lt1"/>
-            </a:fontRef>
-          </p:style>
-          <p:txBody>
-            <a:bodyPr rtlCol="0" anchor="ctr"/>
-            <a:lstStyle/>
-            <a:p>
-              <a:pPr algn="ctr"/>
-              <a:endParaRPr lang="zh-CN" altLang="en-US">
-                <a:solidFill>
-                  <a:schemeClr val="tx1"/>
-                </a:solidFill>
-              </a:endParaRPr>
-            </a:p>
-          </p:txBody>
-        </p:sp>
-        <p:sp>
-          <p:nvSpPr>
-            <p:cNvPr id="21" name="等腰三角形 42"/>
-            <p:cNvSpPr/>
-            <p:nvPr/>
-          </p:nvSpPr>
-          <p:spPr>
-            <a:xfrm>
-              <a:off x="4044928" y="2251925"/>
-              <a:ext cx="1054142" cy="1350592"/>
-            </a:xfrm>
-            <a:custGeom>
-              <a:avLst/>
-              <a:gdLst/>
-              <a:ahLst/>
-              <a:cxnLst/>
-              <a:rect l="l" t="t" r="r" b="b"/>
-              <a:pathLst>
-                <a:path w="1054142" h="1350592">
-                  <a:moveTo>
-                    <a:pt x="521627" y="0"/>
-                  </a:moveTo>
-                  <a:lnTo>
-                    <a:pt x="682907" y="322559"/>
-                  </a:lnTo>
-                  <a:cubicBezTo>
-                    <a:pt x="898294" y="386795"/>
-                    <a:pt x="1054142" y="586958"/>
-                    <a:pt x="1054142" y="823521"/>
-                  </a:cubicBezTo>
-                  <a:cubicBezTo>
-                    <a:pt x="1054142" y="1114614"/>
-                    <a:pt x="818164" y="1350592"/>
-                    <a:pt x="527071" y="1350592"/>
-                  </a:cubicBezTo>
-                  <a:cubicBezTo>
-                    <a:pt x="235978" y="1350592"/>
-                    <a:pt x="0" y="1114614"/>
-                    <a:pt x="0" y="823521"/>
-                  </a:cubicBezTo>
-                  <a:cubicBezTo>
-                    <a:pt x="0" y="591722"/>
-                    <a:pt x="149634" y="394871"/>
-                    <a:pt x="358347" y="326560"/>
-                  </a:cubicBezTo>
-                  <a:close/>
-                </a:path>
-              </a:pathLst>
-            </a:custGeom>
-            <a:gradFill>
-              <a:gsLst>
-                <a:gs pos="0">
-                  <a:schemeClr val="bg1"/>
-                </a:gs>
-                <a:gs pos="43000">
-                  <a:schemeClr val="bg1">
-                    <a:lumMod val="95000"/>
-                  </a:schemeClr>
-                </a:gs>
-                <a:gs pos="100000">
-                  <a:schemeClr val="bg1">
-                    <a:lumMod val="75000"/>
-                  </a:schemeClr>
-                </a:gs>
-              </a:gsLst>
-              <a:lin ang="2700000" scaled="0"/>
-            </a:gradFill>
-            <a:ln>
-              <a:noFill/>
-            </a:ln>
-          </p:spPr>
-          <p:style>
-            <a:lnRef idx="2">
-              <a:schemeClr val="accent1">
-                <a:shade val="50000"/>
-              </a:schemeClr>
-            </a:lnRef>
-            <a:fillRef idx="1">
-              <a:schemeClr val="accent1"/>
-            </a:fillRef>
-            <a:effectRef idx="0">
-              <a:schemeClr val="accent1"/>
-            </a:effectRef>
-            <a:fontRef idx="minor">
-              <a:schemeClr val="lt1"/>
-            </a:fontRef>
-          </p:style>
-          <p:txBody>
-            <a:bodyPr rtlCol="0" anchor="ctr"/>
-            <a:lstStyle/>
-            <a:p>
-              <a:pPr algn="ctr"/>
-              <a:endParaRPr lang="zh-CN" altLang="en-US"/>
-            </a:p>
-          </p:txBody>
-        </p:sp>
-      </p:grpSp>
-    </p:spTree>
-    <p:extLst>
-      <p:ext uri="{BB962C8B-B14F-4D97-AF65-F5344CB8AC3E}">
-        <p14:creationId xmlns:p14="http://schemas.microsoft.com/office/powerpoint/2010/main" val="3091258870"/>
-      </p:ext>
-    </p:extLst>
-  </p:cSld>
-  <p:clrMapOvr>
-    <a:masterClrMapping/>
-  </p:clrMapOvr>
-  <mc:AlternateContent xmlns:mc="http://schemas.openxmlformats.org/markup-compatibility/2006" xmlns:p14="http://schemas.microsoft.com/office/powerpoint/2010/main">
-    <mc:Choice Requires="p14">
-      <p:transition spd="slow" p14:dur="1200" advTm="0">
-        <p14:prism/>
-      </p:transition>
-    </mc:Choice>
-    <mc:Fallback xmlns="">
-      <p:transition spd="slow" advTm="0">
-        <p:fade/>
-      </p:transition>
-    </mc:Fallback>
-  </mc:AlternateContent>
-  <mc:AlternateContent xmlns:mc="http://schemas.openxmlformats.org/markup-compatibility/2006">
-    <mc:Choice xmlns:p14="http://schemas.microsoft.com/office/powerpoint/2010/main" Requires="p14">
-      <p:timing>
-        <p:tnLst>
-          <p:par>
-            <p:cTn id="1" dur="indefinite" restart="never" nodeType="tmRoot">
-              <p:childTnLst>
-                <p:seq concurrent="1" nextAc="seek">
-                  <p:cTn id="2" dur="indefinite" nodeType="mainSeq">
-                    <p:childTnLst>
-                      <p:par>
-                        <p:cTn id="3" fill="hold">
-                          <p:stCondLst>
-                            <p:cond delay="indefinite"/>
-                            <p:cond evt="onBegin" delay="0">
-                              <p:tn val="2"/>
-                            </p:cond>
-                          </p:stCondLst>
-                          <p:childTnLst>
-                            <p:par>
-                              <p:cTn id="4" fill="hold">
-                                <p:stCondLst>
-                                  <p:cond delay="0"/>
-                                </p:stCondLst>
-                                <p:childTnLst>
-                                  <p:par>
-                                    <p:cTn id="5" presetID="22" presetClass="entr" presetSubtype="8" fill="hold" nodeType="withEffect">
-                                      <p:stCondLst>
-                                        <p:cond delay="0"/>
-                                      </p:stCondLst>
-                                      <p:childTnLst>
-                                        <p:set>
-                                          <p:cBhvr>
-                                            <p:cTn id="6" dur="1" fill="hold">
-                                              <p:stCondLst>
-                                                <p:cond delay="0"/>
-                                              </p:stCondLst>
-                                            </p:cTn>
-                                            <p:tgtEl>
-                                              <p:spTgt spid="4"/>
-                                            </p:tgtEl>
-                                            <p:attrNameLst>
-                                              <p:attrName>style.visibility</p:attrName>
-                                            </p:attrNameLst>
-                                          </p:cBhvr>
-                                          <p:to>
-                                            <p:strVal val="visible"/>
-                                          </p:to>
-                                        </p:set>
-                                        <p:animEffect transition="in" filter="wipe(left)">
-                                          <p:cBhvr>
-                                            <p:cTn id="7" dur="300"/>
-                                            <p:tgtEl>
-                                              <p:spTgt spid="4"/>
-                                            </p:tgtEl>
-                                          </p:cBhvr>
-                                        </p:animEffect>
-                                      </p:childTnLst>
-                                    </p:cTn>
-                                  </p:par>
-                                </p:childTnLst>
-                              </p:cTn>
-                            </p:par>
-                            <p:par>
-                              <p:cTn id="8" fill="hold">
-                                <p:stCondLst>
-                                  <p:cond delay="300"/>
-                                </p:stCondLst>
-                                <p:childTnLst>
-                                  <p:par>
-                                    <p:cTn id="9" presetID="22" presetClass="entr" presetSubtype="4" fill="hold" grpId="0" nodeType="afterEffect">
-                                      <p:stCondLst>
-                                        <p:cond delay="0"/>
-                                      </p:stCondLst>
-                                      <p:childTnLst>
-                                        <p:set>
-                                          <p:cBhvr>
-                                            <p:cTn id="10" dur="1" fill="hold">
-                                              <p:stCondLst>
-                                                <p:cond delay="0"/>
-                                              </p:stCondLst>
-                                            </p:cTn>
-                                            <p:tgtEl>
-                                              <p:spTgt spid="5"/>
-                                            </p:tgtEl>
-                                            <p:attrNameLst>
-                                              <p:attrName>style.visibility</p:attrName>
-                                            </p:attrNameLst>
-                                          </p:cBhvr>
-                                          <p:to>
-                                            <p:strVal val="visible"/>
-                                          </p:to>
-                                        </p:set>
-                                        <p:animEffect transition="in" filter="wipe(down)">
-                                          <p:cBhvr>
-                                            <p:cTn id="11" dur="300"/>
-                                            <p:tgtEl>
-                                              <p:spTgt spid="5"/>
-                                            </p:tgtEl>
-                                          </p:cBhvr>
-                                        </p:animEffect>
-                                      </p:childTnLst>
-                                    </p:cTn>
-                                  </p:par>
-                                </p:childTnLst>
-                              </p:cTn>
-                            </p:par>
-                            <p:par>
-                              <p:cTn id="12" fill="hold">
-                                <p:stCondLst>
-                                  <p:cond delay="600"/>
-                                </p:stCondLst>
-                                <p:childTnLst>
-                                  <p:par>
-                                    <p:cTn id="13" presetID="12" presetClass="entr" presetSubtype="8" fill="hold" grpId="0" nodeType="afterEffect">
-                                      <p:stCondLst>
-                                        <p:cond delay="0"/>
-                                      </p:stCondLst>
-                                      <p:childTnLst>
-                                        <p:set>
-                                          <p:cBhvr>
-                                            <p:cTn id="14" dur="1" fill="hold">
-                                              <p:stCondLst>
-                                                <p:cond delay="0"/>
-                                              </p:stCondLst>
-                                            </p:cTn>
-                                            <p:tgtEl>
-                                              <p:spTgt spid="6"/>
-                                            </p:tgtEl>
-                                            <p:attrNameLst>
-                                              <p:attrName>style.visibility</p:attrName>
-                                            </p:attrNameLst>
-                                          </p:cBhvr>
-                                          <p:to>
-                                            <p:strVal val="visible"/>
-                                          </p:to>
-                                        </p:set>
-                                        <p:anim calcmode="lin" valueType="num">
-                                          <p:cBhvr additive="base">
-                                            <p:cTn id="15" dur="500"/>
-                                            <p:tgtEl>
-                                              <p:spTgt spid="6"/>
-                                            </p:tgtEl>
-                                            <p:attrNameLst>
-                                              <p:attrName>ppt_x</p:attrName>
-                                            </p:attrNameLst>
-                                          </p:cBhvr>
-                                          <p:tavLst>
-                                            <p:tav tm="0">
-                                              <p:val>
-                                                <p:strVal val="#ppt_x-#ppt_w*1.125000"/>
-                                              </p:val>
-                                            </p:tav>
-                                            <p:tav tm="100000">
-                                              <p:val>
-                                                <p:strVal val="#ppt_x"/>
-                                              </p:val>
-                                            </p:tav>
-                                          </p:tavLst>
-                                        </p:anim>
-                                        <p:animEffect transition="in" filter="wipe(right)">
-                                          <p:cBhvr>
-                                            <p:cTn id="16" dur="500"/>
-                                            <p:tgtEl>
-                                              <p:spTgt spid="6"/>
-                                            </p:tgtEl>
-                                          </p:cBhvr>
-                                        </p:animEffect>
-                                      </p:childTnLst>
-                                    </p:cTn>
-                                  </p:par>
-                                </p:childTnLst>
-                              </p:cTn>
-                            </p:par>
-                            <p:par>
-                              <p:cTn id="17" fill="hold">
-                                <p:stCondLst>
-                                  <p:cond delay="1100"/>
-                                </p:stCondLst>
-                                <p:childTnLst>
-                                  <p:par>
-                                    <p:cTn id="18" presetID="2" presetClass="entr" presetSubtype="1" fill="hold" grpId="0" nodeType="afterEffect" p14:presetBounceEnd="40000">
-                                      <p:stCondLst>
-                                        <p:cond delay="0"/>
-                                      </p:stCondLst>
-                                      <p:childTnLst>
-                                        <p:set>
-                                          <p:cBhvr>
-                                            <p:cTn id="19" dur="1" fill="hold">
-                                              <p:stCondLst>
-                                                <p:cond delay="0"/>
-                                              </p:stCondLst>
-                                            </p:cTn>
-                                            <p:tgtEl>
-                                              <p:spTgt spid="14"/>
-                                            </p:tgtEl>
-                                            <p:attrNameLst>
-                                              <p:attrName>style.visibility</p:attrName>
-                                            </p:attrNameLst>
-                                          </p:cBhvr>
-                                          <p:to>
-                                            <p:strVal val="visible"/>
-                                          </p:to>
-                                        </p:set>
-                                        <p:anim calcmode="lin" valueType="num" p14:bounceEnd="40000">
-                                          <p:cBhvr additive="base">
-                                            <p:cTn id="20" dur="500" fill="hold"/>
-                                            <p:tgtEl>
-                                              <p:spTgt spid="14"/>
-                                            </p:tgtEl>
-                                            <p:attrNameLst>
-                                              <p:attrName>ppt_x</p:attrName>
-                                            </p:attrNameLst>
-                                          </p:cBhvr>
-                                          <p:tavLst>
-                                            <p:tav tm="0">
-                                              <p:val>
-                                                <p:strVal val="#ppt_x"/>
-                                              </p:val>
-                                            </p:tav>
-                                            <p:tav tm="100000">
-                                              <p:val>
-                                                <p:strVal val="#ppt_x"/>
-                                              </p:val>
-                                            </p:tav>
-                                          </p:tavLst>
-                                        </p:anim>
-                                        <p:anim calcmode="lin" valueType="num" p14:bounceEnd="40000">
-                                          <p:cBhvr additive="base">
-                                            <p:cTn id="21" dur="500" fill="hold"/>
-                                            <p:tgtEl>
-                                              <p:spTgt spid="14"/>
-                                            </p:tgtEl>
-                                            <p:attrNameLst>
-                                              <p:attrName>ppt_y</p:attrName>
-                                            </p:attrNameLst>
-                                          </p:cBhvr>
-                                          <p:tavLst>
-                                            <p:tav tm="0">
-                                              <p:val>
-                                                <p:strVal val="0-#ppt_h/2"/>
-                                              </p:val>
-                                            </p:tav>
-                                            <p:tav tm="100000">
-                                              <p:val>
-                                                <p:strVal val="#ppt_y"/>
-                                              </p:val>
-                                            </p:tav>
-                                          </p:tavLst>
-                                        </p:anim>
-                                      </p:childTnLst>
-                                    </p:cTn>
-                                  </p:par>
-                                  <p:par>
-                                    <p:cTn id="22" presetID="2" presetClass="entr" presetSubtype="8" fill="hold" nodeType="withEffect" p14:presetBounceEnd="40000">
-                                      <p:stCondLst>
-                                        <p:cond delay="300"/>
-                                      </p:stCondLst>
-                                      <p:childTnLst>
-                                        <p:set>
-                                          <p:cBhvr>
-                                            <p:cTn id="23" dur="1" fill="hold">
-                                              <p:stCondLst>
-                                                <p:cond delay="0"/>
-                                              </p:stCondLst>
-                                            </p:cTn>
-                                            <p:tgtEl>
-                                              <p:spTgt spid="15"/>
-                                            </p:tgtEl>
-                                            <p:attrNameLst>
-                                              <p:attrName>style.visibility</p:attrName>
-                                            </p:attrNameLst>
-                                          </p:cBhvr>
-                                          <p:to>
-                                            <p:strVal val="visible"/>
-                                          </p:to>
-                                        </p:set>
-                                        <p:anim calcmode="lin" valueType="num" p14:bounceEnd="40000">
-                                          <p:cBhvr additive="base">
-                                            <p:cTn id="24" dur="500" fill="hold"/>
-                                            <p:tgtEl>
-                                              <p:spTgt spid="15"/>
-                                            </p:tgtEl>
-                                            <p:attrNameLst>
-                                              <p:attrName>ppt_x</p:attrName>
-                                            </p:attrNameLst>
-                                          </p:cBhvr>
-                                          <p:tavLst>
-                                            <p:tav tm="0">
-                                              <p:val>
-                                                <p:strVal val="0-#ppt_w/2"/>
-                                              </p:val>
-                                            </p:tav>
-                                            <p:tav tm="100000">
-                                              <p:val>
-                                                <p:strVal val="#ppt_x"/>
-                                              </p:val>
-                                            </p:tav>
-                                          </p:tavLst>
-                                        </p:anim>
-                                        <p:anim calcmode="lin" valueType="num" p14:bounceEnd="40000">
-                                          <p:cBhvr additive="base">
-                                            <p:cTn id="25" dur="500" fill="hold"/>
-                                            <p:tgtEl>
-                                              <p:spTgt spid="15"/>
-                                            </p:tgtEl>
-                                            <p:attrNameLst>
-                                              <p:attrName>ppt_y</p:attrName>
-                                            </p:attrNameLst>
-                                          </p:cBhvr>
-                                          <p:tavLst>
-                                            <p:tav tm="0">
-                                              <p:val>
-                                                <p:strVal val="#ppt_y"/>
-                                              </p:val>
-                                            </p:tav>
-                                            <p:tav tm="100000">
-                                              <p:val>
-                                                <p:strVal val="#ppt_y"/>
-                                              </p:val>
-                                            </p:tav>
-                                          </p:tavLst>
-                                        </p:anim>
-                                      </p:childTnLst>
-                                    </p:cTn>
-                                  </p:par>
-                                  <p:par>
-                                    <p:cTn id="26" presetID="12" presetClass="entr" presetSubtype="2" fill="hold" grpId="0" nodeType="withEffect">
-                                      <p:stCondLst>
-                                        <p:cond delay="300"/>
-                                      </p:stCondLst>
-                                      <p:childTnLst>
-                                        <p:set>
-                                          <p:cBhvr>
-                                            <p:cTn id="27" dur="1" fill="hold">
-                                              <p:stCondLst>
-                                                <p:cond delay="0"/>
-                                              </p:stCondLst>
-                                            </p:cTn>
-                                            <p:tgtEl>
-                                              <p:spTgt spid="13"/>
-                                            </p:tgtEl>
-                                            <p:attrNameLst>
-                                              <p:attrName>style.visibility</p:attrName>
-                                            </p:attrNameLst>
-                                          </p:cBhvr>
-                                          <p:to>
-                                            <p:strVal val="visible"/>
-                                          </p:to>
-                                        </p:set>
-                                        <p:anim calcmode="lin" valueType="num">
-                                          <p:cBhvr additive="base">
-                                            <p:cTn id="28" dur="500"/>
-                                            <p:tgtEl>
-                                              <p:spTgt spid="13"/>
-                                            </p:tgtEl>
-                                            <p:attrNameLst>
-                                              <p:attrName>ppt_x</p:attrName>
-                                            </p:attrNameLst>
-                                          </p:cBhvr>
-                                          <p:tavLst>
-                                            <p:tav tm="0">
-                                              <p:val>
-                                                <p:strVal val="#ppt_x+#ppt_w*1.125000"/>
-                                              </p:val>
-                                            </p:tav>
-                                            <p:tav tm="100000">
-                                              <p:val>
-                                                <p:strVal val="#ppt_x"/>
-                                              </p:val>
-                                            </p:tav>
-                                          </p:tavLst>
-                                        </p:anim>
-                                        <p:animEffect transition="in" filter="wipe(left)">
-                                          <p:cBhvr>
-                                            <p:cTn id="29" dur="500"/>
-                                            <p:tgtEl>
-                                              <p:spTgt spid="13"/>
-                                            </p:tgtEl>
-                                          </p:cBhvr>
-                                        </p:animEffect>
-                                      </p:childTnLst>
-                                    </p:cTn>
-                                  </p:par>
-                                  <p:par>
-                                    <p:cTn id="30" presetID="2" presetClass="entr" presetSubtype="4" fill="hold" grpId="0" nodeType="withEffect" p14:presetBounceEnd="40000">
-                                      <p:stCondLst>
-                                        <p:cond delay="600"/>
-                                      </p:stCondLst>
-                                      <p:childTnLst>
-                                        <p:set>
-                                          <p:cBhvr>
-                                            <p:cTn id="31" dur="1" fill="hold">
-                                              <p:stCondLst>
-                                                <p:cond delay="0"/>
-                                              </p:stCondLst>
-                                            </p:cTn>
-                                            <p:tgtEl>
-                                              <p:spTgt spid="18"/>
-                                            </p:tgtEl>
-                                            <p:attrNameLst>
-                                              <p:attrName>style.visibility</p:attrName>
-                                            </p:attrNameLst>
-                                          </p:cBhvr>
-                                          <p:to>
-                                            <p:strVal val="visible"/>
-                                          </p:to>
-                                        </p:set>
-                                        <p:anim calcmode="lin" valueType="num" p14:bounceEnd="40000">
-                                          <p:cBhvr additive="base">
-                                            <p:cTn id="32" dur="500" fill="hold"/>
-                                            <p:tgtEl>
-                                              <p:spTgt spid="18"/>
-                                            </p:tgtEl>
-                                            <p:attrNameLst>
-                                              <p:attrName>ppt_x</p:attrName>
-                                            </p:attrNameLst>
-                                          </p:cBhvr>
-                                          <p:tavLst>
-                                            <p:tav tm="0">
-                                              <p:val>
-                                                <p:strVal val="#ppt_x"/>
-                                              </p:val>
-                                            </p:tav>
-                                            <p:tav tm="100000">
-                                              <p:val>
-                                                <p:strVal val="#ppt_x"/>
-                                              </p:val>
-                                            </p:tav>
-                                          </p:tavLst>
-                                        </p:anim>
-                                        <p:anim calcmode="lin" valueType="num" p14:bounceEnd="40000">
-                                          <p:cBhvr additive="base">
-                                            <p:cTn id="33" dur="500" fill="hold"/>
-                                            <p:tgtEl>
-                                              <p:spTgt spid="18"/>
-                                            </p:tgtEl>
-                                            <p:attrNameLst>
-                                              <p:attrName>ppt_y</p:attrName>
-                                            </p:attrNameLst>
-                                          </p:cBhvr>
-                                          <p:tavLst>
-                                            <p:tav tm="0">
-                                              <p:val>
-                                                <p:strVal val="1+#ppt_h/2"/>
-                                              </p:val>
-                                            </p:tav>
-                                            <p:tav tm="100000">
-                                              <p:val>
-                                                <p:strVal val="#ppt_y"/>
-                                              </p:val>
-                                            </p:tav>
-                                          </p:tavLst>
-                                        </p:anim>
-                                      </p:childTnLst>
-                                    </p:cTn>
-                                  </p:par>
-                                  <p:par>
-                                    <p:cTn id="34" presetID="12" presetClass="entr" presetSubtype="2" fill="hold" grpId="0" nodeType="withEffect">
-                                      <p:stCondLst>
-                                        <p:cond delay="600"/>
-                                      </p:stCondLst>
-                                      <p:childTnLst>
-                                        <p:set>
-                                          <p:cBhvr>
-                                            <p:cTn id="35" dur="1" fill="hold">
-                                              <p:stCondLst>
-                                                <p:cond delay="0"/>
-                                              </p:stCondLst>
-                                            </p:cTn>
-                                            <p:tgtEl>
-                                              <p:spTgt spid="10"/>
-                                            </p:tgtEl>
-                                            <p:attrNameLst>
-                                              <p:attrName>style.visibility</p:attrName>
-                                            </p:attrNameLst>
-                                          </p:cBhvr>
-                                          <p:to>
-                                            <p:strVal val="visible"/>
-                                          </p:to>
-                                        </p:set>
-                                        <p:anim calcmode="lin" valueType="num">
-                                          <p:cBhvr additive="base">
-                                            <p:cTn id="36" dur="500"/>
-                                            <p:tgtEl>
-                                              <p:spTgt spid="10"/>
-                                            </p:tgtEl>
-                                            <p:attrNameLst>
-                                              <p:attrName>ppt_x</p:attrName>
-                                            </p:attrNameLst>
-                                          </p:cBhvr>
-                                          <p:tavLst>
-                                            <p:tav tm="0">
-                                              <p:val>
-                                                <p:strVal val="#ppt_x+#ppt_w*1.125000"/>
-                                              </p:val>
-                                            </p:tav>
-                                            <p:tav tm="100000">
-                                              <p:val>
-                                                <p:strVal val="#ppt_x"/>
-                                              </p:val>
-                                            </p:tav>
-                                          </p:tavLst>
-                                        </p:anim>
-                                        <p:animEffect transition="in" filter="wipe(left)">
-                                          <p:cBhvr>
-                                            <p:cTn id="37" dur="500"/>
-                                            <p:tgtEl>
-                                              <p:spTgt spid="10"/>
-                                            </p:tgtEl>
-                                          </p:cBhvr>
-                                        </p:animEffect>
-                                      </p:childTnLst>
-                                    </p:cTn>
-                                  </p:par>
-                                  <p:par>
-                                    <p:cTn id="38" presetID="2" presetClass="entr" presetSubtype="2" fill="hold" nodeType="withEffect" p14:presetBounceEnd="40000">
-                                      <p:stCondLst>
-                                        <p:cond delay="900"/>
-                                      </p:stCondLst>
-                                      <p:childTnLst>
-                                        <p:set>
-                                          <p:cBhvr>
-                                            <p:cTn id="39" dur="1" fill="hold">
-                                              <p:stCondLst>
-                                                <p:cond delay="0"/>
-                                              </p:stCondLst>
-                                            </p:cTn>
-                                            <p:tgtEl>
-                                              <p:spTgt spid="19"/>
-                                            </p:tgtEl>
-                                            <p:attrNameLst>
-                                              <p:attrName>style.visibility</p:attrName>
-                                            </p:attrNameLst>
-                                          </p:cBhvr>
-                                          <p:to>
-                                            <p:strVal val="visible"/>
-                                          </p:to>
-                                        </p:set>
-                                        <p:anim calcmode="lin" valueType="num" p14:bounceEnd="40000">
-                                          <p:cBhvr additive="base">
-                                            <p:cTn id="40" dur="500" fill="hold"/>
-                                            <p:tgtEl>
-                                              <p:spTgt spid="19"/>
-                                            </p:tgtEl>
-                                            <p:attrNameLst>
-                                              <p:attrName>ppt_x</p:attrName>
-                                            </p:attrNameLst>
-                                          </p:cBhvr>
-                                          <p:tavLst>
-                                            <p:tav tm="0">
-                                              <p:val>
-                                                <p:strVal val="1+#ppt_w/2"/>
-                                              </p:val>
-                                            </p:tav>
-                                            <p:tav tm="100000">
-                                              <p:val>
-                                                <p:strVal val="#ppt_x"/>
-                                              </p:val>
-                                            </p:tav>
-                                          </p:tavLst>
-                                        </p:anim>
-                                        <p:anim calcmode="lin" valueType="num" p14:bounceEnd="40000">
-                                          <p:cBhvr additive="base">
-                                            <p:cTn id="41" dur="500" fill="hold"/>
-                                            <p:tgtEl>
-                                              <p:spTgt spid="19"/>
-                                            </p:tgtEl>
-                                            <p:attrNameLst>
-                                              <p:attrName>ppt_y</p:attrName>
-                                            </p:attrNameLst>
-                                          </p:cBhvr>
-                                          <p:tavLst>
-                                            <p:tav tm="0">
-                                              <p:val>
-                                                <p:strVal val="#ppt_y"/>
-                                              </p:val>
-                                            </p:tav>
-                                            <p:tav tm="100000">
-                                              <p:val>
-                                                <p:strVal val="#ppt_y"/>
-                                              </p:val>
-                                            </p:tav>
-                                          </p:tavLst>
-                                        </p:anim>
-                                      </p:childTnLst>
-                                    </p:cTn>
-                                  </p:par>
-                                  <p:par>
-                                    <p:cTn id="42" presetID="12" presetClass="entr" presetSubtype="8" fill="hold" grpId="0" nodeType="withEffect">
-                                      <p:stCondLst>
-                                        <p:cond delay="900"/>
-                                      </p:stCondLst>
-                                      <p:childTnLst>
-                                        <p:set>
-                                          <p:cBhvr>
-                                            <p:cTn id="43" dur="1" fill="hold">
-                                              <p:stCondLst>
-                                                <p:cond delay="0"/>
-                                              </p:stCondLst>
-                                            </p:cTn>
-                                            <p:tgtEl>
-                                              <p:spTgt spid="11"/>
-                                            </p:tgtEl>
-                                            <p:attrNameLst>
-                                              <p:attrName>style.visibility</p:attrName>
-                                            </p:attrNameLst>
-                                          </p:cBhvr>
-                                          <p:to>
-                                            <p:strVal val="visible"/>
-                                          </p:to>
-                                        </p:set>
-                                        <p:anim calcmode="lin" valueType="num">
-                                          <p:cBhvr additive="base">
-                                            <p:cTn id="44" dur="500"/>
-                                            <p:tgtEl>
-                                              <p:spTgt spid="11"/>
-                                            </p:tgtEl>
-                                            <p:attrNameLst>
-                                              <p:attrName>ppt_x</p:attrName>
-                                            </p:attrNameLst>
-                                          </p:cBhvr>
-                                          <p:tavLst>
-                                            <p:tav tm="0">
-                                              <p:val>
-                                                <p:strVal val="#ppt_x-#ppt_w*1.125000"/>
-                                              </p:val>
-                                            </p:tav>
-                                            <p:tav tm="100000">
-                                              <p:val>
-                                                <p:strVal val="#ppt_x"/>
-                                              </p:val>
-                                            </p:tav>
-                                          </p:tavLst>
-                                        </p:anim>
-                                        <p:animEffect transition="in" filter="wipe(right)">
-                                          <p:cBhvr>
-                                            <p:cTn id="45" dur="500"/>
-                                            <p:tgtEl>
-                                              <p:spTgt spid="11"/>
-                                            </p:tgtEl>
-                                          </p:cBhvr>
-                                        </p:animEffect>
-                                      </p:childTnLst>
-                                    </p:cTn>
-                                  </p:par>
-                                  <p:par>
-                                    <p:cTn id="46" presetID="12" presetClass="entr" presetSubtype="8" fill="hold" grpId="0" nodeType="withEffect">
-                                      <p:stCondLst>
-                                        <p:cond delay="1200"/>
-                                      </p:stCondLst>
-                                      <p:childTnLst>
-                                        <p:set>
-                                          <p:cBhvr>
-                                            <p:cTn id="47" dur="1" fill="hold">
-                                              <p:stCondLst>
-                                                <p:cond delay="0"/>
-                                              </p:stCondLst>
-                                            </p:cTn>
-                                            <p:tgtEl>
-                                              <p:spTgt spid="12"/>
-                                            </p:tgtEl>
-                                            <p:attrNameLst>
-                                              <p:attrName>style.visibility</p:attrName>
-                                            </p:attrNameLst>
-                                          </p:cBhvr>
-                                          <p:to>
-                                            <p:strVal val="visible"/>
-                                          </p:to>
-                                        </p:set>
-                                        <p:anim calcmode="lin" valueType="num">
-                                          <p:cBhvr additive="base">
-                                            <p:cTn id="48" dur="500"/>
-                                            <p:tgtEl>
-                                              <p:spTgt spid="12"/>
-                                            </p:tgtEl>
-                                            <p:attrNameLst>
-                                              <p:attrName>ppt_x</p:attrName>
-                                            </p:attrNameLst>
-                                          </p:cBhvr>
-                                          <p:tavLst>
-                                            <p:tav tm="0">
-                                              <p:val>
-                                                <p:strVal val="#ppt_x-#ppt_w*1.125000"/>
-                                              </p:val>
-                                            </p:tav>
-                                            <p:tav tm="100000">
-                                              <p:val>
-                                                <p:strVal val="#ppt_x"/>
-                                              </p:val>
-                                            </p:tav>
-                                          </p:tavLst>
-                                        </p:anim>
-                                        <p:animEffect transition="in" filter="wipe(right)">
-                                          <p:cBhvr>
-                                            <p:cTn id="49" dur="500"/>
-                                            <p:tgtEl>
-                                              <p:spTgt spid="12"/>
-                                            </p:tgtEl>
-                                          </p:cBhvr>
-                                        </p:animEffect>
-                                      </p:childTnLst>
-                                    </p:cTn>
-                                  </p:par>
-                                </p:childTnLst>
-                              </p:cTn>
-                            </p:par>
-                          </p:childTnLst>
-                        </p:cTn>
-                      </p:par>
-                    </p:childTnLst>
-                  </p:cTn>
-                  <p:prevCondLst>
-                    <p:cond evt="onPrev" delay="0">
-                      <p:tgtEl>
-                        <p:sldTgt/>
-                      </p:tgtEl>
-                    </p:cond>
-                  </p:prevCondLst>
-                  <p:nextCondLst>
-                    <p:cond evt="onNext" delay="0">
-                      <p:tgtEl>
-                        <p:sldTgt/>
-                      </p:tgtEl>
-                    </p:cond>
-                  </p:nextCondLst>
-                </p:seq>
-              </p:childTnLst>
-            </p:cTn>
-          </p:par>
-        </p:tnLst>
-        <p:bldLst>
-          <p:bldP spid="5" grpId="0" animBg="1"/>
-          <p:bldP spid="6" grpId="0"/>
-          <p:bldP spid="10" grpId="0"/>
-          <p:bldP spid="11" grpId="0"/>
-          <p:bldP spid="12" grpId="0"/>
-          <p:bldP spid="13" grpId="0"/>
-          <p:bldP spid="14" grpId="0" animBg="1"/>
-          <p:bldP spid="18" grpId="0" animBg="1"/>
-        </p:bldLst>
-      </p:timing>
-    </mc:Choice>
-    <mc:Fallback>
-      <p:timing>
-        <p:tnLst>
-          <p:par>
-            <p:cTn id="1" dur="indefinite" restart="never" nodeType="tmRoot">
-              <p:childTnLst>
-                <p:seq concurrent="1" nextAc="seek">
-                  <p:cTn id="2" dur="indefinite" nodeType="mainSeq">
-                    <p:childTnLst>
-                      <p:par>
-                        <p:cTn id="3" fill="hold">
-                          <p:stCondLst>
-                            <p:cond delay="indefinite"/>
-                            <p:cond evt="onBegin" delay="0">
-                              <p:tn val="2"/>
-                            </p:cond>
-                          </p:stCondLst>
-                          <p:childTnLst>
-                            <p:par>
-                              <p:cTn id="4" fill="hold">
-                                <p:stCondLst>
-                                  <p:cond delay="0"/>
-                                </p:stCondLst>
-                                <p:childTnLst>
-                                  <p:par>
-                                    <p:cTn id="5" presetID="22" presetClass="entr" presetSubtype="8" fill="hold" nodeType="withEffect">
-                                      <p:stCondLst>
-                                        <p:cond delay="0"/>
-                                      </p:stCondLst>
-                                      <p:childTnLst>
-                                        <p:set>
-                                          <p:cBhvr>
-                                            <p:cTn id="6" dur="1" fill="hold">
-                                              <p:stCondLst>
-                                                <p:cond delay="0"/>
-                                              </p:stCondLst>
-                                            </p:cTn>
-                                            <p:tgtEl>
-                                              <p:spTgt spid="4"/>
-                                            </p:tgtEl>
-                                            <p:attrNameLst>
-                                              <p:attrName>style.visibility</p:attrName>
-                                            </p:attrNameLst>
-                                          </p:cBhvr>
-                                          <p:to>
-                                            <p:strVal val="visible"/>
-                                          </p:to>
-                                        </p:set>
-                                        <p:animEffect transition="in" filter="wipe(left)">
-                                          <p:cBhvr>
-                                            <p:cTn id="7" dur="300"/>
-                                            <p:tgtEl>
-                                              <p:spTgt spid="4"/>
-                                            </p:tgtEl>
-                                          </p:cBhvr>
-                                        </p:animEffect>
-                                      </p:childTnLst>
-                                    </p:cTn>
-                                  </p:par>
-                                </p:childTnLst>
-                              </p:cTn>
-                            </p:par>
-                            <p:par>
-                              <p:cTn id="8" fill="hold">
-                                <p:stCondLst>
-                                  <p:cond delay="300"/>
-                                </p:stCondLst>
-                                <p:childTnLst>
-                                  <p:par>
-                                    <p:cTn id="9" presetID="22" presetClass="entr" presetSubtype="4" fill="hold" grpId="0" nodeType="afterEffect">
-                                      <p:stCondLst>
-                                        <p:cond delay="0"/>
-                                      </p:stCondLst>
-                                      <p:childTnLst>
-                                        <p:set>
-                                          <p:cBhvr>
-                                            <p:cTn id="10" dur="1" fill="hold">
-                                              <p:stCondLst>
-                                                <p:cond delay="0"/>
-                                              </p:stCondLst>
-                                            </p:cTn>
-                                            <p:tgtEl>
-                                              <p:spTgt spid="5"/>
-                                            </p:tgtEl>
-                                            <p:attrNameLst>
-                                              <p:attrName>style.visibility</p:attrName>
-                                            </p:attrNameLst>
-                                          </p:cBhvr>
-                                          <p:to>
-                                            <p:strVal val="visible"/>
-                                          </p:to>
-                                        </p:set>
-                                        <p:animEffect transition="in" filter="wipe(down)">
-                                          <p:cBhvr>
-                                            <p:cTn id="11" dur="300"/>
-                                            <p:tgtEl>
-                                              <p:spTgt spid="5"/>
-                                            </p:tgtEl>
-                                          </p:cBhvr>
-                                        </p:animEffect>
-                                      </p:childTnLst>
-                                    </p:cTn>
-                                  </p:par>
-                                </p:childTnLst>
-                              </p:cTn>
-                            </p:par>
-                            <p:par>
-                              <p:cTn id="12" fill="hold">
-                                <p:stCondLst>
-                                  <p:cond delay="600"/>
-                                </p:stCondLst>
-                                <p:childTnLst>
-                                  <p:par>
-                                    <p:cTn id="13" presetID="12" presetClass="entr" presetSubtype="8" fill="hold" grpId="0" nodeType="afterEffect">
-                                      <p:stCondLst>
-                                        <p:cond delay="0"/>
-                                      </p:stCondLst>
-                                      <p:childTnLst>
-                                        <p:set>
-                                          <p:cBhvr>
-                                            <p:cTn id="14" dur="1" fill="hold">
-                                              <p:stCondLst>
-                                                <p:cond delay="0"/>
-                                              </p:stCondLst>
-                                            </p:cTn>
-                                            <p:tgtEl>
-                                              <p:spTgt spid="6"/>
-                                            </p:tgtEl>
-                                            <p:attrNameLst>
-                                              <p:attrName>style.visibility</p:attrName>
-                                            </p:attrNameLst>
-                                          </p:cBhvr>
-                                          <p:to>
-                                            <p:strVal val="visible"/>
-                                          </p:to>
-                                        </p:set>
-                                        <p:anim calcmode="lin" valueType="num">
-                                          <p:cBhvr additive="base">
-                                            <p:cTn id="15" dur="500"/>
-                                            <p:tgtEl>
-                                              <p:spTgt spid="6"/>
-                                            </p:tgtEl>
-                                            <p:attrNameLst>
-                                              <p:attrName>ppt_x</p:attrName>
-                                            </p:attrNameLst>
-                                          </p:cBhvr>
-                                          <p:tavLst>
-                                            <p:tav tm="0">
-                                              <p:val>
-                                                <p:strVal val="#ppt_x-#ppt_w*1.125000"/>
-                                              </p:val>
-                                            </p:tav>
-                                            <p:tav tm="100000">
-                                              <p:val>
-                                                <p:strVal val="#ppt_x"/>
-                                              </p:val>
-                                            </p:tav>
-                                          </p:tavLst>
-                                        </p:anim>
-                                        <p:animEffect transition="in" filter="wipe(right)">
-                                          <p:cBhvr>
-                                            <p:cTn id="16" dur="500"/>
-                                            <p:tgtEl>
-                                              <p:spTgt spid="6"/>
-                                            </p:tgtEl>
-                                          </p:cBhvr>
-                                        </p:animEffect>
-                                      </p:childTnLst>
-                                    </p:cTn>
-                                  </p:par>
-                                </p:childTnLst>
-                              </p:cTn>
-                            </p:par>
-                            <p:par>
-                              <p:cTn id="17" fill="hold">
-                                <p:stCondLst>
-                                  <p:cond delay="1100"/>
-                                </p:stCondLst>
-                                <p:childTnLst>
-                                  <p:par>
-                                    <p:cTn id="18" presetID="2" presetClass="entr" presetSubtype="1" fill="hold" grpId="0" nodeType="afterEffect">
-                                      <p:stCondLst>
-                                        <p:cond delay="0"/>
-                                      </p:stCondLst>
-                                      <p:childTnLst>
-                                        <p:set>
-                                          <p:cBhvr>
-                                            <p:cTn id="19" dur="1" fill="hold">
-                                              <p:stCondLst>
-                                                <p:cond delay="0"/>
-                                              </p:stCondLst>
-                                            </p:cTn>
-                                            <p:tgtEl>
-                                              <p:spTgt spid="14"/>
-                                            </p:tgtEl>
-                                            <p:attrNameLst>
-                                              <p:attrName>style.visibility</p:attrName>
-                                            </p:attrNameLst>
-                                          </p:cBhvr>
-                                          <p:to>
-                                            <p:strVal val="visible"/>
-                                          </p:to>
-                                        </p:set>
-                                        <p:anim calcmode="lin" valueType="num">
-                                          <p:cBhvr additive="base">
-                                            <p:cTn id="20" dur="500" fill="hold"/>
-                                            <p:tgtEl>
-                                              <p:spTgt spid="14"/>
-                                            </p:tgtEl>
-                                            <p:attrNameLst>
-                                              <p:attrName>ppt_x</p:attrName>
-                                            </p:attrNameLst>
-                                          </p:cBhvr>
-                                          <p:tavLst>
-                                            <p:tav tm="0">
-                                              <p:val>
-                                                <p:strVal val="#ppt_x"/>
-                                              </p:val>
-                                            </p:tav>
-                                            <p:tav tm="100000">
-                                              <p:val>
-                                                <p:strVal val="#ppt_x"/>
-                                              </p:val>
-                                            </p:tav>
-                                          </p:tavLst>
-                                        </p:anim>
-                                        <p:anim calcmode="lin" valueType="num">
-                                          <p:cBhvr additive="base">
-                                            <p:cTn id="21" dur="500" fill="hold"/>
-                                            <p:tgtEl>
-                                              <p:spTgt spid="14"/>
-                                            </p:tgtEl>
-                                            <p:attrNameLst>
-                                              <p:attrName>ppt_y</p:attrName>
-                                            </p:attrNameLst>
-                                          </p:cBhvr>
-                                          <p:tavLst>
-                                            <p:tav tm="0">
-                                              <p:val>
-                                                <p:strVal val="0-#ppt_h/2"/>
-                                              </p:val>
-                                            </p:tav>
-                                            <p:tav tm="100000">
-                                              <p:val>
-                                                <p:strVal val="#ppt_y"/>
-                                              </p:val>
-                                            </p:tav>
-                                          </p:tavLst>
-                                        </p:anim>
-                                      </p:childTnLst>
-                                    </p:cTn>
-                                  </p:par>
-                                  <p:par>
-                                    <p:cTn id="22" presetID="2" presetClass="entr" presetSubtype="8" fill="hold" nodeType="withEffect">
-                                      <p:stCondLst>
-                                        <p:cond delay="300"/>
-                                      </p:stCondLst>
-                                      <p:childTnLst>
-                                        <p:set>
-                                          <p:cBhvr>
-                                            <p:cTn id="23" dur="1" fill="hold">
-                                              <p:stCondLst>
-                                                <p:cond delay="0"/>
-                                              </p:stCondLst>
-                                            </p:cTn>
-                                            <p:tgtEl>
-                                              <p:spTgt spid="15"/>
-                                            </p:tgtEl>
-                                            <p:attrNameLst>
-                                              <p:attrName>style.visibility</p:attrName>
-                                            </p:attrNameLst>
-                                          </p:cBhvr>
-                                          <p:to>
-                                            <p:strVal val="visible"/>
-                                          </p:to>
-                                        </p:set>
-                                        <p:anim calcmode="lin" valueType="num">
-                                          <p:cBhvr additive="base">
-                                            <p:cTn id="24" dur="500" fill="hold"/>
-                                            <p:tgtEl>
-                                              <p:spTgt spid="15"/>
-                                            </p:tgtEl>
-                                            <p:attrNameLst>
-                                              <p:attrName>ppt_x</p:attrName>
-                                            </p:attrNameLst>
-                                          </p:cBhvr>
-                                          <p:tavLst>
-                                            <p:tav tm="0">
-                                              <p:val>
-                                                <p:strVal val="0-#ppt_w/2"/>
-                                              </p:val>
-                                            </p:tav>
-                                            <p:tav tm="100000">
-                                              <p:val>
-                                                <p:strVal val="#ppt_x"/>
-                                              </p:val>
-                                            </p:tav>
-                                          </p:tavLst>
-                                        </p:anim>
-                                        <p:anim calcmode="lin" valueType="num">
-                                          <p:cBhvr additive="base">
-                                            <p:cTn id="25" dur="500" fill="hold"/>
-                                            <p:tgtEl>
-                                              <p:spTgt spid="15"/>
-                                            </p:tgtEl>
-                                            <p:attrNameLst>
-                                              <p:attrName>ppt_y</p:attrName>
-                                            </p:attrNameLst>
-                                          </p:cBhvr>
-                                          <p:tavLst>
-                                            <p:tav tm="0">
-                                              <p:val>
-                                                <p:strVal val="#ppt_y"/>
-                                              </p:val>
-                                            </p:tav>
-                                            <p:tav tm="100000">
-                                              <p:val>
-                                                <p:strVal val="#ppt_y"/>
-                                              </p:val>
-                                            </p:tav>
-                                          </p:tavLst>
-                                        </p:anim>
-                                      </p:childTnLst>
-                                    </p:cTn>
-                                  </p:par>
-                                  <p:par>
-                                    <p:cTn id="26" presetID="12" presetClass="entr" presetSubtype="2" fill="hold" grpId="0" nodeType="withEffect">
-                                      <p:stCondLst>
-                                        <p:cond delay="300"/>
-                                      </p:stCondLst>
-                                      <p:childTnLst>
-                                        <p:set>
-                                          <p:cBhvr>
-                                            <p:cTn id="27" dur="1" fill="hold">
-                                              <p:stCondLst>
-                                                <p:cond delay="0"/>
-                                              </p:stCondLst>
-                                            </p:cTn>
-                                            <p:tgtEl>
-                                              <p:spTgt spid="13"/>
-                                            </p:tgtEl>
-                                            <p:attrNameLst>
-                                              <p:attrName>style.visibility</p:attrName>
-                                            </p:attrNameLst>
-                                          </p:cBhvr>
-                                          <p:to>
-                                            <p:strVal val="visible"/>
-                                          </p:to>
-                                        </p:set>
-                                        <p:anim calcmode="lin" valueType="num">
-                                          <p:cBhvr additive="base">
-                                            <p:cTn id="28" dur="500"/>
-                                            <p:tgtEl>
-                                              <p:spTgt spid="13"/>
-                                            </p:tgtEl>
-                                            <p:attrNameLst>
-                                              <p:attrName>ppt_x</p:attrName>
-                                            </p:attrNameLst>
-                                          </p:cBhvr>
-                                          <p:tavLst>
-                                            <p:tav tm="0">
-                                              <p:val>
-                                                <p:strVal val="#ppt_x+#ppt_w*1.125000"/>
-                                              </p:val>
-                                            </p:tav>
-                                            <p:tav tm="100000">
-                                              <p:val>
-                                                <p:strVal val="#ppt_x"/>
-                                              </p:val>
-                                            </p:tav>
-                                          </p:tavLst>
-                                        </p:anim>
-                                        <p:animEffect transition="in" filter="wipe(left)">
-                                          <p:cBhvr>
-                                            <p:cTn id="29" dur="500"/>
-                                            <p:tgtEl>
-                                              <p:spTgt spid="13"/>
-                                            </p:tgtEl>
-                                          </p:cBhvr>
-                                        </p:animEffect>
-                                      </p:childTnLst>
-                                    </p:cTn>
-                                  </p:par>
-                                  <p:par>
-                                    <p:cTn id="30" presetID="2" presetClass="entr" presetSubtype="4" fill="hold" grpId="0" nodeType="withEffect">
-                                      <p:stCondLst>
-                                        <p:cond delay="600"/>
-                                      </p:stCondLst>
-                                      <p:childTnLst>
-                                        <p:set>
-                                          <p:cBhvr>
-                                            <p:cTn id="31" dur="1" fill="hold">
-                                              <p:stCondLst>
-                                                <p:cond delay="0"/>
-                                              </p:stCondLst>
-                                            </p:cTn>
-                                            <p:tgtEl>
-                                              <p:spTgt spid="18"/>
-                                            </p:tgtEl>
-                                            <p:attrNameLst>
-                                              <p:attrName>style.visibility</p:attrName>
-                                            </p:attrNameLst>
-                                          </p:cBhvr>
-                                          <p:to>
-                                            <p:strVal val="visible"/>
-                                          </p:to>
-                                        </p:set>
-                                        <p:anim calcmode="lin" valueType="num">
-                                          <p:cBhvr additive="base">
-                                            <p:cTn id="32" dur="500" fill="hold"/>
-                                            <p:tgtEl>
-                                              <p:spTgt spid="18"/>
-                                            </p:tgtEl>
-                                            <p:attrNameLst>
-                                              <p:attrName>ppt_x</p:attrName>
-                                            </p:attrNameLst>
-                                          </p:cBhvr>
-                                          <p:tavLst>
-                                            <p:tav tm="0">
-                                              <p:val>
-                                                <p:strVal val="#ppt_x"/>
-                                              </p:val>
-                                            </p:tav>
-                                            <p:tav tm="100000">
-                                              <p:val>
-                                                <p:strVal val="#ppt_x"/>
-                                              </p:val>
-                                            </p:tav>
-                                          </p:tavLst>
-                                        </p:anim>
-                                        <p:anim calcmode="lin" valueType="num">
-                                          <p:cBhvr additive="base">
-                                            <p:cTn id="33" dur="500" fill="hold"/>
-                                            <p:tgtEl>
-                                              <p:spTgt spid="18"/>
-                                            </p:tgtEl>
-                                            <p:attrNameLst>
-                                              <p:attrName>ppt_y</p:attrName>
-                                            </p:attrNameLst>
-                                          </p:cBhvr>
-                                          <p:tavLst>
-                                            <p:tav tm="0">
-                                              <p:val>
-                                                <p:strVal val="1+#ppt_h/2"/>
-                                              </p:val>
-                                            </p:tav>
-                                            <p:tav tm="100000">
-                                              <p:val>
-                                                <p:strVal val="#ppt_y"/>
-                                              </p:val>
-                                            </p:tav>
-                                          </p:tavLst>
-                                        </p:anim>
-                                      </p:childTnLst>
-                                    </p:cTn>
-                                  </p:par>
-                                  <p:par>
-                                    <p:cTn id="34" presetID="12" presetClass="entr" presetSubtype="2" fill="hold" grpId="0" nodeType="withEffect">
-                                      <p:stCondLst>
-                                        <p:cond delay="600"/>
-                                      </p:stCondLst>
-                                      <p:childTnLst>
-                                        <p:set>
-                                          <p:cBhvr>
-                                            <p:cTn id="35" dur="1" fill="hold">
-                                              <p:stCondLst>
-                                                <p:cond delay="0"/>
-                                              </p:stCondLst>
-                                            </p:cTn>
-                                            <p:tgtEl>
-                                              <p:spTgt spid="10"/>
-                                            </p:tgtEl>
-                                            <p:attrNameLst>
-                                              <p:attrName>style.visibility</p:attrName>
-                                            </p:attrNameLst>
-                                          </p:cBhvr>
-                                          <p:to>
-                                            <p:strVal val="visible"/>
-                                          </p:to>
-                                        </p:set>
-                                        <p:anim calcmode="lin" valueType="num">
-                                          <p:cBhvr additive="base">
-                                            <p:cTn id="36" dur="500"/>
-                                            <p:tgtEl>
-                                              <p:spTgt spid="10"/>
-                                            </p:tgtEl>
-                                            <p:attrNameLst>
-                                              <p:attrName>ppt_x</p:attrName>
-                                            </p:attrNameLst>
-                                          </p:cBhvr>
-                                          <p:tavLst>
-                                            <p:tav tm="0">
-                                              <p:val>
-                                                <p:strVal val="#ppt_x+#ppt_w*1.125000"/>
-                                              </p:val>
-                                            </p:tav>
-                                            <p:tav tm="100000">
-                                              <p:val>
-                                                <p:strVal val="#ppt_x"/>
-                                              </p:val>
-                                            </p:tav>
-                                          </p:tavLst>
-                                        </p:anim>
-                                        <p:animEffect transition="in" filter="wipe(left)">
-                                          <p:cBhvr>
-                                            <p:cTn id="37" dur="500"/>
-                                            <p:tgtEl>
-                                              <p:spTgt spid="10"/>
-                                            </p:tgtEl>
-                                          </p:cBhvr>
-                                        </p:animEffect>
-                                      </p:childTnLst>
-                                    </p:cTn>
-                                  </p:par>
-                                  <p:par>
-                                    <p:cTn id="38" presetID="2" presetClass="entr" presetSubtype="2" fill="hold" nodeType="withEffect">
-                                      <p:stCondLst>
-                                        <p:cond delay="900"/>
-                                      </p:stCondLst>
-                                      <p:childTnLst>
-                                        <p:set>
-                                          <p:cBhvr>
-                                            <p:cTn id="39" dur="1" fill="hold">
-                                              <p:stCondLst>
-                                                <p:cond delay="0"/>
-                                              </p:stCondLst>
-                                            </p:cTn>
-                                            <p:tgtEl>
-                                              <p:spTgt spid="19"/>
-                                            </p:tgtEl>
-                                            <p:attrNameLst>
-                                              <p:attrName>style.visibility</p:attrName>
-                                            </p:attrNameLst>
-                                          </p:cBhvr>
-                                          <p:to>
-                                            <p:strVal val="visible"/>
-                                          </p:to>
-                                        </p:set>
-                                        <p:anim calcmode="lin" valueType="num">
-                                          <p:cBhvr additive="base">
-                                            <p:cTn id="40" dur="500" fill="hold"/>
-                                            <p:tgtEl>
-                                              <p:spTgt spid="19"/>
-                                            </p:tgtEl>
-                                            <p:attrNameLst>
-                                              <p:attrName>ppt_x</p:attrName>
-                                            </p:attrNameLst>
-                                          </p:cBhvr>
-                                          <p:tavLst>
-                                            <p:tav tm="0">
-                                              <p:val>
-                                                <p:strVal val="1+#ppt_w/2"/>
-                                              </p:val>
-                                            </p:tav>
-                                            <p:tav tm="100000">
-                                              <p:val>
-                                                <p:strVal val="#ppt_x"/>
-                                              </p:val>
-                                            </p:tav>
-                                          </p:tavLst>
-                                        </p:anim>
-                                        <p:anim calcmode="lin" valueType="num">
-                                          <p:cBhvr additive="base">
-                                            <p:cTn id="41" dur="500" fill="hold"/>
-                                            <p:tgtEl>
-                                              <p:spTgt spid="19"/>
-                                            </p:tgtEl>
-                                            <p:attrNameLst>
-                                              <p:attrName>ppt_y</p:attrName>
-                                            </p:attrNameLst>
-                                          </p:cBhvr>
-                                          <p:tavLst>
-                                            <p:tav tm="0">
-                                              <p:val>
-                                                <p:strVal val="#ppt_y"/>
-                                              </p:val>
-                                            </p:tav>
-                                            <p:tav tm="100000">
-                                              <p:val>
-                                                <p:strVal val="#ppt_y"/>
-                                              </p:val>
-                                            </p:tav>
-                                          </p:tavLst>
-                                        </p:anim>
-                                      </p:childTnLst>
-                                    </p:cTn>
-                                  </p:par>
-                                  <p:par>
-                                    <p:cTn id="42" presetID="12" presetClass="entr" presetSubtype="8" fill="hold" grpId="0" nodeType="withEffect">
-                                      <p:stCondLst>
-                                        <p:cond delay="900"/>
-                                      </p:stCondLst>
-                                      <p:childTnLst>
-                                        <p:set>
-                                          <p:cBhvr>
-                                            <p:cTn id="43" dur="1" fill="hold">
-                                              <p:stCondLst>
-                                                <p:cond delay="0"/>
-                                              </p:stCondLst>
-                                            </p:cTn>
-                                            <p:tgtEl>
-                                              <p:spTgt spid="11"/>
-                                            </p:tgtEl>
-                                            <p:attrNameLst>
-                                              <p:attrName>style.visibility</p:attrName>
-                                            </p:attrNameLst>
-                                          </p:cBhvr>
-                                          <p:to>
-                                            <p:strVal val="visible"/>
-                                          </p:to>
-                                        </p:set>
-                                        <p:anim calcmode="lin" valueType="num">
-                                          <p:cBhvr additive="base">
-                                            <p:cTn id="44" dur="500"/>
-                                            <p:tgtEl>
-                                              <p:spTgt spid="11"/>
-                                            </p:tgtEl>
-                                            <p:attrNameLst>
-                                              <p:attrName>ppt_x</p:attrName>
-                                            </p:attrNameLst>
-                                          </p:cBhvr>
-                                          <p:tavLst>
-                                            <p:tav tm="0">
-                                              <p:val>
-                                                <p:strVal val="#ppt_x-#ppt_w*1.125000"/>
-                                              </p:val>
-                                            </p:tav>
-                                            <p:tav tm="100000">
-                                              <p:val>
-                                                <p:strVal val="#ppt_x"/>
-                                              </p:val>
-                                            </p:tav>
-                                          </p:tavLst>
-                                        </p:anim>
-                                        <p:animEffect transition="in" filter="wipe(right)">
-                                          <p:cBhvr>
-                                            <p:cTn id="45" dur="500"/>
-                                            <p:tgtEl>
-                                              <p:spTgt spid="11"/>
-                                            </p:tgtEl>
-                                          </p:cBhvr>
-                                        </p:animEffect>
-                                      </p:childTnLst>
-                                    </p:cTn>
-                                  </p:par>
-                                  <p:par>
-                                    <p:cTn id="46" presetID="12" presetClass="entr" presetSubtype="8" fill="hold" grpId="0" nodeType="withEffect">
-                                      <p:stCondLst>
-                                        <p:cond delay="1200"/>
-                                      </p:stCondLst>
-                                      <p:childTnLst>
-                                        <p:set>
-                                          <p:cBhvr>
-                                            <p:cTn id="47" dur="1" fill="hold">
-                                              <p:stCondLst>
-                                                <p:cond delay="0"/>
-                                              </p:stCondLst>
-                                            </p:cTn>
-                                            <p:tgtEl>
-                                              <p:spTgt spid="12"/>
-                                            </p:tgtEl>
-                                            <p:attrNameLst>
-                                              <p:attrName>style.visibility</p:attrName>
-                                            </p:attrNameLst>
-                                          </p:cBhvr>
-                                          <p:to>
-                                            <p:strVal val="visible"/>
-                                          </p:to>
-                                        </p:set>
-                                        <p:anim calcmode="lin" valueType="num">
-                                          <p:cBhvr additive="base">
-                                            <p:cTn id="48" dur="500"/>
-                                            <p:tgtEl>
-                                              <p:spTgt spid="12"/>
-                                            </p:tgtEl>
-                                            <p:attrNameLst>
-                                              <p:attrName>ppt_x</p:attrName>
-                                            </p:attrNameLst>
-                                          </p:cBhvr>
-                                          <p:tavLst>
-                                            <p:tav tm="0">
-                                              <p:val>
-                                                <p:strVal val="#ppt_x-#ppt_w*1.125000"/>
-                                              </p:val>
-                                            </p:tav>
-                                            <p:tav tm="100000">
-                                              <p:val>
-                                                <p:strVal val="#ppt_x"/>
-                                              </p:val>
-                                            </p:tav>
-                                          </p:tavLst>
-                                        </p:anim>
-                                        <p:animEffect transition="in" filter="wipe(right)">
-                                          <p:cBhvr>
-                                            <p:cTn id="49" dur="500"/>
-                                            <p:tgtEl>
-                                              <p:spTgt spid="12"/>
-                                            </p:tgtEl>
-                                          </p:cBhvr>
-                                        </p:animEffect>
-                                      </p:childTnLst>
-                                    </p:cTn>
-                                  </p:par>
-                                </p:childTnLst>
-                              </p:cTn>
-                            </p:par>
-                          </p:childTnLst>
-                        </p:cTn>
-                      </p:par>
-                    </p:childTnLst>
-                  </p:cTn>
-                  <p:prevCondLst>
-                    <p:cond evt="onPrev" delay="0">
-                      <p:tgtEl>
-                        <p:sldTgt/>
-                      </p:tgtEl>
-                    </p:cond>
-                  </p:prevCondLst>
-                  <p:nextCondLst>
-                    <p:cond evt="onNext" delay="0">
-                      <p:tgtEl>
-                        <p:sldTgt/>
-                      </p:tgtEl>
-                    </p:cond>
-                  </p:nextCondLst>
-                </p:seq>
-              </p:childTnLst>
-            </p:cTn>
-          </p:par>
-        </p:tnLst>
-        <p:bldLst>
-          <p:bldP spid="5" grpId="0" animBg="1"/>
-          <p:bldP spid="6" grpId="0"/>
-          <p:bldP spid="10" grpId="0"/>
-          <p:bldP spid="11" grpId="0"/>
-          <p:bldP spid="12" grpId="0"/>
-          <p:bldP spid="13" grpId="0"/>
-          <p:bldP spid="14" grpId="0" animBg="1"/>
-          <p:bldP spid="18" grpId="0" animBg="1"/>
-        </p:bldLst>
-      </p:timing>
-    </mc:Fallback>
-  </mc:AlternateContent>
-</p:sld>
-</file>
-
-<file path=ppt/slides/slide7.xml><?xml version="1.0" encoding="utf-8"?>
 <p:sld xmlns:a="http://schemas.openxmlformats.org/drawingml/2006/main" xmlns:r="http://schemas.openxmlformats.org/officeDocument/2006/relationships" xmlns:p="http://schemas.openxmlformats.org/presentationml/2006/main">
   <p:cSld>
     <p:spTree>
@@ -18888,7 +16137,7 @@
 </p:sld>
 </file>
 
-<file path=ppt/slides/slide8.xml><?xml version="1.0" encoding="utf-8"?>
+<file path=ppt/slides/slide7.xml><?xml version="1.0" encoding="utf-8"?>
 <p:sld xmlns:a="http://schemas.openxmlformats.org/drawingml/2006/main" xmlns:r="http://schemas.openxmlformats.org/officeDocument/2006/relationships" xmlns:p="http://schemas.openxmlformats.org/presentationml/2006/main">
   <p:cSld>
     <p:spTree>
